--- a/ABP/Community-Talks-2023.8/Community-Talks-2023.8.pptx
+++ b/ABP/Community-Talks-2023.8/Community-Talks-2023.8.pptx
@@ -2,7 +2,7 @@
 <file path=ppt/presentation.xml><?xml version="1.0" encoding="utf-8"?>
 <p:presentation xmlns:a="http://schemas.openxmlformats.org/drawingml/2006/main" xmlns:r="http://schemas.openxmlformats.org/officeDocument/2006/relationships" xmlns:mc="http://schemas.openxmlformats.org/markup-compatibility/2006" xmlns:mv="urn:schemas-microsoft-com:mac:vml" xmlns:p="http://schemas.openxmlformats.org/presentationml/2006/main" xmlns:c="http://schemas.openxmlformats.org/drawingml/2006/chart" xmlns:dgm="http://schemas.openxmlformats.org/drawingml/2006/diagram" xmlns:o="urn:schemas-microsoft-com:office:office" xmlns:v="urn:schemas-microsoft-com:vml" xmlns:pvml="urn:schemas-microsoft-com:office:powerpoint" xmlns:com="http://schemas.openxmlformats.org/drawingml/2006/compatibility" xmlns:p14="http://schemas.microsoft.com/office/powerpoint/2010/main" xmlns:p15="http://schemas.microsoft.com/office/powerpoint/2012/main" xmlns:ahyp="http://schemas.microsoft.com/office/drawing/2018/hyperlinkcolor" autoCompressPictures="0" embedTrueTypeFonts="1" strictFirstAndLastChars="0" saveSubsetFonts="1">
   <p:sldMasterIdLst>
-    <p:sldMasterId id="2147483648" r:id="rId3"/>
+    <p:sldMasterId id="2147483659" r:id="rId3"/>
   </p:sldMasterIdLst>
   <p:notesMasterIdLst>
     <p:notesMasterId r:id="rId4"/>
@@ -267,17 +267,19 @@
       </a:defRPr>
     </a:lvl9pPr>
   </p:defaultTextStyle>
-  <p:extLst>
-    <p:ext uri="GoogleSlidesCustomDataVersion2">
-      <go:slidesCustomData xmlns:go="http://customooxmlschemas.google.com/" r:id="rId24" roundtripDataSignature="AMtx7mhmSs4VTYQFUERBdMN8cSR7UPAeVA=="/>
-    </p:ext>
-  </p:extLst>
 </p:presentation>
 </file>
 
 <file path=ppt/notesMasters/notesMaster1.xml><?xml version="1.0" encoding="utf-8"?>
 <p:notesMaster xmlns:a="http://schemas.openxmlformats.org/drawingml/2006/main" xmlns:r="http://schemas.openxmlformats.org/officeDocument/2006/relationships" xmlns:mc="http://schemas.openxmlformats.org/markup-compatibility/2006" xmlns:mv="urn:schemas-microsoft-com:mac:vml" xmlns:p="http://schemas.openxmlformats.org/presentationml/2006/main" xmlns:c="http://schemas.openxmlformats.org/drawingml/2006/chart" xmlns:dgm="http://schemas.openxmlformats.org/drawingml/2006/diagram" xmlns:o="urn:schemas-microsoft-com:office:office" xmlns:v="urn:schemas-microsoft-com:vml" xmlns:pvml="urn:schemas-microsoft-com:office:powerpoint" xmlns:com="http://schemas.openxmlformats.org/drawingml/2006/compatibility" xmlns:p14="http://schemas.microsoft.com/office/powerpoint/2010/main" xmlns:p15="http://schemas.microsoft.com/office/powerpoint/2012/main" xmlns:ahyp="http://schemas.microsoft.com/office/drawing/2018/hyperlinkcolor">
   <p:cSld>
+    <p:bg>
+      <p:bgPr>
+        <a:solidFill>
+          <a:schemeClr val="lt1"/>
+        </a:solidFill>
+      </p:bgPr>
+    </p:bg>
     <p:spTree>
       <p:nvGrpSpPr>
         <p:cNvPr id="2" name="Shape 2"/>
@@ -972,7 +974,7 @@
       </p:grpSpPr>
       <p:sp>
         <p:nvSpPr>
-          <p:cNvPr id="150" name="Google Shape;150;g29b76e2bf7f_0_5:notes"/>
+          <p:cNvPr id="150" name="Google Shape;150;p10:notes"/>
           <p:cNvSpPr txBox="1"/>
           <p:nvPr>
             <p:ph idx="1" type="body"/>
@@ -1046,7 +1048,7 @@
       </p:sp>
       <p:sp>
         <p:nvSpPr>
-          <p:cNvPr id="151" name="Google Shape;151;g29b76e2bf7f_0_5:notes"/>
+          <p:cNvPr id="151" name="Google Shape;151;p10:notes"/>
           <p:cNvSpPr/>
           <p:nvPr>
             <p:ph idx="2" type="sldImg"/>
@@ -1054,8 +1056,8 @@
         </p:nvSpPr>
         <p:spPr>
           <a:xfrm>
-            <a:off x="1143225" y="685800"/>
-            <a:ext cx="4572300" cy="3429000"/>
+            <a:off x="381000" y="685800"/>
+            <a:ext cx="6096000" cy="3429000"/>
           </a:xfrm>
           <a:custGeom>
             <a:rect b="b" l="l" r="r" t="t"/>
@@ -1102,7 +1104,7 @@
   <p:cSld>
     <p:spTree>
       <p:nvGrpSpPr>
-        <p:cNvPr id="157" name="Shape 157"/>
+        <p:cNvPr id="156" name="Shape 156"/>
         <p:cNvGrpSpPr/>
         <p:nvPr/>
       </p:nvGrpSpPr>
@@ -1116,7 +1118,7 @@
       </p:grpSpPr>
       <p:sp>
         <p:nvSpPr>
-          <p:cNvPr id="158" name="Google Shape;158;g29b15032e6a_0_30:notes"/>
+          <p:cNvPr id="157" name="Google Shape;157;p11:notes"/>
           <p:cNvSpPr txBox="1"/>
           <p:nvPr>
             <p:ph idx="1" type="body"/>
@@ -1163,7 +1165,7 @@
       </p:sp>
       <p:sp>
         <p:nvSpPr>
-          <p:cNvPr id="159" name="Google Shape;159;g29b15032e6a_0_30:notes"/>
+          <p:cNvPr id="158" name="Google Shape;158;p11:notes"/>
           <p:cNvSpPr/>
           <p:nvPr>
             <p:ph idx="2" type="sldImg"/>
@@ -1171,8 +1173,8 @@
         </p:nvSpPr>
         <p:spPr>
           <a:xfrm>
-            <a:off x="1143225" y="685800"/>
-            <a:ext cx="4572300" cy="3429000"/>
+            <a:off x="381000" y="685800"/>
+            <a:ext cx="6096000" cy="3429000"/>
           </a:xfrm>
           <a:custGeom>
             <a:rect b="b" l="l" r="r" t="t"/>
@@ -1219,7 +1221,7 @@
   <p:cSld>
     <p:spTree>
       <p:nvGrpSpPr>
-        <p:cNvPr id="163" name="Shape 163"/>
+        <p:cNvPr id="162" name="Shape 162"/>
         <p:cNvGrpSpPr/>
         <p:nvPr/>
       </p:nvGrpSpPr>
@@ -1233,7 +1235,7 @@
       </p:grpSpPr>
       <p:sp>
         <p:nvSpPr>
-          <p:cNvPr id="164" name="Google Shape;164;g29c72b0158f_0_32:notes"/>
+          <p:cNvPr id="163" name="Google Shape;163;p12:notes"/>
           <p:cNvSpPr txBox="1"/>
           <p:nvPr>
             <p:ph idx="1" type="body"/>
@@ -1260,20 +1262,122 @@
           <a:p>
             <a:pPr indent="0" lvl="0" marL="0" rtl="0" algn="l">
               <a:lnSpc>
-                <a:spcPct val="100000"/>
-              </a:lnSpc>
-              <a:spcBef>
-                <a:spcPts val="0"/>
-              </a:spcBef>
-              <a:spcAft>
-                <a:spcPts val="0"/>
-              </a:spcAft>
-              <a:buSzPts val="1100"/>
+                <a:spcPct val="150000"/>
+              </a:lnSpc>
+              <a:spcBef>
+                <a:spcPts val="0"/>
+              </a:spcBef>
+              <a:spcAft>
+                <a:spcPts val="0"/>
+              </a:spcAft>
+              <a:buSzPts val="1800"/>
               <a:buNone/>
             </a:pPr>
             <a:r>
-              <a:rPr lang="en-GB"/>
-              <a:t>Suite: Most Wanted Feature diye bahset!!!</a:t>
+              <a:rPr lang="en-GB" sz="1500">
+                <a:solidFill>
+                  <a:srgbClr val="5B636F"/>
+                </a:solidFill>
+                <a:latin typeface="Poppins"/>
+                <a:ea typeface="Poppins"/>
+                <a:cs typeface="Poppins"/>
+                <a:sym typeface="Poppins"/>
+              </a:rPr>
+              <a:t>ABP Suite allows you to create a master-detail relationship with a few clicks. It generates the necessary code for the master and detail tables, including the foreign key relationship between the two tables. It was one of the most wanted features and we are introducing it with ABP Commercial v8.0.</a:t>
+            </a:r>
+            <a:endParaRPr sz="1500">
+              <a:solidFill>
+                <a:srgbClr val="5B636F"/>
+              </a:solidFill>
+              <a:latin typeface="Poppins"/>
+              <a:ea typeface="Poppins"/>
+              <a:cs typeface="Poppins"/>
+              <a:sym typeface="Poppins"/>
+            </a:endParaRPr>
+          </a:p>
+          <a:p>
+            <a:pPr indent="0" lvl="0" marL="0" rtl="0" algn="l">
+              <a:lnSpc>
+                <a:spcPct val="150000"/>
+              </a:lnSpc>
+              <a:spcBef>
+                <a:spcPts val="0"/>
+              </a:spcBef>
+              <a:spcAft>
+                <a:spcPts val="0"/>
+              </a:spcAft>
+              <a:buSzPts val="1800"/>
+              <a:buNone/>
+            </a:pPr>
+            <a:r>
+              <a:t/>
+            </a:r>
+            <a:endParaRPr sz="1500">
+              <a:solidFill>
+                <a:srgbClr val="5B636F"/>
+              </a:solidFill>
+              <a:latin typeface="Poppins"/>
+              <a:ea typeface="Poppins"/>
+              <a:cs typeface="Poppins"/>
+              <a:sym typeface="Poppins"/>
+            </a:endParaRPr>
+          </a:p>
+          <a:p>
+            <a:pPr indent="0" lvl="0" marL="0" rtl="0" algn="l">
+              <a:lnSpc>
+                <a:spcPct val="150000"/>
+              </a:lnSpc>
+              <a:spcBef>
+                <a:spcPts val="0"/>
+              </a:spcBef>
+              <a:spcAft>
+                <a:spcPts val="0"/>
+              </a:spcAft>
+              <a:buClr>
+                <a:schemeClr val="dk1"/>
+              </a:buClr>
+              <a:buSzPts val="1800"/>
+              <a:buFont typeface="Arial"/>
+              <a:buNone/>
+            </a:pPr>
+            <a:r>
+              <a:rPr lang="en-GB" sz="1500">
+                <a:solidFill>
+                  <a:srgbClr val="5B636F"/>
+                </a:solidFill>
+                <a:latin typeface="Poppins"/>
+                <a:ea typeface="Poppins"/>
+                <a:cs typeface="Poppins"/>
+                <a:sym typeface="Poppins"/>
+              </a:rPr>
+              <a:t>It’s already documented and you can find the documentation link in the description section below, give it a shot to the master/detail feature and provide feedback.</a:t>
+            </a:r>
+            <a:endParaRPr sz="1500">
+              <a:solidFill>
+                <a:srgbClr val="5B636F"/>
+              </a:solidFill>
+              <a:latin typeface="Poppins"/>
+              <a:ea typeface="Poppins"/>
+              <a:cs typeface="Poppins"/>
+              <a:sym typeface="Poppins"/>
+            </a:endParaRPr>
+          </a:p>
+          <a:p>
+            <a:pPr indent="0" lvl="0" marL="0" rtl="0" algn="l">
+              <a:lnSpc>
+                <a:spcPct val="100000"/>
+              </a:lnSpc>
+              <a:spcBef>
+                <a:spcPts val="0"/>
+              </a:spcBef>
+              <a:spcAft>
+                <a:spcPts val="0"/>
+              </a:spcAft>
+              <a:buSzPts val="1100"/>
+              <a:buNone/>
+            </a:pPr>
+            <a:r>
+              <a:t/>
             </a:r>
             <a:endParaRPr/>
           </a:p>
@@ -1281,7 +1385,7 @@
       </p:sp>
       <p:sp>
         <p:nvSpPr>
-          <p:cNvPr id="165" name="Google Shape;165;g29c72b0158f_0_32:notes"/>
+          <p:cNvPr id="164" name="Google Shape;164;p12:notes"/>
           <p:cNvSpPr/>
           <p:nvPr>
             <p:ph idx="2" type="sldImg"/>
@@ -1289,8 +1393,8 @@
         </p:nvSpPr>
         <p:spPr>
           <a:xfrm>
-            <a:off x="1143225" y="685800"/>
-            <a:ext cx="4572300" cy="3429000"/>
+            <a:off x="381000" y="685800"/>
+            <a:ext cx="6096000" cy="3429000"/>
           </a:xfrm>
           <a:custGeom>
             <a:rect b="b" l="l" r="r" t="t"/>
@@ -1337,7 +1441,7 @@
   <p:cSld>
     <p:spTree>
       <p:nvGrpSpPr>
-        <p:cNvPr id="171" name="Shape 171"/>
+        <p:cNvPr id="170" name="Shape 170"/>
         <p:cNvGrpSpPr/>
         <p:nvPr/>
       </p:nvGrpSpPr>
@@ -1351,7 +1455,7 @@
       </p:grpSpPr>
       <p:sp>
         <p:nvSpPr>
-          <p:cNvPr id="172" name="Google Shape;172;p3:notes"/>
+          <p:cNvPr id="171" name="Google Shape;171;p13:notes"/>
           <p:cNvSpPr txBox="1"/>
           <p:nvPr>
             <p:ph idx="1" type="body"/>
@@ -1398,7 +1502,7 @@
       </p:sp>
       <p:sp>
         <p:nvSpPr>
-          <p:cNvPr id="173" name="Google Shape;173;p3:notes"/>
+          <p:cNvPr id="172" name="Google Shape;172;p13:notes"/>
           <p:cNvSpPr/>
           <p:nvPr>
             <p:ph idx="2" type="sldImg"/>
@@ -1468,7 +1572,7 @@
       </p:grpSpPr>
       <p:sp>
         <p:nvSpPr>
-          <p:cNvPr id="91" name="Google Shape;91;g29b15032e6a_0_13:notes"/>
+          <p:cNvPr id="91" name="Google Shape;91;p2:notes"/>
           <p:cNvSpPr txBox="1"/>
           <p:nvPr>
             <p:ph idx="1" type="body"/>
@@ -1494,6 +1598,9 @@
           <a:lstStyle/>
           <a:p>
             <a:pPr indent="0" lvl="0" marL="0" rtl="0" algn="l">
+              <a:lnSpc>
+                <a:spcPct val="100000"/>
+              </a:lnSpc>
               <a:spcBef>
                 <a:spcPts val="0"/>
               </a:spcBef>
@@ -1517,19 +1624,7 @@
                 <a:cs typeface="Poppins"/>
                 <a:sym typeface="Poppins"/>
               </a:rPr>
-              <a:t>Today, </a:t>
-            </a:r>
-            <a:r>
-              <a:rPr lang="en-GB" sz="1800">
-                <a:solidFill>
-                  <a:srgbClr val="5B636F"/>
-                </a:solidFill>
-                <a:latin typeface="Poppins"/>
-                <a:ea typeface="Poppins"/>
-                <a:cs typeface="Poppins"/>
-                <a:sym typeface="Poppins"/>
-              </a:rPr>
-              <a:t>I will some important features that came with ABP Framework 8.0. If you want to learn more, you can check the blog post.</a:t>
+              <a:t>Today, I will some important features that came with ABP Framework 8.0. If you want to learn more, you can check the blog post.</a:t>
             </a:r>
             <a:endParaRPr>
               <a:solidFill>
@@ -1570,6 +1665,9 @@
           </a:p>
           <a:p>
             <a:pPr indent="0" lvl="0" marL="0" rtl="0" algn="l">
+              <a:lnSpc>
+                <a:spcPct val="100000"/>
+              </a:lnSpc>
               <a:spcBef>
                 <a:spcPts val="0"/>
               </a:spcBef>
@@ -1615,7 +1713,7 @@
       </p:sp>
       <p:sp>
         <p:nvSpPr>
-          <p:cNvPr id="92" name="Google Shape;92;g29b15032e6a_0_13:notes"/>
+          <p:cNvPr id="92" name="Google Shape;92;p2:notes"/>
           <p:cNvSpPr/>
           <p:nvPr>
             <p:ph idx="2" type="sldImg"/>
@@ -1623,8 +1721,8 @@
         </p:nvSpPr>
         <p:spPr>
           <a:xfrm>
-            <a:off x="1143225" y="685800"/>
-            <a:ext cx="4572300" cy="3429000"/>
+            <a:off x="381000" y="685800"/>
+            <a:ext cx="6096000" cy="3429000"/>
           </a:xfrm>
           <a:custGeom>
             <a:rect b="b" l="l" r="r" t="t"/>
@@ -1685,7 +1783,7 @@
       </p:grpSpPr>
       <p:sp>
         <p:nvSpPr>
-          <p:cNvPr id="97" name="Google Shape;97;g29b15032e6a_0_20:notes"/>
+          <p:cNvPr id="97" name="Google Shape;97;p3:notes"/>
           <p:cNvSpPr txBox="1"/>
           <p:nvPr>
             <p:ph idx="1" type="body"/>
@@ -1764,26 +1862,11 @@
             </a:pPr>
             <a:r>
               <a:rPr lang="en-GB"/>
-              <a:t>…</a:t>
+              <a:t>And for that purpose, you can read these migration guides. You can find the links down below on the comment section or in the v8.0 release </a:t>
             </a:r>
-            <a:endParaRPr/>
-          </a:p>
-          <a:p>
-            <a:pPr indent="0" lvl="0" marL="0" rtl="0" algn="l">
-              <a:lnSpc>
-                <a:spcPct val="100000"/>
-              </a:lnSpc>
-              <a:spcBef>
-                <a:spcPts val="0"/>
-              </a:spcBef>
-              <a:spcAft>
-                <a:spcPts val="0"/>
-              </a:spcAft>
-              <a:buSzPts val="1100"/>
-              <a:buNone/>
-            </a:pPr>
             <a:r>
-              <a:t/>
+              <a:rPr lang="en-GB"/>
+              <a:t>blog post.</a:t>
             </a:r>
             <a:endParaRPr/>
           </a:p>
@@ -1810,7 +1893,7 @@
       </p:sp>
       <p:sp>
         <p:nvSpPr>
-          <p:cNvPr id="98" name="Google Shape;98;g29b15032e6a_0_20:notes"/>
+          <p:cNvPr id="98" name="Google Shape;98;p3:notes"/>
           <p:cNvSpPr/>
           <p:nvPr>
             <p:ph idx="2" type="sldImg"/>
@@ -1818,8 +1901,8 @@
         </p:nvSpPr>
         <p:spPr>
           <a:xfrm>
-            <a:off x="1143225" y="685800"/>
-            <a:ext cx="4572300" cy="3429000"/>
+            <a:off x="381000" y="685800"/>
+            <a:ext cx="6096000" cy="3429000"/>
           </a:xfrm>
           <a:custGeom>
             <a:rect b="b" l="l" r="r" t="t"/>
@@ -1880,7 +1963,7 @@
       </p:grpSpPr>
       <p:sp>
         <p:nvSpPr>
-          <p:cNvPr id="103" name="Google Shape;103;g29b76e2bf7f_0_0:notes"/>
+          <p:cNvPr id="103" name="Google Shape;103;p4:notes"/>
           <p:cNvSpPr txBox="1"/>
           <p:nvPr>
             <p:ph idx="1" type="body"/>
@@ -1920,7 +2003,7 @@
             </a:pPr>
             <a:r>
               <a:rPr lang="en-GB"/>
-              <a:t>ABP v8.0 RC.1 has been shipped based on .NET 8.0 and we are proud to say that we are one of the early adopters. If you are going to create a new application and start from scratch, you can check the get started documentation and you are free to start over. But if you are going to upgrade your existing projects to .NET 8.0, you need to make some changes in your project. </a:t>
+              <a:t>Angular 17 has been released on November 8 and ABP Framework &amp; ABP Commercial startup templates are based on Angular 17.</a:t>
             </a:r>
             <a:endParaRPr/>
           </a:p>
@@ -1959,45 +2042,7 @@
             </a:pPr>
             <a:r>
               <a:rPr lang="en-GB"/>
-              <a:t>…</a:t>
-            </a:r>
-            <a:endParaRPr/>
-          </a:p>
-          <a:p>
-            <a:pPr indent="0" lvl="0" marL="0" rtl="0" algn="l">
-              <a:lnSpc>
-                <a:spcPct val="100000"/>
-              </a:lnSpc>
-              <a:spcBef>
-                <a:spcPts val="0"/>
-              </a:spcBef>
-              <a:spcAft>
-                <a:spcPts val="0"/>
-              </a:spcAft>
-              <a:buSzPts val="1100"/>
-              <a:buNone/>
-            </a:pPr>
-            <a:r>
-              <a:t/>
-            </a:r>
-            <a:endParaRPr/>
-          </a:p>
-          <a:p>
-            <a:pPr indent="0" lvl="0" marL="0" rtl="0" algn="l">
-              <a:lnSpc>
-                <a:spcPct val="100000"/>
-              </a:lnSpc>
-              <a:spcBef>
-                <a:spcPts val="0"/>
-              </a:spcBef>
-              <a:spcAft>
-                <a:spcPts val="0"/>
-              </a:spcAft>
-              <a:buSzPts val="1100"/>
-              <a:buNone/>
-            </a:pPr>
-            <a:r>
-              <a:t/>
+              <a:t>So, when you create a new solution with the Angular UI, you will take advantage of the new Angular with its new cutting-edge features and enhancements right from the start!</a:t>
             </a:r>
             <a:endParaRPr/>
           </a:p>
@@ -2005,7 +2050,7 @@
       </p:sp>
       <p:sp>
         <p:nvSpPr>
-          <p:cNvPr id="104" name="Google Shape;104;g29b76e2bf7f_0_0:notes"/>
+          <p:cNvPr id="104" name="Google Shape;104;p4:notes"/>
           <p:cNvSpPr/>
           <p:nvPr>
             <p:ph idx="2" type="sldImg"/>
@@ -2013,8 +2058,8 @@
         </p:nvSpPr>
         <p:spPr>
           <a:xfrm>
-            <a:off x="1143225" y="685800"/>
-            <a:ext cx="4572300" cy="3429000"/>
+            <a:off x="381000" y="685800"/>
+            <a:ext cx="6096000" cy="3429000"/>
           </a:xfrm>
           <a:custGeom>
             <a:rect b="b" l="l" r="r" t="t"/>
@@ -2075,7 +2120,7 @@
       </p:grpSpPr>
       <p:sp>
         <p:nvSpPr>
-          <p:cNvPr id="109" name="Google Shape;109;g29c72b0158f_0_2:notes"/>
+          <p:cNvPr id="109" name="Google Shape;109;p5:notes"/>
           <p:cNvSpPr txBox="1"/>
           <p:nvPr>
             <p:ph idx="1" type="body"/>
@@ -2149,7 +2194,7 @@
       </p:sp>
       <p:sp>
         <p:nvSpPr>
-          <p:cNvPr id="110" name="Google Shape;110;g29c72b0158f_0_2:notes"/>
+          <p:cNvPr id="110" name="Google Shape;110;p5:notes"/>
           <p:cNvSpPr/>
           <p:nvPr>
             <p:ph idx="2" type="sldImg"/>
@@ -2157,8 +2202,8 @@
         </p:nvSpPr>
         <p:spPr>
           <a:xfrm>
-            <a:off x="1143225" y="685800"/>
-            <a:ext cx="4572300" cy="3429000"/>
+            <a:off x="381000" y="685800"/>
+            <a:ext cx="6096000" cy="3429000"/>
           </a:xfrm>
           <a:custGeom>
             <a:rect b="b" l="l" r="r" t="t"/>
@@ -2219,7 +2264,7 @@
       </p:grpSpPr>
       <p:sp>
         <p:nvSpPr>
-          <p:cNvPr id="115" name="Google Shape;115;g29b15032e6a_0_40:notes"/>
+          <p:cNvPr id="115" name="Google Shape;115;p6:notes"/>
           <p:cNvSpPr txBox="1"/>
           <p:nvPr>
             <p:ph idx="1" type="body"/>
@@ -2275,7 +2320,7 @@
       </p:sp>
       <p:sp>
         <p:nvSpPr>
-          <p:cNvPr id="116" name="Google Shape;116;g29b15032e6a_0_40:notes"/>
+          <p:cNvPr id="116" name="Google Shape;116;p6:notes"/>
           <p:cNvSpPr/>
           <p:nvPr>
             <p:ph idx="2" type="sldImg"/>
@@ -2331,7 +2376,7 @@
   <p:cSld>
     <p:spTree>
       <p:nvGrpSpPr>
-        <p:cNvPr id="123" name="Shape 123"/>
+        <p:cNvPr id="124" name="Shape 124"/>
         <p:cNvGrpSpPr/>
         <p:nvPr/>
       </p:nvGrpSpPr>
@@ -2345,7 +2390,7 @@
       </p:grpSpPr>
       <p:sp>
         <p:nvSpPr>
-          <p:cNvPr id="124" name="Google Shape;124;g29b15032e6a_0_47:notes"/>
+          <p:cNvPr id="125" name="Google Shape;125;p7:notes"/>
           <p:cNvSpPr txBox="1"/>
           <p:nvPr>
             <p:ph idx="1" type="body"/>
@@ -2419,7 +2464,7 @@
       </p:sp>
       <p:sp>
         <p:nvSpPr>
-          <p:cNvPr id="125" name="Google Shape;125;g29b15032e6a_0_47:notes"/>
+          <p:cNvPr id="126" name="Google Shape;126;p7:notes"/>
           <p:cNvSpPr/>
           <p:nvPr>
             <p:ph idx="2" type="sldImg"/>
@@ -2427,8 +2472,8 @@
         </p:nvSpPr>
         <p:spPr>
           <a:xfrm>
-            <a:off x="1143225" y="685800"/>
-            <a:ext cx="4572300" cy="3429000"/>
+            <a:off x="381000" y="685800"/>
+            <a:ext cx="6096000" cy="3429000"/>
           </a:xfrm>
           <a:custGeom>
             <a:rect b="b" l="l" r="r" t="t"/>
@@ -2475,7 +2520,7 @@
   <p:cSld>
     <p:spTree>
       <p:nvGrpSpPr>
-        <p:cNvPr id="131" name="Shape 131"/>
+        <p:cNvPr id="136" name="Shape 136"/>
         <p:cNvGrpSpPr/>
         <p:nvPr/>
       </p:nvGrpSpPr>
@@ -2489,7 +2534,7 @@
       </p:grpSpPr>
       <p:sp>
         <p:nvSpPr>
-          <p:cNvPr id="132" name="Google Shape;132;g29b15032e6a_0_35:notes"/>
+          <p:cNvPr id="137" name="Google Shape;137;p8:notes"/>
           <p:cNvSpPr txBox="1"/>
           <p:nvPr>
             <p:ph idx="1" type="body"/>
@@ -2514,9 +2559,9 @@
           </a:bodyPr>
           <a:lstStyle/>
           <a:p>
-            <a:pPr indent="0" lvl="0" marL="457200" rtl="0" algn="l">
-              <a:lnSpc>
-                <a:spcPct val="150000"/>
+            <a:pPr indent="0" lvl="0" marL="0" rtl="0" algn="l">
+              <a:lnSpc>
+                <a:spcPct val="100000"/>
               </a:lnSpc>
               <a:spcBef>
                 <a:spcPts val="0"/>
@@ -2528,34 +2573,16 @@
               <a:buNone/>
             </a:pPr>
             <a:r>
-              <a:t/>
-            </a:r>
-            <a:endParaRPr sz="1800">
-              <a:solidFill>
-                <a:srgbClr val="5B636F"/>
-              </a:solidFill>
-              <a:latin typeface="Poppins"/>
-              <a:ea typeface="Poppins"/>
-              <a:cs typeface="Poppins"/>
-              <a:sym typeface="Poppins"/>
-            </a:endParaRPr>
-          </a:p>
-          <a:p>
-            <a:pPr indent="0" lvl="0" marL="0" rtl="0" algn="l">
-              <a:lnSpc>
-                <a:spcPct val="100000"/>
-              </a:lnSpc>
-              <a:spcBef>
-                <a:spcPts val="0"/>
-              </a:spcBef>
-              <a:spcAft>
-                <a:spcPts val="0"/>
-              </a:spcAft>
-              <a:buSzPts val="1100"/>
-              <a:buNone/>
-            </a:pPr>
-            <a:r>
-              <a:t/>
+              <a:rPr lang="en-GB" sz="1800">
+                <a:solidFill>
+                  <a:srgbClr val="5B636F"/>
+                </a:solidFill>
+                <a:latin typeface="Poppins"/>
+                <a:ea typeface="Poppins"/>
+                <a:cs typeface="Poppins"/>
+                <a:sym typeface="Poppins"/>
+              </a:rPr>
+              <a:t>EF Core read-only repository implementation uses EF Core’s No-Tracking Feature and that means the entities returned from the repository will not be tracked by the EF Core change tracker and this makes significant performance improvements.</a:t>
             </a:r>
             <a:endParaRPr/>
           </a:p>
@@ -2563,7 +2590,7 @@
       </p:sp>
       <p:sp>
         <p:nvSpPr>
-          <p:cNvPr id="133" name="Google Shape;133;g29b15032e6a_0_35:notes"/>
+          <p:cNvPr id="138" name="Google Shape;138;p8:notes"/>
           <p:cNvSpPr/>
           <p:nvPr>
             <p:ph idx="2" type="sldImg"/>
@@ -2571,8 +2598,8 @@
         </p:nvSpPr>
         <p:spPr>
           <a:xfrm>
-            <a:off x="1143225" y="685800"/>
-            <a:ext cx="4572300" cy="3429000"/>
+            <a:off x="381000" y="685800"/>
+            <a:ext cx="6096000" cy="3429000"/>
           </a:xfrm>
           <a:custGeom>
             <a:rect b="b" l="l" r="r" t="t"/>
@@ -2619,7 +2646,7 @@
   <p:cSld>
     <p:spTree>
       <p:nvGrpSpPr>
-        <p:cNvPr id="139" name="Shape 139"/>
+        <p:cNvPr id="143" name="Shape 143"/>
         <p:cNvGrpSpPr/>
         <p:nvPr/>
       </p:nvGrpSpPr>
@@ -2633,7 +2660,7 @@
       </p:grpSpPr>
       <p:sp>
         <p:nvSpPr>
-          <p:cNvPr id="140" name="Google Shape;140;g29b15032e6a_0_52:notes"/>
+          <p:cNvPr id="144" name="Google Shape;144;p9:notes"/>
           <p:cNvSpPr txBox="1"/>
           <p:nvPr>
             <p:ph idx="1" type="body"/>
@@ -2681,91 +2708,7 @@
                 <a:cs typeface="Poppins"/>
                 <a:sym typeface="Poppins"/>
               </a:rPr>
-              <a:t>GDPR dan bahset 1. Özellik için!!</a:t>
-            </a:r>
-            <a:endParaRPr sz="1800">
-              <a:solidFill>
-                <a:srgbClr val="5B636F"/>
-              </a:solidFill>
-              <a:latin typeface="Poppins"/>
-              <a:ea typeface="Poppins"/>
-              <a:cs typeface="Poppins"/>
-              <a:sym typeface="Poppins"/>
-            </a:endParaRPr>
-          </a:p>
-          <a:p>
-            <a:pPr indent="0" lvl="0" marL="0" rtl="0" algn="l">
-              <a:lnSpc>
-                <a:spcPct val="150000"/>
-              </a:lnSpc>
-              <a:spcBef>
-                <a:spcPts val="0"/>
-              </a:spcBef>
-              <a:spcAft>
-                <a:spcPts val="0"/>
-              </a:spcAft>
-              <a:buSzPts val="1100"/>
-              <a:buNone/>
-            </a:pPr>
-            <a:r>
-              <a:rPr lang="en-GB" sz="1800">
-                <a:solidFill>
-                  <a:srgbClr val="5B636F"/>
-                </a:solidFill>
-                <a:latin typeface="Poppins"/>
-                <a:ea typeface="Poppins"/>
-                <a:cs typeface="Poppins"/>
-                <a:sym typeface="Poppins"/>
-              </a:rPr>
-              <a:t>—</a:t>
-            </a:r>
-            <a:endParaRPr sz="1800">
-              <a:solidFill>
-                <a:srgbClr val="5B636F"/>
-              </a:solidFill>
-              <a:latin typeface="Poppins"/>
-              <a:ea typeface="Poppins"/>
-              <a:cs typeface="Poppins"/>
-              <a:sym typeface="Poppins"/>
-            </a:endParaRPr>
-          </a:p>
-          <a:p>
-            <a:pPr indent="0" lvl="0" marL="0" rtl="0" algn="l">
-              <a:lnSpc>
-                <a:spcPct val="150000"/>
-              </a:lnSpc>
-              <a:spcBef>
-                <a:spcPts val="0"/>
-              </a:spcBef>
-              <a:spcAft>
-                <a:spcPts val="0"/>
-              </a:spcAft>
-              <a:buSzPts val="1100"/>
-              <a:buNone/>
-            </a:pPr>
-            <a:r>
-              <a:rPr lang="en-GB" sz="1800">
-                <a:solidFill>
-                  <a:srgbClr val="5B636F"/>
-                </a:solidFill>
-                <a:latin typeface="Poppins"/>
-                <a:ea typeface="Poppins"/>
-                <a:cs typeface="Poppins"/>
-                <a:sym typeface="Poppins"/>
-              </a:rPr>
-              <a:t>In this version, there are two new features in the Account Module: “Allowing to set username on social registration” and “adding </a:t>
-            </a:r>
-            <a:r>
-              <a:rPr lang="en-GB" sz="1800">
-                <a:solidFill>
-                  <a:srgbClr val="5B636F"/>
-                </a:solidFill>
-                <a:latin typeface="Poppins"/>
-                <a:ea typeface="Poppins"/>
-                <a:cs typeface="Poppins"/>
-                <a:sym typeface="Poppins"/>
-              </a:rPr>
-              <a:t>social media register options to the register page”.</a:t>
+              <a:t>Prior to this version, when you register with your social accounts in the first time, your email address was becoming your username and it was shown everywhere in the application. So, you would need to update your username later on. </a:t>
             </a:r>
             <a:endParaRPr sz="1800">
               <a:solidFill>
@@ -2828,7 +2771,7 @@
                 <a:cs typeface="Poppins"/>
                 <a:sym typeface="Poppins"/>
               </a:rPr>
-              <a:t>Prior to this version, when you register with your social accounts in the first time, your email address was becoming your username and it was shown everywhere in the application. So, you would need to update your username later on. </a:t>
+              <a:t>With this version now, whenever you register as an external user, a username and email address shown you in a form for you to revise and update them if you need, before login into the application. Thanks to that, after the social registration you would not need to update your username and email address. This is also good at the point of GDPR regulations because your email address will not be shown as username and will not be exposed.</a:t>
             </a:r>
             <a:endParaRPr sz="1800">
               <a:solidFill>
@@ -2843,144 +2786,6 @@
           <a:p>
             <a:pPr indent="0" lvl="0" marL="0" rtl="0" algn="l">
               <a:lnSpc>
-                <a:spcPct val="150000"/>
-              </a:lnSpc>
-              <a:spcBef>
-                <a:spcPts val="0"/>
-              </a:spcBef>
-              <a:spcAft>
-                <a:spcPts val="0"/>
-              </a:spcAft>
-              <a:buSzPts val="1100"/>
-              <a:buNone/>
-            </a:pPr>
-            <a:r>
-              <a:t/>
-            </a:r>
-            <a:endParaRPr sz="1800">
-              <a:solidFill>
-                <a:srgbClr val="5B636F"/>
-              </a:solidFill>
-              <a:latin typeface="Poppins"/>
-              <a:ea typeface="Poppins"/>
-              <a:cs typeface="Poppins"/>
-              <a:sym typeface="Poppins"/>
-            </a:endParaRPr>
-          </a:p>
-          <a:p>
-            <a:pPr indent="0" lvl="0" marL="0" rtl="0" algn="l">
-              <a:lnSpc>
-                <a:spcPct val="150000"/>
-              </a:lnSpc>
-              <a:spcBef>
-                <a:spcPts val="0"/>
-              </a:spcBef>
-              <a:spcAft>
-                <a:spcPts val="0"/>
-              </a:spcAft>
-              <a:buSzPts val="1100"/>
-              <a:buNone/>
-            </a:pPr>
-            <a:r>
-              <a:rPr lang="en-GB" sz="1800">
-                <a:solidFill>
-                  <a:srgbClr val="5B636F"/>
-                </a:solidFill>
-                <a:latin typeface="Poppins"/>
-                <a:ea typeface="Poppins"/>
-                <a:cs typeface="Poppins"/>
-                <a:sym typeface="Poppins"/>
-              </a:rPr>
-              <a:t>With this version now, whenever you register as an </a:t>
-            </a:r>
-            <a:r>
-              <a:rPr lang="en-GB" sz="1800">
-                <a:solidFill>
-                  <a:srgbClr val="5B636F"/>
-                </a:solidFill>
-                <a:latin typeface="Poppins"/>
-                <a:ea typeface="Poppins"/>
-                <a:cs typeface="Poppins"/>
-                <a:sym typeface="Poppins"/>
-              </a:rPr>
-              <a:t>external user, a username and email address shown you in a form for you to revise and update them if you need before login into the application. Thanks to that, after the social registration you would not need to update your username and email address.</a:t>
-            </a:r>
-            <a:endParaRPr sz="1800">
-              <a:solidFill>
-                <a:srgbClr val="5B636F"/>
-              </a:solidFill>
-              <a:latin typeface="Poppins"/>
-              <a:ea typeface="Poppins"/>
-              <a:cs typeface="Poppins"/>
-              <a:sym typeface="Poppins"/>
-            </a:endParaRPr>
-          </a:p>
-          <a:p>
-            <a:pPr indent="0" lvl="0" marL="0" rtl="0" algn="l">
-              <a:lnSpc>
-                <a:spcPct val="150000"/>
-              </a:lnSpc>
-              <a:spcBef>
-                <a:spcPts val="0"/>
-              </a:spcBef>
-              <a:spcAft>
-                <a:spcPts val="0"/>
-              </a:spcAft>
-              <a:buSzPts val="1100"/>
-              <a:buNone/>
-            </a:pPr>
-            <a:r>
-              <a:t/>
-            </a:r>
-            <a:endParaRPr sz="1800">
-              <a:solidFill>
-                <a:srgbClr val="5B636F"/>
-              </a:solidFill>
-              <a:latin typeface="Poppins"/>
-              <a:ea typeface="Poppins"/>
-              <a:cs typeface="Poppins"/>
-              <a:sym typeface="Poppins"/>
-            </a:endParaRPr>
-          </a:p>
-          <a:p>
-            <a:pPr indent="0" lvl="0" marL="0" rtl="0" algn="l">
-              <a:lnSpc>
-                <a:spcPct val="150000"/>
-              </a:lnSpc>
-              <a:spcBef>
-                <a:spcPts val="0"/>
-              </a:spcBef>
-              <a:spcAft>
-                <a:spcPts val="0"/>
-              </a:spcAft>
-              <a:buSzPts val="1100"/>
-              <a:buNone/>
-            </a:pPr>
-            <a:r>
-              <a:rPr lang="en-GB" sz="1800">
-                <a:solidFill>
-                  <a:srgbClr val="5B636F"/>
-                </a:solidFill>
-                <a:latin typeface="Poppins"/>
-                <a:ea typeface="Poppins"/>
-                <a:cs typeface="Poppins"/>
-                <a:sym typeface="Poppins"/>
-              </a:rPr>
-              <a:t>And the second feature is adding register with option to the Register Page. In the previous, version the external authentication options was only seen on the login page, and that might lead users to miss the social login options. Therefore, in this version, we have added social media register options to the Register Page as you can see in the figure.</a:t>
-            </a:r>
-            <a:endParaRPr sz="1800">
-              <a:solidFill>
-                <a:srgbClr val="5B636F"/>
-              </a:solidFill>
-              <a:latin typeface="Poppins"/>
-              <a:ea typeface="Poppins"/>
-              <a:cs typeface="Poppins"/>
-              <a:sym typeface="Poppins"/>
-            </a:endParaRPr>
-          </a:p>
-          <a:p>
-            <a:pPr indent="0" lvl="0" marL="0" rtl="0" algn="l">
-              <a:lnSpc>
                 <a:spcPct val="100000"/>
               </a:lnSpc>
               <a:spcBef>
@@ -3001,7 +2806,7 @@
       </p:sp>
       <p:sp>
         <p:nvSpPr>
-          <p:cNvPr id="141" name="Google Shape;141;g29b15032e6a_0_52:notes"/>
+          <p:cNvPr id="145" name="Google Shape;145;p9:notes"/>
           <p:cNvSpPr/>
           <p:nvPr>
             <p:ph idx="2" type="sldImg"/>
@@ -3071,7 +2876,7 @@
       </p:grpSpPr>
       <p:sp>
         <p:nvSpPr>
-          <p:cNvPr id="12" name="Google Shape;12;p5"/>
+          <p:cNvPr id="12" name="Google Shape;12;p2"/>
           <p:cNvSpPr txBox="1"/>
           <p:nvPr>
             <p:ph type="ctrTitle"/>
@@ -3231,7 +3036,7 @@
       </p:sp>
       <p:sp>
         <p:nvSpPr>
-          <p:cNvPr id="13" name="Google Shape;13;p5"/>
+          <p:cNvPr id="13" name="Google Shape;13;p2"/>
           <p:cNvSpPr txBox="1"/>
           <p:nvPr>
             <p:ph idx="1" type="subTitle"/>
@@ -3414,7 +3219,7 @@
       </p:sp>
       <p:sp>
         <p:nvSpPr>
-          <p:cNvPr id="14" name="Google Shape;14;p5"/>
+          <p:cNvPr id="14" name="Google Shape;14;p2"/>
           <p:cNvSpPr txBox="1"/>
           <p:nvPr>
             <p:ph idx="10" type="dt"/>
@@ -3570,7 +3375,7 @@
       </p:sp>
       <p:sp>
         <p:nvSpPr>
-          <p:cNvPr id="15" name="Google Shape;15;p5"/>
+          <p:cNvPr id="15" name="Google Shape;15;p2"/>
           <p:cNvSpPr txBox="1"/>
           <p:nvPr>
             <p:ph idx="11" type="ftr"/>
@@ -3726,7 +3531,7 @@
       </p:sp>
       <p:sp>
         <p:nvSpPr>
-          <p:cNvPr id="16" name="Google Shape;16;p5"/>
+          <p:cNvPr id="16" name="Google Shape;16;p2"/>
           <p:cNvSpPr txBox="1"/>
           <p:nvPr>
             <p:ph idx="12" type="sldNum"/>
@@ -4030,7 +3835,7 @@
       </p:grpSpPr>
       <p:sp>
         <p:nvSpPr>
-          <p:cNvPr id="69" name="Google Shape;69;p14"/>
+          <p:cNvPr id="69" name="Google Shape;69;p11"/>
           <p:cNvSpPr txBox="1"/>
           <p:nvPr>
             <p:ph type="title"/>
@@ -4189,7 +3994,7 @@
       </p:sp>
       <p:sp>
         <p:nvSpPr>
-          <p:cNvPr id="70" name="Google Shape;70;p14"/>
+          <p:cNvPr id="70" name="Google Shape;70;p11"/>
           <p:cNvSpPr txBox="1"/>
           <p:nvPr>
             <p:ph idx="1" type="body"/>
@@ -4372,7 +4177,7 @@
       </p:sp>
       <p:sp>
         <p:nvSpPr>
-          <p:cNvPr id="71" name="Google Shape;71;p14"/>
+          <p:cNvPr id="71" name="Google Shape;71;p11"/>
           <p:cNvSpPr txBox="1"/>
           <p:nvPr>
             <p:ph idx="10" type="dt"/>
@@ -4528,7 +4333,7 @@
       </p:sp>
       <p:sp>
         <p:nvSpPr>
-          <p:cNvPr id="72" name="Google Shape;72;p14"/>
+          <p:cNvPr id="72" name="Google Shape;72;p11"/>
           <p:cNvSpPr txBox="1"/>
           <p:nvPr>
             <p:ph idx="11" type="ftr"/>
@@ -4684,7 +4489,7 @@
       </p:sp>
       <p:sp>
         <p:nvSpPr>
-          <p:cNvPr id="73" name="Google Shape;73;p14"/>
+          <p:cNvPr id="73" name="Google Shape;73;p11"/>
           <p:cNvSpPr txBox="1"/>
           <p:nvPr>
             <p:ph idx="12" type="sldNum"/>
@@ -4988,7 +4793,7 @@
       </p:grpSpPr>
       <p:sp>
         <p:nvSpPr>
-          <p:cNvPr id="75" name="Google Shape;75;p15"/>
+          <p:cNvPr id="75" name="Google Shape;75;p12"/>
           <p:cNvSpPr txBox="1"/>
           <p:nvPr>
             <p:ph type="title"/>
@@ -5147,7 +4952,7 @@
       </p:sp>
       <p:sp>
         <p:nvSpPr>
-          <p:cNvPr id="76" name="Google Shape;76;p15"/>
+          <p:cNvPr id="76" name="Google Shape;76;p12"/>
           <p:cNvSpPr txBox="1"/>
           <p:nvPr>
             <p:ph idx="1" type="body"/>
@@ -5330,7 +5135,7 @@
       </p:sp>
       <p:sp>
         <p:nvSpPr>
-          <p:cNvPr id="77" name="Google Shape;77;p15"/>
+          <p:cNvPr id="77" name="Google Shape;77;p12"/>
           <p:cNvSpPr txBox="1"/>
           <p:nvPr>
             <p:ph idx="10" type="dt"/>
@@ -5486,7 +5291,7 @@
       </p:sp>
       <p:sp>
         <p:nvSpPr>
-          <p:cNvPr id="78" name="Google Shape;78;p15"/>
+          <p:cNvPr id="78" name="Google Shape;78;p12"/>
           <p:cNvSpPr txBox="1"/>
           <p:nvPr>
             <p:ph idx="11" type="ftr"/>
@@ -5642,7 +5447,7 @@
       </p:sp>
       <p:sp>
         <p:nvSpPr>
-          <p:cNvPr id="79" name="Google Shape;79;p15"/>
+          <p:cNvPr id="79" name="Google Shape;79;p12"/>
           <p:cNvSpPr txBox="1"/>
           <p:nvPr>
             <p:ph idx="12" type="sldNum"/>
@@ -5946,7 +5751,7 @@
       </p:grpSpPr>
       <p:sp>
         <p:nvSpPr>
-          <p:cNvPr id="18" name="Google Shape;18;p6"/>
+          <p:cNvPr id="18" name="Google Shape;18;p3"/>
           <p:cNvSpPr txBox="1"/>
           <p:nvPr>
             <p:ph type="title"/>
@@ -6105,7 +5910,7 @@
       </p:sp>
       <p:sp>
         <p:nvSpPr>
-          <p:cNvPr id="19" name="Google Shape;19;p6"/>
+          <p:cNvPr id="19" name="Google Shape;19;p3"/>
           <p:cNvSpPr txBox="1"/>
           <p:nvPr>
             <p:ph idx="1" type="body"/>
@@ -6288,7 +6093,7 @@
       </p:sp>
       <p:sp>
         <p:nvSpPr>
-          <p:cNvPr id="20" name="Google Shape;20;p6"/>
+          <p:cNvPr id="20" name="Google Shape;20;p3"/>
           <p:cNvSpPr txBox="1"/>
           <p:nvPr>
             <p:ph idx="10" type="dt"/>
@@ -6444,7 +6249,7 @@
       </p:sp>
       <p:sp>
         <p:nvSpPr>
-          <p:cNvPr id="21" name="Google Shape;21;p6"/>
+          <p:cNvPr id="21" name="Google Shape;21;p3"/>
           <p:cNvSpPr txBox="1"/>
           <p:nvPr>
             <p:ph idx="11" type="ftr"/>
@@ -6600,7 +6405,7 @@
       </p:sp>
       <p:sp>
         <p:nvSpPr>
-          <p:cNvPr id="22" name="Google Shape;22;p6"/>
+          <p:cNvPr id="22" name="Google Shape;22;p3"/>
           <p:cNvSpPr txBox="1"/>
           <p:nvPr>
             <p:ph idx="12" type="sldNum"/>
@@ -6904,7 +6709,7 @@
       </p:grpSpPr>
       <p:sp>
         <p:nvSpPr>
-          <p:cNvPr id="24" name="Google Shape;24;p7"/>
+          <p:cNvPr id="24" name="Google Shape;24;p4"/>
           <p:cNvSpPr txBox="1"/>
           <p:nvPr>
             <p:ph type="title"/>
@@ -7064,7 +6869,7 @@
       </p:sp>
       <p:sp>
         <p:nvSpPr>
-          <p:cNvPr id="25" name="Google Shape;25;p7"/>
+          <p:cNvPr id="25" name="Google Shape;25;p4"/>
           <p:cNvSpPr txBox="1"/>
           <p:nvPr>
             <p:ph idx="1" type="body"/>
@@ -7283,7 +7088,7 @@
       </p:sp>
       <p:sp>
         <p:nvSpPr>
-          <p:cNvPr id="26" name="Google Shape;26;p7"/>
+          <p:cNvPr id="26" name="Google Shape;26;p4"/>
           <p:cNvSpPr txBox="1"/>
           <p:nvPr>
             <p:ph idx="10" type="dt"/>
@@ -7439,7 +7244,7 @@
       </p:sp>
       <p:sp>
         <p:nvSpPr>
-          <p:cNvPr id="27" name="Google Shape;27;p7"/>
+          <p:cNvPr id="27" name="Google Shape;27;p4"/>
           <p:cNvSpPr txBox="1"/>
           <p:nvPr>
             <p:ph idx="11" type="ftr"/>
@@ -7595,7 +7400,7 @@
       </p:sp>
       <p:sp>
         <p:nvSpPr>
-          <p:cNvPr id="28" name="Google Shape;28;p7"/>
+          <p:cNvPr id="28" name="Google Shape;28;p4"/>
           <p:cNvSpPr txBox="1"/>
           <p:nvPr>
             <p:ph idx="12" type="sldNum"/>
@@ -7899,7 +7704,7 @@
       </p:grpSpPr>
       <p:sp>
         <p:nvSpPr>
-          <p:cNvPr id="30" name="Google Shape;30;p8"/>
+          <p:cNvPr id="30" name="Google Shape;30;p5"/>
           <p:cNvSpPr txBox="1"/>
           <p:nvPr>
             <p:ph type="title"/>
@@ -8058,7 +7863,7 @@
       </p:sp>
       <p:sp>
         <p:nvSpPr>
-          <p:cNvPr id="31" name="Google Shape;31;p8"/>
+          <p:cNvPr id="31" name="Google Shape;31;p5"/>
           <p:cNvSpPr txBox="1"/>
           <p:nvPr>
             <p:ph idx="1" type="body"/>
@@ -8241,7 +8046,7 @@
       </p:sp>
       <p:sp>
         <p:nvSpPr>
-          <p:cNvPr id="32" name="Google Shape;32;p8"/>
+          <p:cNvPr id="32" name="Google Shape;32;p5"/>
           <p:cNvSpPr txBox="1"/>
           <p:nvPr>
             <p:ph idx="2" type="body"/>
@@ -8424,7 +8229,7 @@
       </p:sp>
       <p:sp>
         <p:nvSpPr>
-          <p:cNvPr id="33" name="Google Shape;33;p8"/>
+          <p:cNvPr id="33" name="Google Shape;33;p5"/>
           <p:cNvSpPr txBox="1"/>
           <p:nvPr>
             <p:ph idx="10" type="dt"/>
@@ -8580,7 +8385,7 @@
       </p:sp>
       <p:sp>
         <p:nvSpPr>
-          <p:cNvPr id="34" name="Google Shape;34;p8"/>
+          <p:cNvPr id="34" name="Google Shape;34;p5"/>
           <p:cNvSpPr txBox="1"/>
           <p:nvPr>
             <p:ph idx="11" type="ftr"/>
@@ -8736,7 +8541,7 @@
       </p:sp>
       <p:sp>
         <p:nvSpPr>
-          <p:cNvPr id="35" name="Google Shape;35;p8"/>
+          <p:cNvPr id="35" name="Google Shape;35;p5"/>
           <p:cNvSpPr txBox="1"/>
           <p:nvPr>
             <p:ph idx="12" type="sldNum"/>
@@ -9040,7 +8845,7 @@
       </p:grpSpPr>
       <p:sp>
         <p:nvSpPr>
-          <p:cNvPr id="37" name="Google Shape;37;p9"/>
+          <p:cNvPr id="37" name="Google Shape;37;p6"/>
           <p:cNvSpPr txBox="1"/>
           <p:nvPr>
             <p:ph type="title"/>
@@ -9199,7 +9004,7 @@
       </p:sp>
       <p:sp>
         <p:nvSpPr>
-          <p:cNvPr id="38" name="Google Shape;38;p9"/>
+          <p:cNvPr id="38" name="Google Shape;38;p6"/>
           <p:cNvSpPr txBox="1"/>
           <p:nvPr>
             <p:ph idx="1" type="body"/>
@@ -9382,7 +9187,7 @@
       </p:sp>
       <p:sp>
         <p:nvSpPr>
-          <p:cNvPr id="39" name="Google Shape;39;p9"/>
+          <p:cNvPr id="39" name="Google Shape;39;p6"/>
           <p:cNvSpPr txBox="1"/>
           <p:nvPr>
             <p:ph idx="2" type="body"/>
@@ -9565,7 +9370,7 @@
       </p:sp>
       <p:sp>
         <p:nvSpPr>
-          <p:cNvPr id="40" name="Google Shape;40;p9"/>
+          <p:cNvPr id="40" name="Google Shape;40;p6"/>
           <p:cNvSpPr txBox="1"/>
           <p:nvPr>
             <p:ph idx="3" type="body"/>
@@ -9748,7 +9553,7 @@
       </p:sp>
       <p:sp>
         <p:nvSpPr>
-          <p:cNvPr id="41" name="Google Shape;41;p9"/>
+          <p:cNvPr id="41" name="Google Shape;41;p6"/>
           <p:cNvSpPr txBox="1"/>
           <p:nvPr>
             <p:ph idx="4" type="body"/>
@@ -9931,7 +9736,7 @@
       </p:sp>
       <p:sp>
         <p:nvSpPr>
-          <p:cNvPr id="42" name="Google Shape;42;p9"/>
+          <p:cNvPr id="42" name="Google Shape;42;p6"/>
           <p:cNvSpPr txBox="1"/>
           <p:nvPr>
             <p:ph idx="10" type="dt"/>
@@ -10087,7 +9892,7 @@
       </p:sp>
       <p:sp>
         <p:nvSpPr>
-          <p:cNvPr id="43" name="Google Shape;43;p9"/>
+          <p:cNvPr id="43" name="Google Shape;43;p6"/>
           <p:cNvSpPr txBox="1"/>
           <p:nvPr>
             <p:ph idx="11" type="ftr"/>
@@ -10243,7 +10048,7 @@
       </p:sp>
       <p:sp>
         <p:nvSpPr>
-          <p:cNvPr id="44" name="Google Shape;44;p9"/>
+          <p:cNvPr id="44" name="Google Shape;44;p6"/>
           <p:cNvSpPr txBox="1"/>
           <p:nvPr>
             <p:ph idx="12" type="sldNum"/>
@@ -10547,7 +10352,7 @@
       </p:grpSpPr>
       <p:sp>
         <p:nvSpPr>
-          <p:cNvPr id="46" name="Google Shape;46;p10"/>
+          <p:cNvPr id="46" name="Google Shape;46;p7"/>
           <p:cNvSpPr txBox="1"/>
           <p:nvPr>
             <p:ph type="title"/>
@@ -10706,7 +10511,7 @@
       </p:sp>
       <p:sp>
         <p:nvSpPr>
-          <p:cNvPr id="47" name="Google Shape;47;p10"/>
+          <p:cNvPr id="47" name="Google Shape;47;p7"/>
           <p:cNvSpPr txBox="1"/>
           <p:nvPr>
             <p:ph idx="10" type="dt"/>
@@ -10862,7 +10667,7 @@
       </p:sp>
       <p:sp>
         <p:nvSpPr>
-          <p:cNvPr id="48" name="Google Shape;48;p10"/>
+          <p:cNvPr id="48" name="Google Shape;48;p7"/>
           <p:cNvSpPr txBox="1"/>
           <p:nvPr>
             <p:ph idx="11" type="ftr"/>
@@ -11018,7 +10823,7 @@
       </p:sp>
       <p:sp>
         <p:nvSpPr>
-          <p:cNvPr id="49" name="Google Shape;49;p10"/>
+          <p:cNvPr id="49" name="Google Shape;49;p7"/>
           <p:cNvSpPr txBox="1"/>
           <p:nvPr>
             <p:ph idx="12" type="sldNum"/>
@@ -11322,7 +11127,7 @@
       </p:grpSpPr>
       <p:sp>
         <p:nvSpPr>
-          <p:cNvPr id="51" name="Google Shape;51;p11"/>
+          <p:cNvPr id="51" name="Google Shape;51;p8"/>
           <p:cNvSpPr txBox="1"/>
           <p:nvPr>
             <p:ph idx="10" type="dt"/>
@@ -11478,7 +11283,7 @@
       </p:sp>
       <p:sp>
         <p:nvSpPr>
-          <p:cNvPr id="52" name="Google Shape;52;p11"/>
+          <p:cNvPr id="52" name="Google Shape;52;p8"/>
           <p:cNvSpPr txBox="1"/>
           <p:nvPr>
             <p:ph idx="11" type="ftr"/>
@@ -11634,7 +11439,7 @@
       </p:sp>
       <p:sp>
         <p:nvSpPr>
-          <p:cNvPr id="53" name="Google Shape;53;p11"/>
+          <p:cNvPr id="53" name="Google Shape;53;p8"/>
           <p:cNvSpPr txBox="1"/>
           <p:nvPr>
             <p:ph idx="12" type="sldNum"/>
@@ -11938,7 +11743,7 @@
       </p:grpSpPr>
       <p:sp>
         <p:nvSpPr>
-          <p:cNvPr id="55" name="Google Shape;55;p12"/>
+          <p:cNvPr id="55" name="Google Shape;55;p9"/>
           <p:cNvSpPr txBox="1"/>
           <p:nvPr>
             <p:ph type="title"/>
@@ -12098,7 +11903,7 @@
       </p:sp>
       <p:sp>
         <p:nvSpPr>
-          <p:cNvPr id="56" name="Google Shape;56;p12"/>
+          <p:cNvPr id="56" name="Google Shape;56;p9"/>
           <p:cNvSpPr txBox="1"/>
           <p:nvPr>
             <p:ph idx="1" type="body"/>
@@ -12281,7 +12086,7 @@
       </p:sp>
       <p:sp>
         <p:nvSpPr>
-          <p:cNvPr id="57" name="Google Shape;57;p12"/>
+          <p:cNvPr id="57" name="Google Shape;57;p9"/>
           <p:cNvSpPr txBox="1"/>
           <p:nvPr>
             <p:ph idx="2" type="body"/>
@@ -12464,7 +12269,7 @@
       </p:sp>
       <p:sp>
         <p:nvSpPr>
-          <p:cNvPr id="58" name="Google Shape;58;p12"/>
+          <p:cNvPr id="58" name="Google Shape;58;p9"/>
           <p:cNvSpPr txBox="1"/>
           <p:nvPr>
             <p:ph idx="10" type="dt"/>
@@ -12620,7 +12425,7 @@
       </p:sp>
       <p:sp>
         <p:nvSpPr>
-          <p:cNvPr id="59" name="Google Shape;59;p12"/>
+          <p:cNvPr id="59" name="Google Shape;59;p9"/>
           <p:cNvSpPr txBox="1"/>
           <p:nvPr>
             <p:ph idx="11" type="ftr"/>
@@ -12776,7 +12581,7 @@
       </p:sp>
       <p:sp>
         <p:nvSpPr>
-          <p:cNvPr id="60" name="Google Shape;60;p12"/>
+          <p:cNvPr id="60" name="Google Shape;60;p9"/>
           <p:cNvSpPr txBox="1"/>
           <p:nvPr>
             <p:ph idx="12" type="sldNum"/>
@@ -13080,7 +12885,7 @@
       </p:grpSpPr>
       <p:sp>
         <p:nvSpPr>
-          <p:cNvPr id="62" name="Google Shape;62;p13"/>
+          <p:cNvPr id="62" name="Google Shape;62;p10"/>
           <p:cNvSpPr txBox="1"/>
           <p:nvPr>
             <p:ph type="title"/>
@@ -13240,7 +13045,7 @@
       </p:sp>
       <p:sp>
         <p:nvSpPr>
-          <p:cNvPr id="63" name="Google Shape;63;p13"/>
+          <p:cNvPr id="63" name="Google Shape;63;p10"/>
           <p:cNvSpPr/>
           <p:nvPr>
             <p:ph idx="2" type="pic"/>
@@ -13262,7 +13067,7 @@
       </p:sp>
       <p:sp>
         <p:nvSpPr>
-          <p:cNvPr id="64" name="Google Shape;64;p13"/>
+          <p:cNvPr id="64" name="Google Shape;64;p10"/>
           <p:cNvSpPr txBox="1"/>
           <p:nvPr>
             <p:ph idx="1" type="body"/>
@@ -13445,7 +13250,7 @@
       </p:sp>
       <p:sp>
         <p:nvSpPr>
-          <p:cNvPr id="65" name="Google Shape;65;p13"/>
+          <p:cNvPr id="65" name="Google Shape;65;p10"/>
           <p:cNvSpPr txBox="1"/>
           <p:nvPr>
             <p:ph idx="10" type="dt"/>
@@ -13601,7 +13406,7 @@
       </p:sp>
       <p:sp>
         <p:nvSpPr>
-          <p:cNvPr id="66" name="Google Shape;66;p13"/>
+          <p:cNvPr id="66" name="Google Shape;66;p10"/>
           <p:cNvSpPr txBox="1"/>
           <p:nvPr>
             <p:ph idx="11" type="ftr"/>
@@ -13757,7 +13562,7 @@
       </p:sp>
       <p:sp>
         <p:nvSpPr>
-          <p:cNvPr id="67" name="Google Shape;67;p13"/>
+          <p:cNvPr id="67" name="Google Shape;67;p10"/>
           <p:cNvSpPr txBox="1"/>
           <p:nvPr>
             <p:ph idx="12" type="sldNum"/>
@@ -14068,7 +13873,7 @@
       </p:grpSpPr>
       <p:sp>
         <p:nvSpPr>
-          <p:cNvPr id="6" name="Google Shape;6;p4"/>
+          <p:cNvPr id="6" name="Google Shape;6;p1"/>
           <p:cNvSpPr txBox="1"/>
           <p:nvPr>
             <p:ph type="title"/>
@@ -14332,7 +14137,7 @@
       </p:sp>
       <p:sp>
         <p:nvSpPr>
-          <p:cNvPr id="7" name="Google Shape;7;p4"/>
+          <p:cNvPr id="7" name="Google Shape;7;p1"/>
           <p:cNvSpPr txBox="1"/>
           <p:nvPr>
             <p:ph idx="1" type="body"/>
@@ -14596,7 +14401,7 @@
       </p:sp>
       <p:sp>
         <p:nvSpPr>
-          <p:cNvPr id="8" name="Google Shape;8;p4"/>
+          <p:cNvPr id="8" name="Google Shape;8;p1"/>
           <p:cNvSpPr txBox="1"/>
           <p:nvPr>
             <p:ph idx="10" type="dt"/>
@@ -14860,7 +14665,7 @@
       </p:sp>
       <p:sp>
         <p:nvSpPr>
-          <p:cNvPr id="9" name="Google Shape;9;p4"/>
+          <p:cNvPr id="9" name="Google Shape;9;p1"/>
           <p:cNvSpPr txBox="1"/>
           <p:nvPr>
             <p:ph idx="11" type="ftr"/>
@@ -15124,7 +14929,7 @@
       </p:sp>
       <p:sp>
         <p:nvSpPr>
-          <p:cNvPr id="10" name="Google Shape;10;p4"/>
+          <p:cNvPr id="10" name="Google Shape;10;p1"/>
           <p:cNvSpPr txBox="1"/>
           <p:nvPr>
             <p:ph idx="12" type="sldNum"/>
@@ -15405,17 +15210,17 @@
   </p:cSld>
   <p:clrMap accent1="accent1" accent2="accent2" accent3="accent3" accent4="accent4" accent5="accent5" accent6="accent6" bg1="lt1" bg2="dk2" tx1="dk1" tx2="lt2" folHlink="folHlink" hlink="hlink"/>
   <p:sldLayoutIdLst>
-    <p:sldLayoutId id="2147483649" r:id="rId1"/>
-    <p:sldLayoutId id="2147483650" r:id="rId2"/>
-    <p:sldLayoutId id="2147483651" r:id="rId3"/>
-    <p:sldLayoutId id="2147483652" r:id="rId4"/>
-    <p:sldLayoutId id="2147483653" r:id="rId5"/>
-    <p:sldLayoutId id="2147483654" r:id="rId6"/>
-    <p:sldLayoutId id="2147483655" r:id="rId7"/>
-    <p:sldLayoutId id="2147483656" r:id="rId8"/>
-    <p:sldLayoutId id="2147483657" r:id="rId9"/>
-    <p:sldLayoutId id="2147483658" r:id="rId10"/>
-    <p:sldLayoutId id="2147483659" r:id="rId11"/>
+    <p:sldLayoutId id="2147483648" r:id="rId1"/>
+    <p:sldLayoutId id="2147483649" r:id="rId2"/>
+    <p:sldLayoutId id="2147483650" r:id="rId3"/>
+    <p:sldLayoutId id="2147483651" r:id="rId4"/>
+    <p:sldLayoutId id="2147483652" r:id="rId5"/>
+    <p:sldLayoutId id="2147483653" r:id="rId6"/>
+    <p:sldLayoutId id="2147483654" r:id="rId7"/>
+    <p:sldLayoutId id="2147483655" r:id="rId8"/>
+    <p:sldLayoutId id="2147483656" r:id="rId9"/>
+    <p:sldLayoutId id="2147483657" r:id="rId10"/>
+    <p:sldLayoutId id="2147483658" r:id="rId11"/>
   </p:sldLayoutIdLst>
   <p:hf dt="0" ftr="0" hdr="0" sldNum="0"/>
   <p:txStyles>
@@ -16141,7 +15946,7 @@
       </p:grpSpPr>
       <p:pic>
         <p:nvPicPr>
-          <p:cNvPr id="84" name="Google Shape;84;p1"/>
+          <p:cNvPr id="84" name="Google Shape;84;p13"/>
           <p:cNvPicPr preferRelativeResize="0"/>
           <p:nvPr/>
         </p:nvPicPr>
@@ -16168,7 +15973,7 @@
       </p:pic>
       <p:sp>
         <p:nvSpPr>
-          <p:cNvPr id="85" name="Google Shape;85;p1"/>
+          <p:cNvPr id="85" name="Google Shape;85;p13"/>
           <p:cNvSpPr txBox="1"/>
           <p:nvPr/>
         </p:nvSpPr>
@@ -16209,7 +16014,7 @@
               <a:buNone/>
             </a:pPr>
             <a:r>
-              <a:rPr b="1" lang="en-GB" sz="5600">
+              <a:rPr b="1" i="0" lang="en-GB" sz="5600" u="none" cap="none" strike="noStrike">
                 <a:solidFill>
                   <a:srgbClr val="292D33"/>
                 </a:solidFill>
@@ -16234,7 +16039,7 @@
       </p:sp>
       <p:grpSp>
         <p:nvGrpSpPr>
-          <p:cNvPr id="86" name="Google Shape;86;p1"/>
+          <p:cNvPr id="86" name="Google Shape;86;p13"/>
           <p:cNvGrpSpPr/>
           <p:nvPr/>
         </p:nvGrpSpPr>
@@ -16248,7 +16053,7 @@
         </p:grpSpPr>
         <p:sp>
           <p:nvSpPr>
-            <p:cNvPr id="87" name="Google Shape;87;p1"/>
+            <p:cNvPr id="87" name="Google Shape;87;p13"/>
             <p:cNvSpPr txBox="1"/>
             <p:nvPr/>
           </p:nvSpPr>
@@ -16314,7 +16119,7 @@
         </p:sp>
         <p:sp>
           <p:nvSpPr>
-            <p:cNvPr id="88" name="Google Shape;88;p1"/>
+            <p:cNvPr id="88" name="Google Shape;88;p13"/>
             <p:cNvSpPr txBox="1"/>
             <p:nvPr/>
           </p:nvSpPr>
@@ -16381,7 +16186,7 @@
       </p:grpSp>
       <p:pic>
         <p:nvPicPr>
-          <p:cNvPr id="89" name="Google Shape;89;p1"/>
+          <p:cNvPr id="89" name="Google Shape;89;p13"/>
           <p:cNvPicPr preferRelativeResize="0"/>
           <p:nvPr/>
         </p:nvPicPr>
@@ -16445,14 +16250,14 @@
       </p:grpSpPr>
       <p:sp>
         <p:nvSpPr>
-          <p:cNvPr id="153" name="Google Shape;153;g29b76e2bf7f_0_5"/>
+          <p:cNvPr id="153" name="Google Shape;153;p22"/>
           <p:cNvSpPr txBox="1"/>
           <p:nvPr/>
         </p:nvSpPr>
         <p:spPr>
           <a:xfrm>
             <a:off x="714375" y="695325"/>
-            <a:ext cx="9548700" cy="585000"/>
+            <a:ext cx="9548700" cy="615600"/>
           </a:xfrm>
           <a:prstGeom prst="rect">
             <a:avLst/>
@@ -16486,7 +16291,7 @@
               <a:buNone/>
             </a:pPr>
             <a:r>
-              <a:rPr b="1" lang="en-GB" sz="3200">
+              <a:rPr b="1" i="0" lang="en-GB" sz="3400" u="none" cap="none" strike="noStrike">
                 <a:solidFill>
                   <a:srgbClr val="292D33"/>
                 </a:solidFill>
@@ -16497,7 +16302,7 @@
               </a:rPr>
               <a:t>Other News</a:t>
             </a:r>
-            <a:endParaRPr b="1" i="0" sz="3200" u="none" cap="none" strike="noStrike">
+            <a:endParaRPr b="1" i="0" sz="3400" u="none" cap="none" strike="noStrike">
               <a:solidFill>
                 <a:srgbClr val="292D33"/>
               </a:solidFill>
@@ -16511,14 +16316,14 @@
       </p:sp>
       <p:sp>
         <p:nvSpPr>
-          <p:cNvPr id="154" name="Google Shape;154;g29b76e2bf7f_0_5"/>
+          <p:cNvPr id="154" name="Google Shape;154;p22"/>
           <p:cNvSpPr txBox="1"/>
           <p:nvPr/>
         </p:nvSpPr>
         <p:spPr>
           <a:xfrm>
             <a:off x="714375" y="1453075"/>
-            <a:ext cx="10491900" cy="2216400"/>
+            <a:ext cx="10491900" cy="4309800"/>
           </a:xfrm>
           <a:prstGeom prst="rect">
             <a:avLst/>
@@ -16534,7 +16339,7 @@
           </a:bodyPr>
           <a:lstStyle/>
           <a:p>
-            <a:pPr indent="-330200" lvl="0" marL="457200" marR="0" rtl="0" algn="l">
+            <a:pPr indent="-336550" lvl="0" marL="457200" marR="0" rtl="0" algn="l">
               <a:lnSpc>
                 <a:spcPct val="150000"/>
               </a:lnSpc>
@@ -16547,12 +16352,12 @@
               <a:buClr>
                 <a:srgbClr val="5B636F"/>
               </a:buClr>
-              <a:buSzPts val="1600"/>
+              <a:buSzPts val="1700"/>
               <a:buFont typeface="Poppins"/>
               <a:buChar char="●"/>
             </a:pPr>
             <a:r>
-              <a:rPr b="1" lang="en-GB" sz="1600">
+              <a:rPr b="1" i="0" lang="en-GB" sz="1700" u="none" cap="none" strike="noStrike">
                 <a:solidFill>
                   <a:srgbClr val="5B636F"/>
                 </a:solidFill>
@@ -16564,7 +16369,7 @@
               <a:t>LDAP over SSL (LDAPS)</a:t>
             </a:r>
             <a:r>
-              <a:rPr lang="en-GB" sz="1600">
+              <a:rPr b="0" i="0" lang="en-GB" sz="1700" u="none" cap="none" strike="noStrike">
                 <a:solidFill>
                   <a:srgbClr val="5B636F"/>
                 </a:solidFill>
@@ -16575,7 +16380,114 @@
               </a:rPr>
               <a:t> setting has been added and recommended to establish a secure connection.</a:t>
             </a:r>
-            <a:endParaRPr sz="1600">
+            <a:endParaRPr b="0" i="0" sz="1700" u="none" cap="none" strike="noStrike">
+              <a:solidFill>
+                <a:srgbClr val="5B636F"/>
+              </a:solidFill>
+              <a:latin typeface="Poppins"/>
+              <a:ea typeface="Poppins"/>
+              <a:cs typeface="Poppins"/>
+              <a:sym typeface="Poppins"/>
+            </a:endParaRPr>
+          </a:p>
+          <a:p>
+            <a:pPr indent="-336550" lvl="0" marL="457200" marR="0" rtl="0" algn="l">
+              <a:lnSpc>
+                <a:spcPct val="150000"/>
+              </a:lnSpc>
+              <a:spcBef>
+                <a:spcPts val="0"/>
+              </a:spcBef>
+              <a:spcAft>
+                <a:spcPts val="0"/>
+              </a:spcAft>
+              <a:buClr>
+                <a:srgbClr val="5B636F"/>
+              </a:buClr>
+              <a:buSzPts val="1700"/>
+              <a:buFont typeface="Poppins"/>
+              <a:buChar char="●"/>
+            </a:pPr>
+            <a:r>
+              <a:rPr b="1" i="0" lang="en-GB" sz="1700" u="none" cap="none" strike="noStrike">
+                <a:solidFill>
+                  <a:srgbClr val="5B636F"/>
+                </a:solidFill>
+                <a:latin typeface="Poppins"/>
+                <a:ea typeface="Poppins"/>
+                <a:cs typeface="Poppins"/>
+                <a:sym typeface="Poppins"/>
+              </a:rPr>
+              <a:t>Object Mapping Enhancements</a:t>
+            </a:r>
+            <a:r>
+              <a:rPr b="0" i="0" lang="en-GB" sz="1700" u="none" cap="none" strike="noStrike">
+                <a:solidFill>
+                  <a:srgbClr val="5B636F"/>
+                </a:solidFill>
+                <a:latin typeface="Poppins"/>
+                <a:ea typeface="Poppins"/>
+                <a:cs typeface="Poppins"/>
+                <a:sym typeface="Poppins"/>
+              </a:rPr>
+              <a:t> (supports mapping collection of objects for custom object mappers)</a:t>
+            </a:r>
+            <a:br>
+              <a:rPr b="0" i="0" lang="en-GB" sz="1700" u="none" cap="none" strike="noStrike">
+                <a:solidFill>
+                  <a:srgbClr val="5B636F"/>
+                </a:solidFill>
+                <a:latin typeface="Poppins"/>
+                <a:ea typeface="Poppins"/>
+                <a:cs typeface="Poppins"/>
+                <a:sym typeface="Poppins"/>
+              </a:rPr>
+            </a:br>
+            <a:br>
+              <a:rPr b="0" i="0" lang="en-GB" sz="1700" u="none" cap="none" strike="noStrike">
+                <a:solidFill>
+                  <a:srgbClr val="5B636F"/>
+                </a:solidFill>
+                <a:latin typeface="Poppins"/>
+                <a:ea typeface="Poppins"/>
+                <a:cs typeface="Poppins"/>
+                <a:sym typeface="Poppins"/>
+              </a:rPr>
+            </a:br>
+            <a:br>
+              <a:rPr b="0" i="0" lang="en-GB" sz="1700" u="none" cap="none" strike="noStrike">
+                <a:solidFill>
+                  <a:srgbClr val="5B636F"/>
+                </a:solidFill>
+                <a:latin typeface="Poppins"/>
+                <a:ea typeface="Poppins"/>
+                <a:cs typeface="Poppins"/>
+                <a:sym typeface="Poppins"/>
+              </a:rPr>
+            </a:br>
+            <a:br>
+              <a:rPr b="0" i="0" lang="en-GB" sz="1700" u="none" cap="none" strike="noStrike">
+                <a:solidFill>
+                  <a:srgbClr val="5B636F"/>
+                </a:solidFill>
+                <a:latin typeface="Poppins"/>
+                <a:ea typeface="Poppins"/>
+                <a:cs typeface="Poppins"/>
+                <a:sym typeface="Poppins"/>
+              </a:rPr>
+            </a:br>
+            <a:br>
+              <a:rPr b="0" i="0" lang="en-GB" sz="1700" u="none" cap="none" strike="noStrike">
+                <a:solidFill>
+                  <a:srgbClr val="5B636F"/>
+                </a:solidFill>
+                <a:latin typeface="Poppins"/>
+                <a:ea typeface="Poppins"/>
+                <a:cs typeface="Poppins"/>
+                <a:sym typeface="Poppins"/>
+              </a:rPr>
+            </a:br>
+            <a:endParaRPr b="0" i="0" sz="1700" u="none" cap="none" strike="noStrike">
               <a:solidFill>
                 <a:srgbClr val="5B636F"/>
               </a:solidFill>
@@ -16604,7 +16516,7 @@
               <a:buChar char="●"/>
             </a:pPr>
             <a:r>
-              <a:rPr b="1" lang="en-GB" sz="1600">
+              <a:rPr b="1" i="0" lang="en-GB" sz="1700" u="none" cap="none" strike="noStrike">
                 <a:solidFill>
                   <a:srgbClr val="5B636F"/>
                 </a:solidFill>
@@ -16613,10 +16525,10 @@
                 <a:cs typeface="Poppins"/>
                 <a:sym typeface="Poppins"/>
               </a:rPr>
-              <a:t>Object Mapping Enhancements</a:t>
+              <a:t>S</a:t>
             </a:r>
             <a:r>
-              <a:rPr lang="en-GB" sz="1600">
+              <a:rPr b="1" i="0" lang="en-GB" sz="1500" u="none" cap="none" strike="noStrike">
                 <a:solidFill>
                   <a:srgbClr val="5B636F"/>
                 </a:solidFill>
@@ -16625,38 +16537,10 @@
                 <a:cs typeface="Poppins"/>
                 <a:sym typeface="Poppins"/>
               </a:rPr>
-              <a:t> (supports mapping collection of objects for custom object mappers)</a:t>
+              <a:t>ending attachments </a:t>
             </a:r>
-            <a:endParaRPr sz="1600">
-              <a:solidFill>
-                <a:srgbClr val="5B636F"/>
-              </a:solidFill>
-              <a:latin typeface="Poppins"/>
-              <a:ea typeface="Poppins"/>
-              <a:cs typeface="Poppins"/>
-              <a:sym typeface="Poppins"/>
-            </a:endParaRPr>
-          </a:p>
-          <a:p>
-            <a:pPr indent="-330200" lvl="0" marL="457200" rtl="0" algn="l">
-              <a:lnSpc>
-                <a:spcPct val="150000"/>
-              </a:lnSpc>
-              <a:spcBef>
-                <a:spcPts val="0"/>
-              </a:spcBef>
-              <a:spcAft>
-                <a:spcPts val="0"/>
-              </a:spcAft>
-              <a:buClr>
-                <a:srgbClr val="5B636F"/>
-              </a:buClr>
-              <a:buSzPts val="1600"/>
-              <a:buFont typeface="Poppins"/>
-              <a:buChar char="●"/>
-            </a:pPr>
             <a:r>
-              <a:rPr b="1" lang="en-GB" sz="1600">
+              <a:rPr b="0" i="0" lang="en-GB" sz="1500" u="none" cap="none" strike="noStrike">
                 <a:solidFill>
                   <a:srgbClr val="5B636F"/>
                 </a:solidFill>
@@ -16665,34 +16549,10 @@
                 <a:cs typeface="Poppins"/>
                 <a:sym typeface="Poppins"/>
               </a:rPr>
-              <a:t>Email Sending Enhancements</a:t>
+              <a:t>with </a:t>
             </a:r>
             <a:r>
-              <a:rPr lang="en-GB" sz="1600">
-                <a:solidFill>
-                  <a:srgbClr val="5B636F"/>
-                </a:solidFill>
-                <a:latin typeface="Poppins"/>
-                <a:ea typeface="Poppins"/>
-                <a:cs typeface="Poppins"/>
-                <a:sym typeface="Poppins"/>
-              </a:rPr>
-              <a:t> </a:t>
-            </a:r>
-            <a:r>
-              <a:rPr lang="en-GB">
-                <a:solidFill>
-                  <a:srgbClr val="5B636F"/>
-                </a:solidFill>
-                <a:latin typeface="Poppins"/>
-                <a:ea typeface="Poppins"/>
-                <a:cs typeface="Poppins"/>
-                <a:sym typeface="Poppins"/>
-              </a:rPr>
-              <a:t>(allowing sending attachments with </a:t>
-            </a:r>
-            <a:r>
-              <a:rPr b="1" lang="en-GB">
+              <a:rPr b="1" i="0" lang="en-GB" sz="1500" u="none" cap="none" strike="noStrike">
                 <a:solidFill>
                   <a:srgbClr val="5B636F"/>
                 </a:solidFill>
@@ -16704,7 +16564,7 @@
               <a:t>IEmailSender.QueueAsync()</a:t>
             </a:r>
             <a:r>
-              <a:rPr lang="en-GB">
+              <a:rPr b="0" i="0" lang="en-GB" sz="1500" u="none" cap="none" strike="noStrike">
                 <a:solidFill>
                   <a:srgbClr val="5B636F"/>
                 </a:solidFill>
@@ -16713,9 +16573,9 @@
                 <a:cs typeface="Poppins"/>
                 <a:sym typeface="Poppins"/>
               </a:rPr>
-              <a:t> method)</a:t>
+              <a:t> method</a:t>
             </a:r>
-            <a:endParaRPr>
+            <a:endParaRPr b="0" i="0" sz="1500" u="none" cap="none" strike="noStrike">
               <a:solidFill>
                 <a:srgbClr val="5B636F"/>
               </a:solidFill>
@@ -16736,12 +16596,17 @@
               <a:spcAft>
                 <a:spcPts val="0"/>
               </a:spcAft>
+              <a:buClr>
+                <a:srgbClr val="000000"/>
+              </a:buClr>
+              <a:buSzPts val="1800"/>
+              <a:buFont typeface="Arial"/>
               <a:buNone/>
             </a:pPr>
             <a:r>
               <a:t/>
             </a:r>
-            <a:endParaRPr sz="1800">
+            <a:endParaRPr b="0" i="0" sz="1900" u="none" cap="none" strike="noStrike">
               <a:solidFill>
                 <a:srgbClr val="5B636F"/>
               </a:solidFill>
@@ -16755,49 +16620,20 @@
       </p:sp>
       <p:pic>
         <p:nvPicPr>
-          <p:cNvPr id="155" name="Google Shape;155;g29b76e2bf7f_0_5"/>
+          <p:cNvPr id="155" name="Google Shape;155;p22"/>
           <p:cNvPicPr preferRelativeResize="0"/>
           <p:nvPr/>
         </p:nvPicPr>
-        <p:blipFill>
+        <p:blipFill rotWithShape="1">
           <a:blip r:embed="rId4">
             <a:alphaModFix/>
           </a:blip>
-          <a:stretch>
-            <a:fillRect/>
-          </a:stretch>
+          <a:srcRect b="0" l="0" r="0" t="0"/>
+          <a:stretch/>
         </p:blipFill>
         <p:spPr>
           <a:xfrm>
-            <a:off x="894500" y="3426725"/>
-            <a:ext cx="4097773" cy="3006650"/>
-          </a:xfrm>
-          <a:prstGeom prst="rect">
-            <a:avLst/>
-          </a:prstGeom>
-          <a:noFill/>
-          <a:ln>
-            <a:noFill/>
-          </a:ln>
-        </p:spPr>
-      </p:pic>
-      <p:pic>
-        <p:nvPicPr>
-          <p:cNvPr id="156" name="Google Shape;156;g29b76e2bf7f_0_5"/>
-          <p:cNvPicPr preferRelativeResize="0"/>
-          <p:nvPr/>
-        </p:nvPicPr>
-        <p:blipFill>
-          <a:blip r:embed="rId5">
-            <a:alphaModFix/>
-          </a:blip>
-          <a:stretch>
-            <a:fillRect/>
-          </a:stretch>
-        </p:blipFill>
-        <p:spPr>
-          <a:xfrm>
-            <a:off x="5375927" y="3960127"/>
+            <a:off x="1252418" y="3078385"/>
             <a:ext cx="6044376" cy="1685675"/>
           </a:xfrm>
           <a:prstGeom prst="rect">
@@ -16814,6 +16650,304 @@
   <p:clrMapOvr>
     <a:masterClrMapping/>
   </p:clrMapOvr>
+  <p:timing>
+    <p:tnLst>
+      <p:par>
+        <p:cTn dur="indefinite" nodeType="tmRoot" restart="never">
+          <p:childTnLst>
+            <p:seq concurrent="1" nextAc="seek">
+              <p:cTn dur="indefinite" id="2" nodeType="mainSeq">
+                <p:childTnLst>
+                  <p:par>
+                    <p:cTn fill="hold">
+                      <p:stCondLst>
+                        <p:cond delay="indefinite"/>
+                      </p:stCondLst>
+                      <p:childTnLst>
+                        <p:par>
+                          <p:cTn fill="hold">
+                            <p:stCondLst>
+                              <p:cond delay="0"/>
+                            </p:stCondLst>
+                            <p:childTnLst>
+                              <p:par>
+                                <p:cTn fill="hold" nodeType="clickEffect" presetClass="entr" presetID="1" presetSubtype="0">
+                                  <p:stCondLst>
+                                    <p:cond delay="0"/>
+                                  </p:stCondLst>
+                                  <p:childTnLst>
+                                    <p:set>
+                                      <p:cBhvr>
+                                        <p:cTn dur="1" fill="hold">
+                                          <p:stCondLst>
+                                            <p:cond delay="0"/>
+                                          </p:stCondLst>
+                                        </p:cTn>
+                                        <p:tgtEl>
+                                          <p:spTgt spid="153"/>
+                                        </p:tgtEl>
+                                        <p:attrNameLst>
+                                          <p:attrName>style.visibility</p:attrName>
+                                        </p:attrNameLst>
+                                      </p:cBhvr>
+                                      <p:to>
+                                        <p:strVal val="visible"/>
+                                      </p:to>
+                                    </p:set>
+                                  </p:childTnLst>
+                                </p:cTn>
+                              </p:par>
+                            </p:childTnLst>
+                          </p:cTn>
+                        </p:par>
+                      </p:childTnLst>
+                    </p:cTn>
+                  </p:par>
+                  <p:par>
+                    <p:cTn fill="hold">
+                      <p:stCondLst>
+                        <p:cond delay="indefinite"/>
+                      </p:stCondLst>
+                      <p:childTnLst>
+                        <p:par>
+                          <p:cTn fill="hold">
+                            <p:stCondLst>
+                              <p:cond delay="0"/>
+                            </p:stCondLst>
+                            <p:childTnLst>
+                              <p:par>
+                                <p:cTn fill="hold" nodeType="clickEffect" presetClass="entr" presetID="1" presetSubtype="0">
+                                  <p:stCondLst>
+                                    <p:cond delay="0"/>
+                                  </p:stCondLst>
+                                  <p:childTnLst>
+                                    <p:set>
+                                      <p:cBhvr>
+                                        <p:cTn dur="1" fill="hold">
+                                          <p:stCondLst>
+                                            <p:cond delay="0"/>
+                                          </p:stCondLst>
+                                        </p:cTn>
+                                        <p:tgtEl>
+                                          <p:spTgt spid="154">
+                                            <p:txEl>
+                                              <p:pRg end="0" st="0"/>
+                                            </p:txEl>
+                                          </p:spTgt>
+                                        </p:tgtEl>
+                                        <p:attrNameLst>
+                                          <p:attrName>style.visibility</p:attrName>
+                                        </p:attrNameLst>
+                                      </p:cBhvr>
+                                      <p:to>
+                                        <p:strVal val="visible"/>
+                                      </p:to>
+                                    </p:set>
+                                  </p:childTnLst>
+                                </p:cTn>
+                              </p:par>
+                            </p:childTnLst>
+                          </p:cTn>
+                        </p:par>
+                      </p:childTnLst>
+                    </p:cTn>
+                  </p:par>
+                  <p:par>
+                    <p:cTn fill="hold">
+                      <p:stCondLst>
+                        <p:cond delay="indefinite"/>
+                      </p:stCondLst>
+                      <p:childTnLst>
+                        <p:par>
+                          <p:cTn fill="hold">
+                            <p:stCondLst>
+                              <p:cond delay="0"/>
+                            </p:stCondLst>
+                            <p:childTnLst>
+                              <p:par>
+                                <p:cTn fill="hold" nodeType="clickEffect" presetClass="entr" presetID="1" presetSubtype="0">
+                                  <p:stCondLst>
+                                    <p:cond delay="0"/>
+                                  </p:stCondLst>
+                                  <p:childTnLst>
+                                    <p:set>
+                                      <p:cBhvr>
+                                        <p:cTn dur="1" fill="hold">
+                                          <p:stCondLst>
+                                            <p:cond delay="0"/>
+                                          </p:stCondLst>
+                                        </p:cTn>
+                                        <p:tgtEl>
+                                          <p:spTgt spid="154">
+                                            <p:txEl>
+                                              <p:pRg end="1" st="1"/>
+                                            </p:txEl>
+                                          </p:spTgt>
+                                        </p:tgtEl>
+                                        <p:attrNameLst>
+                                          <p:attrName>style.visibility</p:attrName>
+                                        </p:attrNameLst>
+                                      </p:cBhvr>
+                                      <p:to>
+                                        <p:strVal val="visible"/>
+                                      </p:to>
+                                    </p:set>
+                                  </p:childTnLst>
+                                </p:cTn>
+                              </p:par>
+                            </p:childTnLst>
+                          </p:cTn>
+                        </p:par>
+                      </p:childTnLst>
+                    </p:cTn>
+                  </p:par>
+                  <p:par>
+                    <p:cTn fill="hold">
+                      <p:stCondLst>
+                        <p:cond delay="indefinite"/>
+                      </p:stCondLst>
+                      <p:childTnLst>
+                        <p:par>
+                          <p:cTn fill="hold">
+                            <p:stCondLst>
+                              <p:cond delay="0"/>
+                            </p:stCondLst>
+                            <p:childTnLst>
+                              <p:par>
+                                <p:cTn fill="hold" nodeType="clickEffect" presetClass="entr" presetID="1" presetSubtype="0">
+                                  <p:stCondLst>
+                                    <p:cond delay="0"/>
+                                  </p:stCondLst>
+                                  <p:childTnLst>
+                                    <p:set>
+                                      <p:cBhvr>
+                                        <p:cTn dur="1" fill="hold">
+                                          <p:stCondLst>
+                                            <p:cond delay="0"/>
+                                          </p:stCondLst>
+                                        </p:cTn>
+                                        <p:tgtEl>
+                                          <p:spTgt spid="154">
+                                            <p:txEl>
+                                              <p:pRg end="2" st="2"/>
+                                            </p:txEl>
+                                          </p:spTgt>
+                                        </p:tgtEl>
+                                        <p:attrNameLst>
+                                          <p:attrName>style.visibility</p:attrName>
+                                        </p:attrNameLst>
+                                      </p:cBhvr>
+                                      <p:to>
+                                        <p:strVal val="visible"/>
+                                      </p:to>
+                                    </p:set>
+                                  </p:childTnLst>
+                                </p:cTn>
+                              </p:par>
+                            </p:childTnLst>
+                          </p:cTn>
+                        </p:par>
+                      </p:childTnLst>
+                    </p:cTn>
+                  </p:par>
+                  <p:par>
+                    <p:cTn fill="hold">
+                      <p:stCondLst>
+                        <p:cond delay="indefinite"/>
+                      </p:stCondLst>
+                      <p:childTnLst>
+                        <p:par>
+                          <p:cTn fill="hold">
+                            <p:stCondLst>
+                              <p:cond delay="0"/>
+                            </p:stCondLst>
+                            <p:childTnLst>
+                              <p:par>
+                                <p:cTn fill="hold" nodeType="clickEffect" presetClass="entr" presetID="1" presetSubtype="0">
+                                  <p:stCondLst>
+                                    <p:cond delay="0"/>
+                                  </p:stCondLst>
+                                  <p:childTnLst>
+                                    <p:set>
+                                      <p:cBhvr>
+                                        <p:cTn dur="1" fill="hold">
+                                          <p:stCondLst>
+                                            <p:cond delay="0"/>
+                                          </p:stCondLst>
+                                        </p:cTn>
+                                        <p:tgtEl>
+                                          <p:spTgt spid="154">
+                                            <p:txEl>
+                                              <p:pRg end="3" st="3"/>
+                                            </p:txEl>
+                                          </p:spTgt>
+                                        </p:tgtEl>
+                                        <p:attrNameLst>
+                                          <p:attrName>style.visibility</p:attrName>
+                                        </p:attrNameLst>
+                                      </p:cBhvr>
+                                      <p:to>
+                                        <p:strVal val="visible"/>
+                                      </p:to>
+                                    </p:set>
+                                  </p:childTnLst>
+                                </p:cTn>
+                              </p:par>
+                              <p:par>
+                                <p:cTn fill="hold" nodeType="withEffect" presetClass="entr" presetID="1" presetSubtype="0">
+                                  <p:stCondLst>
+                                    <p:cond delay="0"/>
+                                  </p:stCondLst>
+                                  <p:childTnLst>
+                                    <p:set>
+                                      <p:cBhvr>
+                                        <p:cTn dur="1" fill="hold">
+                                          <p:stCondLst>
+                                            <p:cond delay="0"/>
+                                          </p:stCondLst>
+                                        </p:cTn>
+                                        <p:tgtEl>
+                                          <p:spTgt spid="155"/>
+                                        </p:tgtEl>
+                                        <p:attrNameLst>
+                                          <p:attrName>style.visibility</p:attrName>
+                                        </p:attrNameLst>
+                                      </p:cBhvr>
+                                      <p:to>
+                                        <p:strVal val="visible"/>
+                                      </p:to>
+                                    </p:set>
+                                  </p:childTnLst>
+                                </p:cTn>
+                              </p:par>
+                            </p:childTnLst>
+                          </p:cTn>
+                        </p:par>
+                      </p:childTnLst>
+                    </p:cTn>
+                  </p:par>
+                </p:childTnLst>
+              </p:cTn>
+              <p:prevCondLst>
+                <p:cond evt="onPrev">
+                  <p:tgtEl>
+                    <p:sldTgt/>
+                  </p:tgtEl>
+                </p:cond>
+              </p:prevCondLst>
+              <p:nextCondLst>
+                <p:cond evt="onNext">
+                  <p:tgtEl>
+                    <p:sldTgt/>
+                  </p:tgtEl>
+                </p:cond>
+              </p:nextCondLst>
+            </p:seq>
+          </p:childTnLst>
+        </p:cTn>
+      </p:par>
+    </p:tnLst>
+  </p:timing>
 </p:sld>
 </file>
 
@@ -16834,7 +16968,7 @@
     </p:bg>
     <p:spTree>
       <p:nvGrpSpPr>
-        <p:cNvPr id="160" name="Shape 160"/>
+        <p:cNvPr id="159" name="Shape 159"/>
         <p:cNvGrpSpPr/>
         <p:nvPr/>
       </p:nvGrpSpPr>
@@ -16848,14 +16982,14 @@
       </p:grpSpPr>
       <p:sp>
         <p:nvSpPr>
-          <p:cNvPr id="161" name="Google Shape;161;g29b15032e6a_0_30"/>
+          <p:cNvPr id="160" name="Google Shape;160;p23"/>
           <p:cNvSpPr txBox="1"/>
           <p:nvPr/>
         </p:nvSpPr>
         <p:spPr>
           <a:xfrm>
             <a:off x="714375" y="695325"/>
-            <a:ext cx="9548700" cy="585000"/>
+            <a:ext cx="9548700" cy="615600"/>
           </a:xfrm>
           <a:prstGeom prst="rect">
             <a:avLst/>
@@ -16889,7 +17023,7 @@
               <a:buNone/>
             </a:pPr>
             <a:r>
-              <a:rPr b="1" lang="en-GB" sz="3200">
+              <a:rPr b="1" i="0" lang="en-GB" sz="3400" u="none" cap="none" strike="noStrike">
                 <a:solidFill>
                   <a:srgbClr val="292D33"/>
                 </a:solidFill>
@@ -16898,9 +17032,9 @@
                 <a:cs typeface="Lexend"/>
                 <a:sym typeface="Lexend"/>
               </a:rPr>
-              <a:t>What’s New with ABP Commercial 8.0?</a:t>
+              <a:t>ABP Commercial 8.0 Highlights</a:t>
             </a:r>
-            <a:endParaRPr b="1" i="0" sz="3200" u="none" cap="none" strike="noStrike">
+            <a:endParaRPr b="1" i="0" sz="3400" u="none" cap="none" strike="noStrike">
               <a:solidFill>
                 <a:srgbClr val="292D33"/>
               </a:solidFill>
@@ -16914,14 +17048,14 @@
       </p:sp>
       <p:sp>
         <p:nvSpPr>
-          <p:cNvPr id="162" name="Google Shape;162;g29b15032e6a_0_30"/>
+          <p:cNvPr id="161" name="Google Shape;161;p23"/>
           <p:cNvSpPr txBox="1"/>
           <p:nvPr/>
         </p:nvSpPr>
         <p:spPr>
           <a:xfrm>
             <a:off x="714375" y="1453075"/>
-            <a:ext cx="10491900" cy="3478500"/>
+            <a:ext cx="10491900" cy="3101400"/>
           </a:xfrm>
           <a:prstGeom prst="rect">
             <a:avLst/>
@@ -16937,7 +17071,7 @@
           </a:bodyPr>
           <a:lstStyle/>
           <a:p>
-            <a:pPr indent="-368300" lvl="0" marL="457200" marR="0" rtl="0" algn="l">
+            <a:pPr indent="-374650" lvl="0" marL="457200" marR="0" rtl="0" algn="l">
               <a:lnSpc>
                 <a:spcPct val="150000"/>
               </a:lnSpc>
@@ -16950,12 +17084,12 @@
               <a:buClr>
                 <a:srgbClr val="5B636F"/>
               </a:buClr>
-              <a:buSzPts val="2200"/>
+              <a:buSzPts val="2300"/>
               <a:buFont typeface="Poppins"/>
               <a:buChar char="●"/>
             </a:pPr>
             <a:r>
-              <a:rPr lang="en-GB" sz="2200">
+              <a:rPr b="0" i="0" lang="en-GB" sz="2300" u="none" cap="none" strike="noStrike">
                 <a:solidFill>
                   <a:srgbClr val="5B636F"/>
                 </a:solidFill>
@@ -16964,9 +17098,101 @@
                 <a:cs typeface="Poppins"/>
                 <a:sym typeface="Poppins"/>
               </a:rPr>
-              <a:t>Try to get profile picture from social/external logins</a:t>
+              <a:t>Suite: Generating </a:t>
             </a:r>
-            <a:endParaRPr sz="2200">
+            <a:r>
+              <a:rPr b="1" i="0" lang="en-GB" sz="2300" u="none" cap="none" strike="noStrike">
+                <a:solidFill>
+                  <a:srgbClr val="5B636F"/>
+                </a:solidFill>
+                <a:latin typeface="Poppins"/>
+                <a:ea typeface="Poppins"/>
+                <a:cs typeface="Poppins"/>
+                <a:sym typeface="Poppins"/>
+              </a:rPr>
+              <a:t>Master/Detail </a:t>
+            </a:r>
+            <a:r>
+              <a:rPr b="0" i="0" lang="en-GB" sz="2300" u="none" cap="none" strike="noStrike">
+                <a:solidFill>
+                  <a:srgbClr val="5B636F"/>
+                </a:solidFill>
+                <a:latin typeface="Poppins"/>
+                <a:ea typeface="Poppins"/>
+                <a:cs typeface="Poppins"/>
+                <a:sym typeface="Poppins"/>
+              </a:rPr>
+              <a:t>Relationship</a:t>
+            </a:r>
+            <a:endParaRPr sz="1500"/>
+          </a:p>
+          <a:p>
+            <a:pPr indent="-374650" lvl="0" marL="457200" marR="0" rtl="0" algn="l">
+              <a:lnSpc>
+                <a:spcPct val="150000"/>
+              </a:lnSpc>
+              <a:spcBef>
+                <a:spcPts val="0"/>
+              </a:spcBef>
+              <a:spcAft>
+                <a:spcPts val="0"/>
+              </a:spcAft>
+              <a:buClr>
+                <a:srgbClr val="5B636F"/>
+              </a:buClr>
+              <a:buSzPts val="2300"/>
+              <a:buFont typeface="Poppins"/>
+              <a:buChar char="●"/>
+            </a:pPr>
+            <a:r>
+              <a:rPr b="0" i="0" lang="en-GB" sz="2300" u="none" cap="none" strike="noStrike">
+                <a:solidFill>
+                  <a:srgbClr val="5B636F"/>
+                </a:solidFill>
+                <a:latin typeface="Poppins"/>
+                <a:ea typeface="Poppins"/>
+                <a:cs typeface="Poppins"/>
+                <a:sym typeface="Poppins"/>
+              </a:rPr>
+              <a:t>Get </a:t>
+            </a:r>
+            <a:r>
+              <a:rPr b="1" i="0" lang="en-GB" sz="2300" u="none" cap="none" strike="noStrike">
+                <a:solidFill>
+                  <a:srgbClr val="5B636F"/>
+                </a:solidFill>
+                <a:latin typeface="Poppins"/>
+                <a:ea typeface="Poppins"/>
+                <a:cs typeface="Poppins"/>
+                <a:sym typeface="Poppins"/>
+              </a:rPr>
+              <a:t>profile picture </a:t>
+            </a:r>
+            <a:r>
+              <a:rPr b="0" i="0" lang="en-GB" sz="2300" u="none" cap="none" strike="noStrike">
+                <a:solidFill>
+                  <a:srgbClr val="5B636F"/>
+                </a:solidFill>
+                <a:latin typeface="Poppins"/>
+                <a:ea typeface="Poppins"/>
+                <a:cs typeface="Poppins"/>
+                <a:sym typeface="Poppins"/>
+              </a:rPr>
+              <a:t>from </a:t>
+            </a:r>
+            <a:r>
+              <a:rPr b="1" i="0" lang="en-GB" sz="2300" u="none" cap="none" strike="noStrike">
+                <a:solidFill>
+                  <a:srgbClr val="5B636F"/>
+                </a:solidFill>
+                <a:latin typeface="Poppins"/>
+                <a:ea typeface="Poppins"/>
+                <a:cs typeface="Poppins"/>
+                <a:sym typeface="Poppins"/>
+              </a:rPr>
+              <a:t>social/external logins</a:t>
+            </a:r>
+            <a:endParaRPr b="1" i="0" sz="2300" u="none" cap="none" strike="noStrike">
               <a:solidFill>
                 <a:srgbClr val="5B636F"/>
               </a:solidFill>
@@ -16977,7 +17203,7 @@
             </a:endParaRPr>
           </a:p>
           <a:p>
-            <a:pPr indent="-368300" lvl="0" marL="457200" marR="0" rtl="0" algn="l">
+            <a:pPr indent="-374650" lvl="0" marL="457200" marR="0" rtl="0" algn="l">
               <a:lnSpc>
                 <a:spcPct val="150000"/>
               </a:lnSpc>
@@ -16990,12 +17216,12 @@
               <a:buClr>
                 <a:srgbClr val="5B636F"/>
               </a:buClr>
-              <a:buSzPts val="2200"/>
+              <a:buSzPts val="2300"/>
               <a:buFont typeface="Poppins"/>
               <a:buChar char="●"/>
             </a:pPr>
             <a:r>
-              <a:rPr lang="en-GB" sz="2200">
+              <a:rPr b="0" i="0" lang="en-GB" sz="2300" u="none" cap="none" strike="noStrike">
                 <a:solidFill>
                   <a:srgbClr val="5B636F"/>
                 </a:solidFill>
@@ -17004,9 +17230,57 @@
                 <a:cs typeface="Poppins"/>
                 <a:sym typeface="Poppins"/>
               </a:rPr>
-              <a:t>Switch from Ocelot to YARP for the API Gateway (Microservice Solution Template)</a:t>
+              <a:t>Switch from </a:t>
             </a:r>
-            <a:endParaRPr sz="2200">
+            <a:r>
+              <a:rPr b="1" i="0" lang="en-GB" sz="2300" u="none" cap="none" strike="noStrike">
+                <a:solidFill>
+                  <a:srgbClr val="5B636F"/>
+                </a:solidFill>
+                <a:latin typeface="Poppins"/>
+                <a:ea typeface="Poppins"/>
+                <a:cs typeface="Poppins"/>
+                <a:sym typeface="Poppins"/>
+              </a:rPr>
+              <a:t>Ocelot </a:t>
+            </a:r>
+            <a:r>
+              <a:rPr b="0" i="0" lang="en-GB" sz="2300" u="none" cap="none" strike="noStrike">
+                <a:solidFill>
+                  <a:srgbClr val="5B636F"/>
+                </a:solidFill>
+                <a:latin typeface="Poppins"/>
+                <a:ea typeface="Poppins"/>
+                <a:cs typeface="Poppins"/>
+                <a:sym typeface="Poppins"/>
+              </a:rPr>
+              <a:t>to </a:t>
+            </a:r>
+            <a:r>
+              <a:rPr b="1" i="0" lang="en-GB" sz="2300" u="none" cap="none" strike="noStrike">
+                <a:solidFill>
+                  <a:srgbClr val="5B636F"/>
+                </a:solidFill>
+                <a:latin typeface="Poppins"/>
+                <a:ea typeface="Poppins"/>
+                <a:cs typeface="Poppins"/>
+                <a:sym typeface="Poppins"/>
+              </a:rPr>
+              <a:t>YARP </a:t>
+            </a:r>
+            <a:r>
+              <a:rPr b="0" i="0" lang="en-GB" sz="2300" u="none" cap="none" strike="noStrike">
+                <a:solidFill>
+                  <a:srgbClr val="5B636F"/>
+                </a:solidFill>
+                <a:latin typeface="Poppins"/>
+                <a:ea typeface="Poppins"/>
+                <a:cs typeface="Poppins"/>
+                <a:sym typeface="Poppins"/>
+              </a:rPr>
+              <a:t>for the API Gateway (Microservice Solution Template)</a:t>
+            </a:r>
+            <a:endParaRPr b="0" i="0" sz="2300" u="none" cap="none" strike="noStrike">
               <a:solidFill>
                 <a:srgbClr val="5B636F"/>
               </a:solidFill>
@@ -17017,7 +17291,7 @@
             </a:endParaRPr>
           </a:p>
           <a:p>
-            <a:pPr indent="-368300" lvl="0" marL="457200" marR="0" rtl="0" algn="l">
+            <a:pPr indent="-374650" lvl="0" marL="457200" marR="0" rtl="0" algn="l">
               <a:lnSpc>
                 <a:spcPct val="150000"/>
               </a:lnSpc>
@@ -17030,12 +17304,12 @@
               <a:buClr>
                 <a:srgbClr val="5B636F"/>
               </a:buClr>
-              <a:buSzPts val="2200"/>
+              <a:buSzPts val="2300"/>
               <a:buFont typeface="Poppins"/>
               <a:buChar char="●"/>
             </a:pPr>
             <a:r>
-              <a:rPr lang="en-GB" sz="2200">
+              <a:rPr b="1" i="0" lang="en-GB" sz="2300" u="none" cap="none" strike="noStrike">
                 <a:solidFill>
                   <a:srgbClr val="5B636F"/>
                 </a:solidFill>
@@ -17044,9 +17318,21 @@
                 <a:cs typeface="Poppins"/>
                 <a:sym typeface="Poppins"/>
               </a:rPr>
-              <a:t>Password complexity indicators for MVC &amp; Blazor UIs</a:t>
+              <a:t>Password complexity indicators </a:t>
             </a:r>
-            <a:endParaRPr sz="2200">
+            <a:r>
+              <a:rPr b="0" i="0" lang="en-GB" sz="2300" u="none" cap="none" strike="noStrike">
+                <a:solidFill>
+                  <a:srgbClr val="5B636F"/>
+                </a:solidFill>
+                <a:latin typeface="Poppins"/>
+                <a:ea typeface="Poppins"/>
+                <a:cs typeface="Poppins"/>
+                <a:sym typeface="Poppins"/>
+              </a:rPr>
+              <a:t>for MVC &amp; Blazor UIs</a:t>
+            </a:r>
+            <a:endParaRPr b="0" i="0" sz="2300" u="none" cap="none" strike="noStrike">
               <a:solidFill>
                 <a:srgbClr val="5B636F"/>
               </a:solidFill>
@@ -17057,7 +17343,7 @@
             </a:endParaRPr>
           </a:p>
           <a:p>
-            <a:pPr indent="-368300" lvl="0" marL="457200" marR="0" rtl="0" algn="l">
+            <a:pPr indent="-374650" lvl="0" marL="457200" marR="0" rtl="0" algn="l">
               <a:lnSpc>
                 <a:spcPct val="150000"/>
               </a:lnSpc>
@@ -17070,12 +17356,12 @@
               <a:buClr>
                 <a:srgbClr val="5B636F"/>
               </a:buClr>
-              <a:buSzPts val="2200"/>
+              <a:buSzPts val="2300"/>
               <a:buFont typeface="Poppins"/>
               <a:buChar char="●"/>
             </a:pPr>
             <a:r>
-              <a:rPr lang="en-GB" sz="2200">
+              <a:rPr b="1" i="0" lang="en-GB" sz="2300" u="none" cap="none" strike="noStrike">
                 <a:solidFill>
                   <a:srgbClr val="5B636F"/>
                 </a:solidFill>
@@ -17084,38 +17370,10 @@
                 <a:cs typeface="Poppins"/>
                 <a:sym typeface="Poppins"/>
               </a:rPr>
-              <a:t>Read-only view for Identity/Users page</a:t>
+              <a:t>Export &amp; Import </a:t>
             </a:r>
-            <a:endParaRPr b="1" sz="2200">
-              <a:solidFill>
-                <a:srgbClr val="5B636F"/>
-              </a:solidFill>
-              <a:latin typeface="Poppins"/>
-              <a:ea typeface="Poppins"/>
-              <a:cs typeface="Poppins"/>
-              <a:sym typeface="Poppins"/>
-            </a:endParaRPr>
-          </a:p>
-          <a:p>
-            <a:pPr indent="-368300" lvl="0" marL="457200" marR="0" rtl="0" algn="l">
-              <a:lnSpc>
-                <a:spcPct val="150000"/>
-              </a:lnSpc>
-              <a:spcBef>
-                <a:spcPts val="0"/>
-              </a:spcBef>
-              <a:spcAft>
-                <a:spcPts val="0"/>
-              </a:spcAft>
-              <a:buClr>
-                <a:srgbClr val="5B636F"/>
-              </a:buClr>
-              <a:buSzPts val="2200"/>
-              <a:buFont typeface="Poppins"/>
-              <a:buChar char="●"/>
-            </a:pPr>
             <a:r>
-              <a:rPr lang="en-GB" sz="2200">
+              <a:rPr b="0" i="0" lang="en-GB" sz="2300" u="none" cap="none" strike="noStrike">
                 <a:solidFill>
                   <a:srgbClr val="5B636F"/>
                 </a:solidFill>
@@ -17124,57 +17382,9 @@
                 <a:cs typeface="Poppins"/>
                 <a:sym typeface="Poppins"/>
               </a:rPr>
-              <a:t>Export &amp; Import Users as Excel/CSV</a:t>
+              <a:t>Users as Excel/CSV</a:t>
             </a:r>
-            <a:endParaRPr b="1" sz="2200">
-              <a:solidFill>
-                <a:srgbClr val="5B636F"/>
-              </a:solidFill>
-              <a:latin typeface="Poppins"/>
-              <a:ea typeface="Poppins"/>
-              <a:cs typeface="Poppins"/>
-              <a:sym typeface="Poppins"/>
-            </a:endParaRPr>
-          </a:p>
-          <a:p>
-            <a:pPr indent="-368300" lvl="0" marL="457200" marR="0" rtl="0" algn="l">
-              <a:lnSpc>
-                <a:spcPct val="150000"/>
-              </a:lnSpc>
-              <a:spcBef>
-                <a:spcPts val="0"/>
-              </a:spcBef>
-              <a:spcAft>
-                <a:spcPts val="0"/>
-              </a:spcAft>
-              <a:buClr>
-                <a:srgbClr val="5B636F"/>
-              </a:buClr>
-              <a:buSzPts val="2200"/>
-              <a:buFont typeface="Poppins"/>
-              <a:buChar char="●"/>
-            </a:pPr>
-            <a:r>
-              <a:rPr lang="en-GB" sz="2200">
-                <a:solidFill>
-                  <a:srgbClr val="5B636F"/>
-                </a:solidFill>
-                <a:latin typeface="Poppins"/>
-                <a:ea typeface="Poppins"/>
-                <a:cs typeface="Poppins"/>
-                <a:sym typeface="Poppins"/>
-              </a:rPr>
-              <a:t>Suite: Generating Master/Detail Forms</a:t>
-            </a:r>
-            <a:endParaRPr sz="2200">
-              <a:solidFill>
-                <a:srgbClr val="5B636F"/>
-              </a:solidFill>
-              <a:latin typeface="Poppins"/>
-              <a:ea typeface="Poppins"/>
-              <a:cs typeface="Poppins"/>
-              <a:sym typeface="Poppins"/>
-            </a:endParaRPr>
+            <a:endParaRPr sz="1500"/>
           </a:p>
         </p:txBody>
       </p:sp>
@@ -17183,6 +17393,326 @@
   <p:clrMapOvr>
     <a:masterClrMapping/>
   </p:clrMapOvr>
+  <p:timing>
+    <p:tnLst>
+      <p:par>
+        <p:cTn dur="indefinite" nodeType="tmRoot" restart="never">
+          <p:childTnLst>
+            <p:seq concurrent="1" nextAc="seek">
+              <p:cTn dur="indefinite" id="2" nodeType="mainSeq">
+                <p:childTnLst>
+                  <p:par>
+                    <p:cTn fill="hold">
+                      <p:stCondLst>
+                        <p:cond delay="indefinite"/>
+                      </p:stCondLst>
+                      <p:childTnLst>
+                        <p:par>
+                          <p:cTn fill="hold">
+                            <p:stCondLst>
+                              <p:cond delay="0"/>
+                            </p:stCondLst>
+                            <p:childTnLst>
+                              <p:par>
+                                <p:cTn fill="hold" nodeType="clickEffect" presetClass="entr" presetID="1" presetSubtype="0">
+                                  <p:stCondLst>
+                                    <p:cond delay="0"/>
+                                  </p:stCondLst>
+                                  <p:childTnLst>
+                                    <p:set>
+                                      <p:cBhvr>
+                                        <p:cTn dur="1" fill="hold">
+                                          <p:stCondLst>
+                                            <p:cond delay="0"/>
+                                          </p:stCondLst>
+                                        </p:cTn>
+                                        <p:tgtEl>
+                                          <p:spTgt spid="160"/>
+                                        </p:tgtEl>
+                                        <p:attrNameLst>
+                                          <p:attrName>style.visibility</p:attrName>
+                                        </p:attrNameLst>
+                                      </p:cBhvr>
+                                      <p:to>
+                                        <p:strVal val="visible"/>
+                                      </p:to>
+                                    </p:set>
+                                  </p:childTnLst>
+                                </p:cTn>
+                              </p:par>
+                            </p:childTnLst>
+                          </p:cTn>
+                        </p:par>
+                      </p:childTnLst>
+                    </p:cTn>
+                  </p:par>
+                  <p:par>
+                    <p:cTn fill="hold">
+                      <p:stCondLst>
+                        <p:cond delay="indefinite"/>
+                      </p:stCondLst>
+                      <p:childTnLst>
+                        <p:par>
+                          <p:cTn fill="hold">
+                            <p:stCondLst>
+                              <p:cond delay="0"/>
+                            </p:stCondLst>
+                            <p:childTnLst>
+                              <p:par>
+                                <p:cTn fill="hold" nodeType="clickEffect" presetClass="entr" presetID="1" presetSubtype="0">
+                                  <p:stCondLst>
+                                    <p:cond delay="0"/>
+                                  </p:stCondLst>
+                                  <p:childTnLst>
+                                    <p:set>
+                                      <p:cBhvr>
+                                        <p:cTn dur="1" fill="hold">
+                                          <p:stCondLst>
+                                            <p:cond delay="0"/>
+                                          </p:stCondLst>
+                                        </p:cTn>
+                                        <p:tgtEl>
+                                          <p:spTgt spid="161">
+                                            <p:txEl>
+                                              <p:pRg end="0" st="0"/>
+                                            </p:txEl>
+                                          </p:spTgt>
+                                        </p:tgtEl>
+                                        <p:attrNameLst>
+                                          <p:attrName>style.visibility</p:attrName>
+                                        </p:attrNameLst>
+                                      </p:cBhvr>
+                                      <p:to>
+                                        <p:strVal val="visible"/>
+                                      </p:to>
+                                    </p:set>
+                                  </p:childTnLst>
+                                </p:cTn>
+                              </p:par>
+                            </p:childTnLst>
+                          </p:cTn>
+                        </p:par>
+                      </p:childTnLst>
+                    </p:cTn>
+                  </p:par>
+                  <p:par>
+                    <p:cTn fill="hold">
+                      <p:stCondLst>
+                        <p:cond delay="indefinite"/>
+                      </p:stCondLst>
+                      <p:childTnLst>
+                        <p:par>
+                          <p:cTn fill="hold">
+                            <p:stCondLst>
+                              <p:cond delay="0"/>
+                            </p:stCondLst>
+                            <p:childTnLst>
+                              <p:par>
+                                <p:cTn fill="hold" nodeType="clickEffect" presetClass="entr" presetID="1" presetSubtype="0">
+                                  <p:stCondLst>
+                                    <p:cond delay="0"/>
+                                  </p:stCondLst>
+                                  <p:childTnLst>
+                                    <p:set>
+                                      <p:cBhvr>
+                                        <p:cTn dur="1" fill="hold">
+                                          <p:stCondLst>
+                                            <p:cond delay="0"/>
+                                          </p:stCondLst>
+                                        </p:cTn>
+                                        <p:tgtEl>
+                                          <p:spTgt spid="161">
+                                            <p:txEl>
+                                              <p:pRg end="1" st="1"/>
+                                            </p:txEl>
+                                          </p:spTgt>
+                                        </p:tgtEl>
+                                        <p:attrNameLst>
+                                          <p:attrName>style.visibility</p:attrName>
+                                        </p:attrNameLst>
+                                      </p:cBhvr>
+                                      <p:to>
+                                        <p:strVal val="visible"/>
+                                      </p:to>
+                                    </p:set>
+                                  </p:childTnLst>
+                                </p:cTn>
+                              </p:par>
+                            </p:childTnLst>
+                          </p:cTn>
+                        </p:par>
+                      </p:childTnLst>
+                    </p:cTn>
+                  </p:par>
+                  <p:par>
+                    <p:cTn fill="hold">
+                      <p:stCondLst>
+                        <p:cond delay="indefinite"/>
+                      </p:stCondLst>
+                      <p:childTnLst>
+                        <p:par>
+                          <p:cTn fill="hold">
+                            <p:stCondLst>
+                              <p:cond delay="0"/>
+                            </p:stCondLst>
+                            <p:childTnLst>
+                              <p:par>
+                                <p:cTn fill="hold" nodeType="clickEffect" presetClass="entr" presetID="1" presetSubtype="0">
+                                  <p:stCondLst>
+                                    <p:cond delay="0"/>
+                                  </p:stCondLst>
+                                  <p:childTnLst>
+                                    <p:set>
+                                      <p:cBhvr>
+                                        <p:cTn dur="1" fill="hold">
+                                          <p:stCondLst>
+                                            <p:cond delay="0"/>
+                                          </p:stCondLst>
+                                        </p:cTn>
+                                        <p:tgtEl>
+                                          <p:spTgt spid="161">
+                                            <p:txEl>
+                                              <p:pRg end="2" st="2"/>
+                                            </p:txEl>
+                                          </p:spTgt>
+                                        </p:tgtEl>
+                                        <p:attrNameLst>
+                                          <p:attrName>style.visibility</p:attrName>
+                                        </p:attrNameLst>
+                                      </p:cBhvr>
+                                      <p:to>
+                                        <p:strVal val="visible"/>
+                                      </p:to>
+                                    </p:set>
+                                  </p:childTnLst>
+                                </p:cTn>
+                              </p:par>
+                            </p:childTnLst>
+                          </p:cTn>
+                        </p:par>
+                      </p:childTnLst>
+                    </p:cTn>
+                  </p:par>
+                  <p:par>
+                    <p:cTn fill="hold">
+                      <p:stCondLst>
+                        <p:cond delay="indefinite"/>
+                      </p:stCondLst>
+                      <p:childTnLst>
+                        <p:par>
+                          <p:cTn fill="hold">
+                            <p:stCondLst>
+                              <p:cond delay="0"/>
+                            </p:stCondLst>
+                            <p:childTnLst>
+                              <p:par>
+                                <p:cTn fill="hold" nodeType="clickEffect" presetClass="entr" presetID="1" presetSubtype="0">
+                                  <p:stCondLst>
+                                    <p:cond delay="0"/>
+                                  </p:stCondLst>
+                                  <p:childTnLst>
+                                    <p:set>
+                                      <p:cBhvr>
+                                        <p:cTn dur="1" fill="hold">
+                                          <p:stCondLst>
+                                            <p:cond delay="0"/>
+                                          </p:stCondLst>
+                                        </p:cTn>
+                                        <p:tgtEl>
+                                          <p:spTgt spid="161">
+                                            <p:txEl>
+                                              <p:pRg end="3" st="3"/>
+                                            </p:txEl>
+                                          </p:spTgt>
+                                        </p:tgtEl>
+                                        <p:attrNameLst>
+                                          <p:attrName>style.visibility</p:attrName>
+                                        </p:attrNameLst>
+                                      </p:cBhvr>
+                                      <p:to>
+                                        <p:strVal val="visible"/>
+                                      </p:to>
+                                    </p:set>
+                                  </p:childTnLst>
+                                </p:cTn>
+                              </p:par>
+                            </p:childTnLst>
+                          </p:cTn>
+                        </p:par>
+                      </p:childTnLst>
+                    </p:cTn>
+                  </p:par>
+                  <p:par>
+                    <p:cTn fill="hold">
+                      <p:stCondLst>
+                        <p:cond delay="indefinite"/>
+                      </p:stCondLst>
+                      <p:childTnLst>
+                        <p:par>
+                          <p:cTn fill="hold">
+                            <p:stCondLst>
+                              <p:cond delay="0"/>
+                            </p:stCondLst>
+                            <p:childTnLst>
+                              <p:par>
+                                <p:cTn fill="hold" nodeType="clickEffect" presetClass="entr" presetID="1" presetSubtype="0">
+                                  <p:stCondLst>
+                                    <p:cond delay="0"/>
+                                  </p:stCondLst>
+                                  <p:childTnLst>
+                                    <p:set>
+                                      <p:cBhvr>
+                                        <p:cTn dur="1" fill="hold">
+                                          <p:stCondLst>
+                                            <p:cond delay="0"/>
+                                          </p:stCondLst>
+                                        </p:cTn>
+                                        <p:tgtEl>
+                                          <p:spTgt spid="161">
+                                            <p:txEl>
+                                              <p:pRg end="4" st="4"/>
+                                            </p:txEl>
+                                          </p:spTgt>
+                                        </p:tgtEl>
+                                        <p:attrNameLst>
+                                          <p:attrName>style.visibility</p:attrName>
+                                        </p:attrNameLst>
+                                      </p:cBhvr>
+                                      <p:to>
+                                        <p:strVal val="visible"/>
+                                      </p:to>
+                                    </p:set>
+                                  </p:childTnLst>
+                                </p:cTn>
+                              </p:par>
+                            </p:childTnLst>
+                          </p:cTn>
+                        </p:par>
+                      </p:childTnLst>
+                    </p:cTn>
+                  </p:par>
+                </p:childTnLst>
+              </p:cTn>
+              <p:prevCondLst>
+                <p:cond evt="onPrev">
+                  <p:tgtEl>
+                    <p:sldTgt/>
+                  </p:tgtEl>
+                </p:cond>
+              </p:prevCondLst>
+              <p:nextCondLst>
+                <p:cond evt="onNext">
+                  <p:tgtEl>
+                    <p:sldTgt/>
+                  </p:tgtEl>
+                </p:cond>
+              </p:nextCondLst>
+            </p:seq>
+          </p:childTnLst>
+        </p:cTn>
+      </p:par>
+    </p:tnLst>
+  </p:timing>
 </p:sld>
 </file>
 
@@ -17203,7 +17733,7 @@
     </p:bg>
     <p:spTree>
       <p:nvGrpSpPr>
-        <p:cNvPr id="166" name="Shape 166"/>
+        <p:cNvPr id="165" name="Shape 165"/>
         <p:cNvGrpSpPr/>
         <p:nvPr/>
       </p:nvGrpSpPr>
@@ -17217,13 +17747,13 @@
       </p:grpSpPr>
       <p:sp>
         <p:nvSpPr>
-          <p:cNvPr id="167" name="Google Shape;167;g29c72b0158f_0_32"/>
+          <p:cNvPr id="166" name="Google Shape;166;p24"/>
           <p:cNvSpPr txBox="1"/>
           <p:nvPr/>
         </p:nvSpPr>
         <p:spPr>
           <a:xfrm>
-            <a:off x="714375" y="619125"/>
+            <a:off x="714375" y="466725"/>
             <a:ext cx="9548700" cy="585000"/>
           </a:xfrm>
           <a:prstGeom prst="rect">
@@ -17258,7 +17788,7 @@
               <a:buNone/>
             </a:pPr>
             <a:r>
-              <a:rPr b="1" lang="en-GB" sz="3200">
+              <a:rPr b="1" i="0" lang="en-GB" sz="3200" u="none" cap="none" strike="noStrike">
                 <a:solidFill>
                   <a:srgbClr val="292D33"/>
                 </a:solidFill>
@@ -17267,7 +17797,19 @@
                 <a:cs typeface="Lexend"/>
                 <a:sym typeface="Lexend"/>
               </a:rPr>
-              <a:t>Suite: Generating Master/Detail Forms</a:t>
+              <a:t>Suite: Generating Master/Detail </a:t>
+            </a:r>
+            <a:r>
+              <a:rPr b="1" lang="en-GB" sz="3200">
+                <a:solidFill>
+                  <a:srgbClr val="292D33"/>
+                </a:solidFill>
+                <a:latin typeface="Lexend"/>
+                <a:ea typeface="Lexend"/>
+                <a:cs typeface="Lexend"/>
+                <a:sym typeface="Lexend"/>
+              </a:rPr>
+              <a:t>Relationship</a:t>
             </a:r>
             <a:endParaRPr b="1" i="0" sz="3200" u="none" cap="none" strike="noStrike">
               <a:solidFill>
@@ -17283,14 +17825,14 @@
       </p:sp>
       <p:sp>
         <p:nvSpPr>
-          <p:cNvPr id="168" name="Google Shape;168;g29c72b0158f_0_32"/>
+          <p:cNvPr id="167" name="Google Shape;167;p24"/>
           <p:cNvSpPr txBox="1"/>
           <p:nvPr/>
         </p:nvSpPr>
         <p:spPr>
           <a:xfrm>
             <a:off x="714375" y="1300675"/>
-            <a:ext cx="10491900" cy="669600"/>
+            <a:ext cx="10491900" cy="323100"/>
           </a:xfrm>
           <a:prstGeom prst="rect">
             <a:avLst/>
@@ -17324,18 +17866,9 @@
               <a:buNone/>
             </a:pPr>
             <a:r>
-              <a:rPr lang="en-GB" sz="1500">
-                <a:solidFill>
-                  <a:srgbClr val="5B636F"/>
-                </a:solidFill>
-                <a:latin typeface="Poppins"/>
-                <a:ea typeface="Poppins"/>
-                <a:cs typeface="Poppins"/>
-                <a:sym typeface="Poppins"/>
-              </a:rPr>
-              <a:t>ABP Suite allows you to create a master-detail relationship with a few clicks. It generates the necessary code for the master and detail tables, including the foreign key relationship between the two tables.</a:t>
+              <a:t/>
             </a:r>
-            <a:endParaRPr sz="1500">
+            <a:endParaRPr b="0" i="0" sz="1500" u="none" cap="none" strike="noStrike">
               <a:solidFill>
                 <a:srgbClr val="5B636F"/>
               </a:solidFill>
@@ -17349,22 +17882,21 @@
       </p:sp>
       <p:pic>
         <p:nvPicPr>
-          <p:cNvPr id="169" name="Google Shape;169;g29c72b0158f_0_32"/>
+          <p:cNvPr id="168" name="Google Shape;168;p24"/>
           <p:cNvPicPr preferRelativeResize="0"/>
           <p:nvPr/>
         </p:nvPicPr>
-        <p:blipFill>
+        <p:blipFill rotWithShape="1">
           <a:blip r:embed="rId4">
             <a:alphaModFix/>
           </a:blip>
-          <a:stretch>
-            <a:fillRect/>
-          </a:stretch>
+          <a:srcRect b="0" l="0" r="0" t="0"/>
+          <a:stretch/>
         </p:blipFill>
         <p:spPr>
           <a:xfrm>
-            <a:off x="1647900" y="2130150"/>
-            <a:ext cx="8150292" cy="4099024"/>
+            <a:off x="815075" y="1329275"/>
+            <a:ext cx="9331876" cy="4693275"/>
           </a:xfrm>
           <a:prstGeom prst="rect">
             <a:avLst/>
@@ -17377,14 +17909,14 @@
       </p:pic>
       <p:sp>
         <p:nvSpPr>
-          <p:cNvPr id="170" name="Google Shape;170;g29c72b0158f_0_32"/>
+          <p:cNvPr id="169" name="Google Shape;169;p24"/>
           <p:cNvSpPr/>
           <p:nvPr/>
         </p:nvSpPr>
         <p:spPr>
           <a:xfrm>
-            <a:off x="1647900" y="2130150"/>
-            <a:ext cx="8247600" cy="4098900"/>
+            <a:off x="832150" y="1233675"/>
+            <a:ext cx="9331800" cy="4788900"/>
           </a:xfrm>
           <a:prstGeom prst="rect">
             <a:avLst/>
@@ -17392,7 +17924,7 @@
           <a:noFill/>
           <a:ln cap="flat" cmpd="sng" w="9525">
             <a:solidFill>
-              <a:srgbClr val="888888"/>
+              <a:schemeClr val="dk2"/>
             </a:solidFill>
             <a:prstDash val="solid"/>
             <a:round/>
@@ -17452,7 +17984,7 @@
     </p:bg>
     <p:spTree>
       <p:nvGrpSpPr>
-        <p:cNvPr id="174" name="Shape 174"/>
+        <p:cNvPr id="173" name="Shape 173"/>
         <p:cNvGrpSpPr/>
         <p:nvPr/>
       </p:nvGrpSpPr>
@@ -17466,7 +17998,7 @@
       </p:grpSpPr>
       <p:pic>
         <p:nvPicPr>
-          <p:cNvPr id="175" name="Google Shape;175;p3"/>
+          <p:cNvPr id="174" name="Google Shape;174;p25"/>
           <p:cNvPicPr preferRelativeResize="0"/>
           <p:nvPr/>
         </p:nvPicPr>
@@ -17493,7 +18025,7 @@
       </p:pic>
       <p:pic>
         <p:nvPicPr>
-          <p:cNvPr id="176" name="Google Shape;176;p3"/>
+          <p:cNvPr id="175" name="Google Shape;175;p25"/>
           <p:cNvPicPr preferRelativeResize="0"/>
           <p:nvPr/>
         </p:nvPicPr>
@@ -17520,7 +18052,7 @@
       </p:pic>
       <p:sp>
         <p:nvSpPr>
-          <p:cNvPr id="177" name="Google Shape;177;p3"/>
+          <p:cNvPr id="176" name="Google Shape;176;p25"/>
           <p:cNvSpPr txBox="1"/>
           <p:nvPr/>
         </p:nvSpPr>
@@ -17663,14 +18195,14 @@
       </p:grpSpPr>
       <p:sp>
         <p:nvSpPr>
-          <p:cNvPr id="94" name="Google Shape;94;g29b15032e6a_0_13"/>
+          <p:cNvPr id="94" name="Google Shape;94;p14"/>
           <p:cNvSpPr txBox="1"/>
           <p:nvPr/>
         </p:nvSpPr>
         <p:spPr>
           <a:xfrm>
             <a:off x="714375" y="619125"/>
-            <a:ext cx="9548700" cy="585000"/>
+            <a:ext cx="9548700" cy="615600"/>
           </a:xfrm>
           <a:prstGeom prst="rect">
             <a:avLst/>
@@ -17704,7 +18236,7 @@
               <a:buNone/>
             </a:pPr>
             <a:r>
-              <a:rPr b="1" lang="en-GB" sz="3200">
+              <a:rPr b="1" i="0" lang="en-GB" sz="3400" u="none" cap="none" strike="noStrike">
                 <a:solidFill>
                   <a:srgbClr val="292D33"/>
                 </a:solidFill>
@@ -17713,9 +18245,9 @@
                 <a:cs typeface="Lexend"/>
                 <a:sym typeface="Lexend"/>
               </a:rPr>
-              <a:t>Overall</a:t>
+              <a:t>ABP Framework 8.0 Highlights</a:t>
             </a:r>
-            <a:endParaRPr b="1" i="0" sz="3200" u="none" cap="none" strike="noStrike">
+            <a:endParaRPr b="1" i="0" sz="3400" u="none" cap="none" strike="noStrike">
               <a:solidFill>
                 <a:srgbClr val="292D33"/>
               </a:solidFill>
@@ -17729,14 +18261,14 @@
       </p:sp>
       <p:sp>
         <p:nvSpPr>
-          <p:cNvPr id="95" name="Google Shape;95;g29b15032e6a_0_13"/>
+          <p:cNvPr id="95" name="Google Shape;95;p14"/>
           <p:cNvSpPr txBox="1"/>
           <p:nvPr/>
         </p:nvSpPr>
         <p:spPr>
           <a:xfrm>
             <a:off x="714375" y="1300675"/>
-            <a:ext cx="10491900" cy="4109700"/>
+            <a:ext cx="10491900" cy="3786600"/>
           </a:xfrm>
           <a:prstGeom prst="rect">
             <a:avLst/>
@@ -17752,7 +18284,7 @@
           </a:bodyPr>
           <a:lstStyle/>
           <a:p>
-            <a:pPr indent="0" lvl="0" marL="0" rtl="0" algn="l">
+            <a:pPr indent="0" lvl="0" marL="0" marR="0" rtl="0" algn="l">
               <a:lnSpc>
                 <a:spcPct val="150000"/>
               </a:lnSpc>
@@ -17762,10 +18294,15 @@
               <a:spcAft>
                 <a:spcPts val="0"/>
               </a:spcAft>
+              <a:buClr>
+                <a:srgbClr val="000000"/>
+              </a:buClr>
+              <a:buSzPts val="2400"/>
+              <a:buFont typeface="Arial"/>
               <a:buNone/>
             </a:pPr>
             <a:r>
-              <a:rPr lang="en-GB" sz="1800" u="sng">
+              <a:rPr b="0" i="0" lang="en-GB" sz="2400" u="sng" cap="none" strike="noStrike">
                 <a:solidFill>
                   <a:schemeClr val="hlink"/>
                 </a:solidFill>
@@ -17775,11 +18312,23 @@
                 <a:sym typeface="Poppins"/>
                 <a:hlinkClick r:id="rId4"/>
               </a:rPr>
-              <a:t>https://blog.abp.io/abp/announcing-abp-8-0-release-candidate</a:t>
+              <a:t>https://abp.io</a:t>
             </a:r>
-            <a:endParaRPr sz="1800">
+            <a:r>
+              <a:rPr b="0" i="0" lang="en-GB" sz="2400" u="sng" cap="none" strike="noStrike">
+                <a:solidFill>
+                  <a:schemeClr val="hlink"/>
+                </a:solidFill>
+                <a:latin typeface="Poppins"/>
+                <a:ea typeface="Poppins"/>
+                <a:cs typeface="Poppins"/>
+                <a:sym typeface="Poppins"/>
+              </a:rPr>
+              <a:t>/b/v80</a:t>
+            </a:r>
+            <a:endParaRPr sz="2400" u="sng">
               <a:solidFill>
-                <a:srgbClr val="5B636F"/>
+                <a:schemeClr val="hlink"/>
               </a:solidFill>
               <a:latin typeface="Poppins"/>
               <a:ea typeface="Poppins"/>
@@ -17788,7 +18337,7 @@
             </a:endParaRPr>
           </a:p>
           <a:p>
-            <a:pPr indent="0" lvl="0" marL="0" rtl="0" algn="l">
+            <a:pPr indent="-342900" lvl="0" marL="457200" marR="0" rtl="0" algn="l">
               <a:lnSpc>
                 <a:spcPct val="150000"/>
               </a:lnSpc>
@@ -17798,12 +18347,26 @@
               <a:spcAft>
                 <a:spcPts val="0"/>
               </a:spcAft>
-              <a:buNone/>
+              <a:buClr>
+                <a:srgbClr val="5B636F"/>
+              </a:buClr>
+              <a:buSzPts val="1800"/>
+              <a:buFont typeface="Poppins"/>
+              <a:buChar char="●"/>
             </a:pPr>
             <a:r>
-              <a:t/>
+              <a:rPr b="0" i="0" lang="en-GB" sz="2400" u="none" cap="none" strike="noStrike">
+                <a:solidFill>
+                  <a:srgbClr val="5B636F"/>
+                </a:solidFill>
+                <a:latin typeface="Poppins"/>
+                <a:ea typeface="Poppins"/>
+                <a:cs typeface="Poppins"/>
+                <a:sym typeface="Poppins"/>
+              </a:rPr>
+              <a:t>Upgraded to .NET 8.0</a:t>
             </a:r>
-            <a:endParaRPr sz="1800">
+            <a:endParaRPr b="0" i="0" sz="2400" u="none" cap="none" strike="noStrike">
               <a:solidFill>
                 <a:srgbClr val="5B636F"/>
               </a:solidFill>
@@ -17832,7 +18395,7 @@
               <a:buChar char="●"/>
             </a:pPr>
             <a:r>
-              <a:rPr lang="en-GB" sz="1800">
+              <a:rPr b="0" i="0" lang="en-GB" sz="2400" u="none" cap="none" strike="noStrike">
                 <a:solidFill>
                   <a:srgbClr val="5B636F"/>
                 </a:solidFill>
@@ -17841,9 +18404,9 @@
                 <a:cs typeface="Poppins"/>
                 <a:sym typeface="Poppins"/>
               </a:rPr>
-              <a:t>Upgrading to .NET 8.0</a:t>
+              <a:t>Upgraded to Angular 17</a:t>
             </a:r>
-            <a:endParaRPr sz="1800">
+            <a:endParaRPr b="0" i="0" sz="2400" u="none" cap="none" strike="noStrike">
               <a:solidFill>
                 <a:srgbClr val="5B636F"/>
               </a:solidFill>
@@ -17872,7 +18435,7 @@
               <a:buChar char="●"/>
             </a:pPr>
             <a:r>
-              <a:rPr lang="en-GB" sz="1800">
+              <a:rPr b="0" i="0" lang="en-GB" sz="2400" u="none" cap="none" strike="noStrike">
                 <a:solidFill>
                   <a:srgbClr val="5B636F"/>
                 </a:solidFill>
@@ -17881,9 +18444,9 @@
                 <a:cs typeface="Poppins"/>
                 <a:sym typeface="Poppins"/>
               </a:rPr>
-              <a:t>Upgrading to Angular 17</a:t>
+              <a:t>Dynamic Claims</a:t>
             </a:r>
-            <a:endParaRPr sz="1800">
+            <a:endParaRPr b="0" i="0" sz="2400" u="none" cap="none" strike="noStrike">
               <a:solidFill>
                 <a:srgbClr val="5B636F"/>
               </a:solidFill>
@@ -17912,7 +18475,7 @@
               <a:buChar char="●"/>
             </a:pPr>
             <a:r>
-              <a:rPr lang="en-GB" sz="1800">
+              <a:rPr b="0" i="0" lang="en-GB" sz="2400" u="none" cap="none" strike="noStrike">
                 <a:solidFill>
                   <a:srgbClr val="5B636F"/>
                 </a:solidFill>
@@ -17921,20 +18484,12 @@
                 <a:cs typeface="Poppins"/>
                 <a:sym typeface="Poppins"/>
               </a:rPr>
-              <a:t>Dynamic Claims</a:t>
+              <a:t>CDN Support for Bundling &amp; Minification system</a:t>
             </a:r>
-            <a:endParaRPr sz="1800">
-              <a:solidFill>
-                <a:srgbClr val="5B636F"/>
-              </a:solidFill>
-              <a:latin typeface="Poppins"/>
-              <a:ea typeface="Poppins"/>
-              <a:cs typeface="Poppins"/>
-              <a:sym typeface="Poppins"/>
-            </a:endParaRPr>
+            <a:endParaRPr/>
           </a:p>
           <a:p>
-            <a:pPr indent="-342900" lvl="0" marL="457200" rtl="0" algn="l">
+            <a:pPr indent="-342900" lvl="0" marL="457200" marR="0" rtl="0" algn="l">
               <a:lnSpc>
                 <a:spcPct val="150000"/>
               </a:lnSpc>
@@ -17952,7 +18507,7 @@
               <a:buChar char="●"/>
             </a:pPr>
             <a:r>
-              <a:rPr lang="en-GB" sz="1800">
+              <a:rPr b="0" i="0" lang="en-GB" sz="2400" u="none" cap="none" strike="noStrike">
                 <a:solidFill>
                   <a:srgbClr val="5B636F"/>
                 </a:solidFill>
@@ -17961,17 +18516,9 @@
                 <a:cs typeface="Poppins"/>
                 <a:sym typeface="Poppins"/>
               </a:rPr>
-              <a:t>Bundling &amp; Minification: CDN Support</a:t>
+              <a:t>Read-Only Repositories: Don’t track changes by default</a:t>
             </a:r>
-            <a:endParaRPr sz="1800">
-              <a:solidFill>
-                <a:srgbClr val="5B636F"/>
-              </a:solidFill>
-              <a:latin typeface="Poppins"/>
-              <a:ea typeface="Poppins"/>
-              <a:cs typeface="Poppins"/>
-              <a:sym typeface="Poppins"/>
-            </a:endParaRPr>
+            <a:endParaRPr/>
           </a:p>
           <a:p>
             <a:pPr indent="-342900" lvl="0" marL="457200" marR="0" rtl="0" algn="l">
@@ -17992,7 +18539,7 @@
               <a:buChar char="●"/>
             </a:pPr>
             <a:r>
-              <a:rPr lang="en-GB" sz="1800">
+              <a:rPr b="0" i="0" lang="en-GB" sz="2400" u="none" cap="none" strike="noStrike">
                 <a:solidFill>
                   <a:srgbClr val="5B636F"/>
                 </a:solidFill>
@@ -18001,129 +18548,9 @@
                 <a:cs typeface="Poppins"/>
                 <a:sym typeface="Poppins"/>
               </a:rPr>
-              <a:t>Read-Only Repositories</a:t>
+              <a:t>Account Module: Set username after social login</a:t>
             </a:r>
-            <a:endParaRPr sz="1800">
-              <a:solidFill>
-                <a:srgbClr val="5B636F"/>
-              </a:solidFill>
-              <a:latin typeface="Poppins"/>
-              <a:ea typeface="Poppins"/>
-              <a:cs typeface="Poppins"/>
-              <a:sym typeface="Poppins"/>
-            </a:endParaRPr>
-          </a:p>
-          <a:p>
-            <a:pPr indent="-342900" lvl="0" marL="457200" marR="0" rtl="0" algn="l">
-              <a:lnSpc>
-                <a:spcPct val="150000"/>
-              </a:lnSpc>
-              <a:spcBef>
-                <a:spcPts val="0"/>
-              </a:spcBef>
-              <a:spcAft>
-                <a:spcPts val="0"/>
-              </a:spcAft>
-              <a:buClr>
-                <a:srgbClr val="5B636F"/>
-              </a:buClr>
-              <a:buSzPts val="1800"/>
-              <a:buFont typeface="Poppins"/>
-              <a:buChar char="●"/>
-            </a:pPr>
-            <a:r>
-              <a:rPr lang="en-GB" sz="1800">
-                <a:solidFill>
-                  <a:srgbClr val="5B636F"/>
-                </a:solidFill>
-                <a:latin typeface="Poppins"/>
-                <a:ea typeface="Poppins"/>
-                <a:cs typeface="Poppins"/>
-                <a:sym typeface="Poppins"/>
-              </a:rPr>
-              <a:t>New Features for Account Module </a:t>
-            </a:r>
-            <a:endParaRPr sz="1800">
-              <a:solidFill>
-                <a:srgbClr val="5B636F"/>
-              </a:solidFill>
-              <a:latin typeface="Poppins"/>
-              <a:ea typeface="Poppins"/>
-              <a:cs typeface="Poppins"/>
-              <a:sym typeface="Poppins"/>
-            </a:endParaRPr>
-          </a:p>
-          <a:p>
-            <a:pPr indent="-342900" lvl="0" marL="457200" marR="0" rtl="0" algn="l">
-              <a:lnSpc>
-                <a:spcPct val="150000"/>
-              </a:lnSpc>
-              <a:spcBef>
-                <a:spcPts val="0"/>
-              </a:spcBef>
-              <a:spcAft>
-                <a:spcPts val="0"/>
-              </a:spcAft>
-              <a:buClr>
-                <a:srgbClr val="5B636F"/>
-              </a:buClr>
-              <a:buSzPts val="1800"/>
-              <a:buFont typeface="Poppins"/>
-              <a:buChar char="●"/>
-            </a:pPr>
-            <a:r>
-              <a:rPr lang="en-GB" sz="1800">
-                <a:solidFill>
-                  <a:srgbClr val="5B636F"/>
-                </a:solidFill>
-                <a:latin typeface="Poppins"/>
-                <a:ea typeface="Poppins"/>
-                <a:cs typeface="Poppins"/>
-                <a:sym typeface="Poppins"/>
-              </a:rPr>
-              <a:t>Other News…</a:t>
-            </a:r>
-            <a:endParaRPr sz="1800">
-              <a:solidFill>
-                <a:srgbClr val="5B636F"/>
-              </a:solidFill>
-              <a:latin typeface="Poppins"/>
-              <a:ea typeface="Poppins"/>
-              <a:cs typeface="Poppins"/>
-              <a:sym typeface="Poppins"/>
-            </a:endParaRPr>
-          </a:p>
-          <a:p>
-            <a:pPr indent="-342900" lvl="0" marL="457200" marR="0" rtl="0" algn="l">
-              <a:lnSpc>
-                <a:spcPct val="150000"/>
-              </a:lnSpc>
-              <a:spcBef>
-                <a:spcPts val="0"/>
-              </a:spcBef>
-              <a:spcAft>
-                <a:spcPts val="0"/>
-              </a:spcAft>
-              <a:buClr>
-                <a:srgbClr val="5B636F"/>
-              </a:buClr>
-              <a:buSzPts val="1800"/>
-              <a:buFont typeface="Poppins"/>
-              <a:buChar char="●"/>
-            </a:pPr>
-            <a:r>
-              <a:rPr lang="en-GB" sz="1800">
-                <a:solidFill>
-                  <a:srgbClr val="5B636F"/>
-                </a:solidFill>
-                <a:latin typeface="Poppins"/>
-                <a:ea typeface="Poppins"/>
-                <a:cs typeface="Poppins"/>
-                <a:sym typeface="Poppins"/>
-              </a:rPr>
-              <a:t>What’s New with ABP Commercial 8.0?</a:t>
-            </a:r>
-            <a:endParaRPr sz="1800">
+            <a:endParaRPr b="0" i="0" sz="2400" u="none" cap="none" strike="noStrike">
               <a:solidFill>
                 <a:srgbClr val="5B636F"/>
               </a:solidFill>
@@ -18140,6 +18567,424 @@
   <p:clrMapOvr>
     <a:masterClrMapping/>
   </p:clrMapOvr>
+  <p:timing>
+    <p:tnLst>
+      <p:par>
+        <p:cTn dur="indefinite" nodeType="tmRoot" restart="never">
+          <p:childTnLst>
+            <p:seq concurrent="1" nextAc="seek">
+              <p:cTn dur="indefinite" id="2" nodeType="mainSeq">
+                <p:childTnLst>
+                  <p:par>
+                    <p:cTn fill="hold">
+                      <p:stCondLst>
+                        <p:cond delay="indefinite"/>
+                      </p:stCondLst>
+                      <p:childTnLst>
+                        <p:par>
+                          <p:cTn fill="hold">
+                            <p:stCondLst>
+                              <p:cond delay="0"/>
+                            </p:stCondLst>
+                            <p:childTnLst>
+                              <p:par>
+                                <p:cTn fill="hold" nodeType="clickEffect" presetClass="entr" presetID="1" presetSubtype="0">
+                                  <p:stCondLst>
+                                    <p:cond delay="0"/>
+                                  </p:stCondLst>
+                                  <p:childTnLst>
+                                    <p:set>
+                                      <p:cBhvr>
+                                        <p:cTn dur="1" fill="hold">
+                                          <p:stCondLst>
+                                            <p:cond delay="0"/>
+                                          </p:stCondLst>
+                                        </p:cTn>
+                                        <p:tgtEl>
+                                          <p:spTgt spid="94"/>
+                                        </p:tgtEl>
+                                        <p:attrNameLst>
+                                          <p:attrName>style.visibility</p:attrName>
+                                        </p:attrNameLst>
+                                      </p:cBhvr>
+                                      <p:to>
+                                        <p:strVal val="visible"/>
+                                      </p:to>
+                                    </p:set>
+                                  </p:childTnLst>
+                                </p:cTn>
+                              </p:par>
+                            </p:childTnLst>
+                          </p:cTn>
+                        </p:par>
+                      </p:childTnLst>
+                    </p:cTn>
+                  </p:par>
+                  <p:par>
+                    <p:cTn fill="hold">
+                      <p:stCondLst>
+                        <p:cond delay="indefinite"/>
+                      </p:stCondLst>
+                      <p:childTnLst>
+                        <p:par>
+                          <p:cTn fill="hold">
+                            <p:stCondLst>
+                              <p:cond delay="0"/>
+                            </p:stCondLst>
+                            <p:childTnLst>
+                              <p:par>
+                                <p:cTn fill="hold" nodeType="clickEffect" presetClass="entr" presetID="1" presetSubtype="0">
+                                  <p:stCondLst>
+                                    <p:cond delay="0"/>
+                                  </p:stCondLst>
+                                  <p:childTnLst>
+                                    <p:set>
+                                      <p:cBhvr>
+                                        <p:cTn dur="1" fill="hold">
+                                          <p:stCondLst>
+                                            <p:cond delay="0"/>
+                                          </p:stCondLst>
+                                        </p:cTn>
+                                        <p:tgtEl>
+                                          <p:spTgt spid="95">
+                                            <p:txEl>
+                                              <p:pRg end="0" st="0"/>
+                                            </p:txEl>
+                                          </p:spTgt>
+                                        </p:tgtEl>
+                                        <p:attrNameLst>
+                                          <p:attrName>style.visibility</p:attrName>
+                                        </p:attrNameLst>
+                                      </p:cBhvr>
+                                      <p:to>
+                                        <p:strVal val="visible"/>
+                                      </p:to>
+                                    </p:set>
+                                  </p:childTnLst>
+                                </p:cTn>
+                              </p:par>
+                            </p:childTnLst>
+                          </p:cTn>
+                        </p:par>
+                      </p:childTnLst>
+                    </p:cTn>
+                  </p:par>
+                  <p:par>
+                    <p:cTn fill="hold">
+                      <p:stCondLst>
+                        <p:cond delay="indefinite"/>
+                      </p:stCondLst>
+                      <p:childTnLst>
+                        <p:par>
+                          <p:cTn fill="hold">
+                            <p:stCondLst>
+                              <p:cond delay="0"/>
+                            </p:stCondLst>
+                            <p:childTnLst>
+                              <p:par>
+                                <p:cTn fill="hold" nodeType="clickEffect" presetClass="entr" presetID="1" presetSubtype="0">
+                                  <p:stCondLst>
+                                    <p:cond delay="0"/>
+                                  </p:stCondLst>
+                                  <p:childTnLst>
+                                    <p:set>
+                                      <p:cBhvr>
+                                        <p:cTn dur="1" fill="hold">
+                                          <p:stCondLst>
+                                            <p:cond delay="0"/>
+                                          </p:stCondLst>
+                                        </p:cTn>
+                                        <p:tgtEl>
+                                          <p:spTgt spid="95">
+                                            <p:txEl>
+                                              <p:pRg end="1" st="1"/>
+                                            </p:txEl>
+                                          </p:spTgt>
+                                        </p:tgtEl>
+                                        <p:attrNameLst>
+                                          <p:attrName>style.visibility</p:attrName>
+                                        </p:attrNameLst>
+                                      </p:cBhvr>
+                                      <p:to>
+                                        <p:strVal val="visible"/>
+                                      </p:to>
+                                    </p:set>
+                                  </p:childTnLst>
+                                </p:cTn>
+                              </p:par>
+                            </p:childTnLst>
+                          </p:cTn>
+                        </p:par>
+                      </p:childTnLst>
+                    </p:cTn>
+                  </p:par>
+                  <p:par>
+                    <p:cTn fill="hold">
+                      <p:stCondLst>
+                        <p:cond delay="indefinite"/>
+                      </p:stCondLst>
+                      <p:childTnLst>
+                        <p:par>
+                          <p:cTn fill="hold">
+                            <p:stCondLst>
+                              <p:cond delay="0"/>
+                            </p:stCondLst>
+                            <p:childTnLst>
+                              <p:par>
+                                <p:cTn fill="hold" nodeType="clickEffect" presetClass="entr" presetID="1" presetSubtype="0">
+                                  <p:stCondLst>
+                                    <p:cond delay="0"/>
+                                  </p:stCondLst>
+                                  <p:childTnLst>
+                                    <p:set>
+                                      <p:cBhvr>
+                                        <p:cTn dur="1" fill="hold">
+                                          <p:stCondLst>
+                                            <p:cond delay="0"/>
+                                          </p:stCondLst>
+                                        </p:cTn>
+                                        <p:tgtEl>
+                                          <p:spTgt spid="95">
+                                            <p:txEl>
+                                              <p:pRg end="2" st="2"/>
+                                            </p:txEl>
+                                          </p:spTgt>
+                                        </p:tgtEl>
+                                        <p:attrNameLst>
+                                          <p:attrName>style.visibility</p:attrName>
+                                        </p:attrNameLst>
+                                      </p:cBhvr>
+                                      <p:to>
+                                        <p:strVal val="visible"/>
+                                      </p:to>
+                                    </p:set>
+                                  </p:childTnLst>
+                                </p:cTn>
+                              </p:par>
+                            </p:childTnLst>
+                          </p:cTn>
+                        </p:par>
+                      </p:childTnLst>
+                    </p:cTn>
+                  </p:par>
+                  <p:par>
+                    <p:cTn fill="hold">
+                      <p:stCondLst>
+                        <p:cond delay="indefinite"/>
+                      </p:stCondLst>
+                      <p:childTnLst>
+                        <p:par>
+                          <p:cTn fill="hold">
+                            <p:stCondLst>
+                              <p:cond delay="0"/>
+                            </p:stCondLst>
+                            <p:childTnLst>
+                              <p:par>
+                                <p:cTn fill="hold" nodeType="clickEffect" presetClass="entr" presetID="1" presetSubtype="0">
+                                  <p:stCondLst>
+                                    <p:cond delay="0"/>
+                                  </p:stCondLst>
+                                  <p:childTnLst>
+                                    <p:set>
+                                      <p:cBhvr>
+                                        <p:cTn dur="1" fill="hold">
+                                          <p:stCondLst>
+                                            <p:cond delay="0"/>
+                                          </p:stCondLst>
+                                        </p:cTn>
+                                        <p:tgtEl>
+                                          <p:spTgt spid="95">
+                                            <p:txEl>
+                                              <p:pRg end="3" st="3"/>
+                                            </p:txEl>
+                                          </p:spTgt>
+                                        </p:tgtEl>
+                                        <p:attrNameLst>
+                                          <p:attrName>style.visibility</p:attrName>
+                                        </p:attrNameLst>
+                                      </p:cBhvr>
+                                      <p:to>
+                                        <p:strVal val="visible"/>
+                                      </p:to>
+                                    </p:set>
+                                  </p:childTnLst>
+                                </p:cTn>
+                              </p:par>
+                            </p:childTnLst>
+                          </p:cTn>
+                        </p:par>
+                      </p:childTnLst>
+                    </p:cTn>
+                  </p:par>
+                  <p:par>
+                    <p:cTn fill="hold">
+                      <p:stCondLst>
+                        <p:cond delay="indefinite"/>
+                      </p:stCondLst>
+                      <p:childTnLst>
+                        <p:par>
+                          <p:cTn fill="hold">
+                            <p:stCondLst>
+                              <p:cond delay="0"/>
+                            </p:stCondLst>
+                            <p:childTnLst>
+                              <p:par>
+                                <p:cTn fill="hold" nodeType="clickEffect" presetClass="entr" presetID="1" presetSubtype="0">
+                                  <p:stCondLst>
+                                    <p:cond delay="0"/>
+                                  </p:stCondLst>
+                                  <p:childTnLst>
+                                    <p:set>
+                                      <p:cBhvr>
+                                        <p:cTn dur="1" fill="hold">
+                                          <p:stCondLst>
+                                            <p:cond delay="0"/>
+                                          </p:stCondLst>
+                                        </p:cTn>
+                                        <p:tgtEl>
+                                          <p:spTgt spid="95">
+                                            <p:txEl>
+                                              <p:pRg end="4" st="4"/>
+                                            </p:txEl>
+                                          </p:spTgt>
+                                        </p:tgtEl>
+                                        <p:attrNameLst>
+                                          <p:attrName>style.visibility</p:attrName>
+                                        </p:attrNameLst>
+                                      </p:cBhvr>
+                                      <p:to>
+                                        <p:strVal val="visible"/>
+                                      </p:to>
+                                    </p:set>
+                                  </p:childTnLst>
+                                </p:cTn>
+                              </p:par>
+                            </p:childTnLst>
+                          </p:cTn>
+                        </p:par>
+                      </p:childTnLst>
+                    </p:cTn>
+                  </p:par>
+                  <p:par>
+                    <p:cTn fill="hold">
+                      <p:stCondLst>
+                        <p:cond delay="indefinite"/>
+                      </p:stCondLst>
+                      <p:childTnLst>
+                        <p:par>
+                          <p:cTn fill="hold">
+                            <p:stCondLst>
+                              <p:cond delay="0"/>
+                            </p:stCondLst>
+                            <p:childTnLst>
+                              <p:par>
+                                <p:cTn fill="hold" nodeType="clickEffect" presetClass="entr" presetID="1" presetSubtype="0">
+                                  <p:stCondLst>
+                                    <p:cond delay="0"/>
+                                  </p:stCondLst>
+                                  <p:childTnLst>
+                                    <p:set>
+                                      <p:cBhvr>
+                                        <p:cTn dur="1" fill="hold">
+                                          <p:stCondLst>
+                                            <p:cond delay="0"/>
+                                          </p:stCondLst>
+                                        </p:cTn>
+                                        <p:tgtEl>
+                                          <p:spTgt spid="95">
+                                            <p:txEl>
+                                              <p:pRg end="5" st="5"/>
+                                            </p:txEl>
+                                          </p:spTgt>
+                                        </p:tgtEl>
+                                        <p:attrNameLst>
+                                          <p:attrName>style.visibility</p:attrName>
+                                        </p:attrNameLst>
+                                      </p:cBhvr>
+                                      <p:to>
+                                        <p:strVal val="visible"/>
+                                      </p:to>
+                                    </p:set>
+                                  </p:childTnLst>
+                                </p:cTn>
+                              </p:par>
+                            </p:childTnLst>
+                          </p:cTn>
+                        </p:par>
+                      </p:childTnLst>
+                    </p:cTn>
+                  </p:par>
+                  <p:par>
+                    <p:cTn fill="hold">
+                      <p:stCondLst>
+                        <p:cond delay="indefinite"/>
+                      </p:stCondLst>
+                      <p:childTnLst>
+                        <p:par>
+                          <p:cTn fill="hold">
+                            <p:stCondLst>
+                              <p:cond delay="0"/>
+                            </p:stCondLst>
+                            <p:childTnLst>
+                              <p:par>
+                                <p:cTn fill="hold" nodeType="clickEffect" presetClass="entr" presetID="1" presetSubtype="0">
+                                  <p:stCondLst>
+                                    <p:cond delay="0"/>
+                                  </p:stCondLst>
+                                  <p:childTnLst>
+                                    <p:set>
+                                      <p:cBhvr>
+                                        <p:cTn dur="1" fill="hold">
+                                          <p:stCondLst>
+                                            <p:cond delay="0"/>
+                                          </p:stCondLst>
+                                        </p:cTn>
+                                        <p:tgtEl>
+                                          <p:spTgt spid="95">
+                                            <p:txEl>
+                                              <p:pRg end="6" st="6"/>
+                                            </p:txEl>
+                                          </p:spTgt>
+                                        </p:tgtEl>
+                                        <p:attrNameLst>
+                                          <p:attrName>style.visibility</p:attrName>
+                                        </p:attrNameLst>
+                                      </p:cBhvr>
+                                      <p:to>
+                                        <p:strVal val="visible"/>
+                                      </p:to>
+                                    </p:set>
+                                  </p:childTnLst>
+                                </p:cTn>
+                              </p:par>
+                            </p:childTnLst>
+                          </p:cTn>
+                        </p:par>
+                      </p:childTnLst>
+                    </p:cTn>
+                  </p:par>
+                </p:childTnLst>
+              </p:cTn>
+              <p:prevCondLst>
+                <p:cond evt="onPrev">
+                  <p:tgtEl>
+                    <p:sldTgt/>
+                  </p:tgtEl>
+                </p:cond>
+              </p:prevCondLst>
+              <p:nextCondLst>
+                <p:cond evt="onNext">
+                  <p:tgtEl>
+                    <p:sldTgt/>
+                  </p:tgtEl>
+                </p:cond>
+              </p:nextCondLst>
+            </p:seq>
+          </p:childTnLst>
+        </p:cTn>
+      </p:par>
+    </p:tnLst>
+  </p:timing>
 </p:sld>
 </file>
 
@@ -18174,14 +19019,14 @@
       </p:grpSpPr>
       <p:sp>
         <p:nvSpPr>
-          <p:cNvPr id="100" name="Google Shape;100;g29b15032e6a_0_20"/>
+          <p:cNvPr id="100" name="Google Shape;100;p15"/>
           <p:cNvSpPr txBox="1"/>
           <p:nvPr/>
         </p:nvSpPr>
         <p:spPr>
           <a:xfrm>
             <a:off x="714375" y="695325"/>
-            <a:ext cx="9548700" cy="585000"/>
+            <a:ext cx="9548700" cy="600300"/>
           </a:xfrm>
           <a:prstGeom prst="rect">
             <a:avLst/>
@@ -18215,7 +19060,7 @@
               <a:buNone/>
             </a:pPr>
             <a:r>
-              <a:rPr b="1" lang="en-GB" sz="3200">
+              <a:rPr b="1" i="0" lang="en-GB" sz="3300" u="none" cap="none" strike="noStrike">
                 <a:solidFill>
                   <a:srgbClr val="292D33"/>
                 </a:solidFill>
@@ -18224,9 +19069,33 @@
                 <a:cs typeface="Lexend"/>
                 <a:sym typeface="Lexend"/>
               </a:rPr>
-              <a:t>Upgrading to .NET 8.0</a:t>
+              <a:t>Upgrad</a:t>
             </a:r>
-            <a:endParaRPr b="1" sz="3200">
+            <a:r>
+              <a:rPr b="1" lang="en-GB" sz="3300">
+                <a:solidFill>
+                  <a:srgbClr val="292D33"/>
+                </a:solidFill>
+                <a:latin typeface="Lexend"/>
+                <a:ea typeface="Lexend"/>
+                <a:cs typeface="Lexend"/>
+                <a:sym typeface="Lexend"/>
+              </a:rPr>
+              <a:t>ed</a:t>
+            </a:r>
+            <a:r>
+              <a:rPr b="1" i="0" lang="en-GB" sz="3300" u="none" cap="none" strike="noStrike">
+                <a:solidFill>
+                  <a:srgbClr val="292D33"/>
+                </a:solidFill>
+                <a:latin typeface="Lexend"/>
+                <a:ea typeface="Lexend"/>
+                <a:cs typeface="Lexend"/>
+                <a:sym typeface="Lexend"/>
+              </a:rPr>
+              <a:t> to .NET 8.0</a:t>
+            </a:r>
+            <a:endParaRPr b="1" i="0" sz="3300" u="none" cap="none" strike="noStrike">
               <a:solidFill>
                 <a:srgbClr val="292D33"/>
               </a:solidFill>
@@ -18240,14 +19109,14 @@
       </p:sp>
       <p:sp>
         <p:nvSpPr>
-          <p:cNvPr id="101" name="Google Shape;101;g29b15032e6a_0_20"/>
+          <p:cNvPr id="101" name="Google Shape;101;p15"/>
           <p:cNvSpPr txBox="1"/>
           <p:nvPr/>
         </p:nvSpPr>
         <p:spPr>
           <a:xfrm>
             <a:off x="714375" y="1453075"/>
-            <a:ext cx="10491900" cy="4987200"/>
+            <a:ext cx="10491900" cy="1831800"/>
           </a:xfrm>
           <a:prstGeom prst="rect">
             <a:avLst/>
@@ -18273,10 +19142,15 @@
               <a:spcAft>
                 <a:spcPts val="0"/>
               </a:spcAft>
+              <a:buClr>
+                <a:srgbClr val="000000"/>
+              </a:buClr>
+              <a:buSzPts val="1800"/>
+              <a:buFont typeface="Arial"/>
               <a:buNone/>
             </a:pPr>
             <a:r>
-              <a:rPr b="1" lang="en-GB" sz="1800">
+              <a:rPr b="1" i="0" lang="en-GB" sz="2200" u="sng" cap="none" strike="noStrike">
                 <a:solidFill>
                   <a:srgbClr val="5B636F"/>
                 </a:solidFill>
@@ -18285,93 +19159,9 @@
                 <a:cs typeface="Poppins"/>
                 <a:sym typeface="Poppins"/>
               </a:rPr>
-              <a:t>ABP v8.0 RC.1</a:t>
+              <a:t>Migration Guides</a:t>
             </a:r>
-            <a:r>
-              <a:rPr lang="en-GB" sz="1800">
-                <a:solidFill>
-                  <a:srgbClr val="5B636F"/>
-                </a:solidFill>
-                <a:latin typeface="Poppins"/>
-                <a:ea typeface="Poppins"/>
-                <a:cs typeface="Poppins"/>
-                <a:sym typeface="Poppins"/>
-              </a:rPr>
-              <a:t> has been shipped based on </a:t>
-            </a:r>
-            <a:r>
-              <a:rPr b="1" lang="en-GB" sz="1800">
-                <a:solidFill>
-                  <a:srgbClr val="5B636F"/>
-                </a:solidFill>
-                <a:latin typeface="Poppins"/>
-                <a:ea typeface="Poppins"/>
-                <a:cs typeface="Poppins"/>
-                <a:sym typeface="Poppins"/>
-              </a:rPr>
-              <a:t>.NET 8.0</a:t>
-            </a:r>
-            <a:r>
-              <a:rPr lang="en-GB" sz="1800">
-                <a:solidFill>
-                  <a:srgbClr val="5B636F"/>
-                </a:solidFill>
-                <a:latin typeface="Poppins"/>
-                <a:ea typeface="Poppins"/>
-                <a:cs typeface="Poppins"/>
-                <a:sym typeface="Poppins"/>
-              </a:rPr>
-              <a:t>.</a:t>
-            </a:r>
-            <a:r>
-              <a:rPr lang="en-GB" sz="1800">
-                <a:solidFill>
-                  <a:srgbClr val="5B636F"/>
-                </a:solidFill>
-                <a:latin typeface="Poppins"/>
-                <a:ea typeface="Poppins"/>
-                <a:cs typeface="Poppins"/>
-                <a:sym typeface="Poppins"/>
-              </a:rPr>
-              <a:t> Therefore,</a:t>
-            </a:r>
-            <a:r>
-              <a:rPr lang="en-GB" sz="1800">
-                <a:solidFill>
-                  <a:srgbClr val="5B636F"/>
-                </a:solidFill>
-                <a:latin typeface="Poppins"/>
-                <a:ea typeface="Poppins"/>
-                <a:cs typeface="Poppins"/>
-                <a:sym typeface="Poppins"/>
-              </a:rPr>
-              <a:t> if you are going to upgrade your existing projects to </a:t>
-            </a:r>
-            <a:r>
-              <a:rPr b="1" lang="en-GB" sz="1800">
-                <a:solidFill>
-                  <a:srgbClr val="5B636F"/>
-                </a:solidFill>
-                <a:latin typeface="Poppins"/>
-                <a:ea typeface="Poppins"/>
-                <a:cs typeface="Poppins"/>
-                <a:sym typeface="Poppins"/>
-              </a:rPr>
-              <a:t>.NET 8.0</a:t>
-            </a:r>
-            <a:r>
-              <a:rPr lang="en-GB" sz="1800">
-                <a:solidFill>
-                  <a:srgbClr val="5B636F"/>
-                </a:solidFill>
-                <a:latin typeface="Poppins"/>
-                <a:ea typeface="Poppins"/>
-                <a:cs typeface="Poppins"/>
-                <a:sym typeface="Poppins"/>
-              </a:rPr>
-              <a:t>, you need to make some changes to your project. </a:t>
-            </a:r>
-            <a:endParaRPr sz="1800">
+            <a:endParaRPr b="1" i="0" sz="2200" u="sng" cap="none" strike="noStrike">
               <a:solidFill>
                 <a:srgbClr val="5B636F"/>
               </a:solidFill>
@@ -18382,7 +19172,7 @@
             </a:endParaRPr>
           </a:p>
           <a:p>
-            <a:pPr indent="0" lvl="0" marL="0" marR="0" rtl="0" algn="l">
+            <a:pPr indent="-355600" lvl="0" marL="457200" marR="0" rtl="0" algn="l">
               <a:lnSpc>
                 <a:spcPct val="150000"/>
               </a:lnSpc>
@@ -18392,12 +19182,69 @@
               <a:spcAft>
                 <a:spcPts val="0"/>
               </a:spcAft>
-              <a:buNone/>
+              <a:buClr>
+                <a:srgbClr val="5B636F"/>
+              </a:buClr>
+              <a:buSzPts val="2000"/>
+              <a:buFont typeface="Poppins"/>
+              <a:buChar char="●"/>
             </a:pPr>
             <a:r>
-              <a:t/>
+              <a:rPr b="0" i="0" lang="en-GB" sz="2000" u="sng" cap="none" strike="noStrike">
+                <a:solidFill>
+                  <a:schemeClr val="hlink"/>
+                </a:solidFill>
+                <a:latin typeface="Poppins"/>
+                <a:ea typeface="Poppins"/>
+                <a:cs typeface="Poppins"/>
+                <a:sym typeface="Poppins"/>
+                <a:hlinkClick r:id="rId4"/>
+              </a:rPr>
+              <a:t>Microsoft’s Migrate from ASP.NET Core 7.0 to 8.0 documentation</a:t>
             </a:r>
-            <a:endParaRPr sz="1800">
+            <a:endParaRPr b="0" i="0" sz="2000" u="sng" cap="none" strike="noStrike">
+              <a:solidFill>
+                <a:schemeClr val="hlink"/>
+              </a:solidFill>
+              <a:latin typeface="Poppins"/>
+              <a:ea typeface="Poppins"/>
+              <a:cs typeface="Poppins"/>
+              <a:sym typeface="Poppins"/>
+              <a:hlinkClick r:id="rId5"/>
+            </a:endParaRPr>
+          </a:p>
+          <a:p>
+            <a:pPr indent="-355600" lvl="0" marL="457200" marR="0" rtl="0" algn="l">
+              <a:lnSpc>
+                <a:spcPct val="150000"/>
+              </a:lnSpc>
+              <a:spcBef>
+                <a:spcPts val="0"/>
+              </a:spcBef>
+              <a:spcAft>
+                <a:spcPts val="0"/>
+              </a:spcAft>
+              <a:buClr>
+                <a:srgbClr val="5B636F"/>
+              </a:buClr>
+              <a:buSzPts val="2000"/>
+              <a:buFont typeface="Poppins"/>
+              <a:buChar char="●"/>
+            </a:pPr>
+            <a:r>
+              <a:rPr b="0" i="0" lang="en-GB" sz="2000" u="sng" cap="none" strike="noStrike">
+                <a:solidFill>
+                  <a:schemeClr val="hlink"/>
+                </a:solidFill>
+                <a:latin typeface="Poppins"/>
+                <a:ea typeface="Poppins"/>
+                <a:cs typeface="Poppins"/>
+                <a:sym typeface="Poppins"/>
+                <a:hlinkClick r:id="rId6"/>
+              </a:rPr>
+              <a:t>ABP Framework 7.x to 8.0</a:t>
+            </a:r>
+            <a:endParaRPr b="0" i="0" sz="2000" u="none" cap="none" strike="noStrike">
               <a:solidFill>
                 <a:srgbClr val="5B636F"/>
               </a:solidFill>
@@ -18408,7 +19255,7 @@
             </a:endParaRPr>
           </a:p>
           <a:p>
-            <a:pPr indent="0" lvl="0" marL="0" marR="0" rtl="0" algn="l">
+            <a:pPr indent="-355600" lvl="0" marL="457200" marR="0" rtl="0" algn="l">
               <a:lnSpc>
                 <a:spcPct val="150000"/>
               </a:lnSpc>
@@ -18418,285 +19265,27 @@
               <a:spcAft>
                 <a:spcPts val="0"/>
               </a:spcAft>
-              <a:buNone/>
+              <a:buClr>
+                <a:srgbClr val="5B636F"/>
+              </a:buClr>
+              <a:buSzPts val="2000"/>
+              <a:buFont typeface="Poppins"/>
+              <a:buChar char="●"/>
             </a:pPr>
             <a:r>
-              <a:rPr lang="en-GB" sz="1800">
-                <a:solidFill>
-                  <a:srgbClr val="5B636F"/>
+              <a:rPr b="0" i="0" lang="en-GB" sz="2000" u="sng" cap="none" strike="noStrike">
+                <a:solidFill>
+                  <a:schemeClr val="hlink"/>
                 </a:solidFill>
                 <a:latin typeface="Poppins"/>
                 <a:ea typeface="Poppins"/>
                 <a:cs typeface="Poppins"/>
                 <a:sym typeface="Poppins"/>
-              </a:rPr>
-              <a:t>For example, you need to change the </a:t>
-            </a:r>
-            <a:r>
-              <a:rPr b="1" lang="en-GB" sz="1800">
-                <a:solidFill>
-                  <a:srgbClr val="5B636F"/>
-                </a:solidFill>
-                <a:latin typeface="Poppins"/>
-                <a:ea typeface="Poppins"/>
-                <a:cs typeface="Poppins"/>
-                <a:sym typeface="Poppins"/>
-              </a:rPr>
-              <a:t>Target Framework</a:t>
-            </a:r>
-            <a:r>
-              <a:rPr lang="en-GB" sz="1800">
-                <a:solidFill>
-                  <a:srgbClr val="5B636F"/>
-                </a:solidFill>
-                <a:latin typeface="Poppins"/>
-                <a:ea typeface="Poppins"/>
-                <a:cs typeface="Poppins"/>
-                <a:sym typeface="Poppins"/>
-              </a:rPr>
-              <a:t>, and update Microsoft’s package versions and so on. For that purpose, you can check the </a:t>
-            </a:r>
-            <a:r>
-              <a:rPr lang="en-GB" sz="1800" u="sng">
-                <a:solidFill>
-                  <a:schemeClr val="hlink"/>
-                </a:solidFill>
-                <a:latin typeface="Poppins"/>
-                <a:ea typeface="Poppins"/>
-                <a:cs typeface="Poppins"/>
-                <a:sym typeface="Poppins"/>
-                <a:hlinkClick r:id="rId4"/>
-              </a:rPr>
-              <a:t>Microsoft’s Migrate from ASP.NET Core 7.0 to 8.0 documentation</a:t>
-            </a:r>
-            <a:r>
-              <a:rPr lang="en-GB" sz="1800">
-                <a:solidFill>
-                  <a:srgbClr val="5B636F"/>
-                </a:solidFill>
-                <a:latin typeface="Poppins"/>
-                <a:ea typeface="Poppins"/>
-                <a:cs typeface="Poppins"/>
-                <a:sym typeface="Poppins"/>
-              </a:rPr>
-              <a:t>.</a:t>
-            </a:r>
-            <a:endParaRPr sz="1800">
-              <a:solidFill>
-                <a:srgbClr val="5B636F"/>
-              </a:solidFill>
-              <a:latin typeface="Poppins"/>
-              <a:ea typeface="Poppins"/>
-              <a:cs typeface="Poppins"/>
-              <a:sym typeface="Poppins"/>
-            </a:endParaRPr>
-          </a:p>
-          <a:p>
-            <a:pPr indent="0" lvl="0" marL="0" marR="0" rtl="0" algn="l">
-              <a:lnSpc>
-                <a:spcPct val="150000"/>
-              </a:lnSpc>
-              <a:spcBef>
-                <a:spcPts val="0"/>
-              </a:spcBef>
-              <a:spcAft>
-                <a:spcPts val="0"/>
-              </a:spcAft>
-              <a:buClr>
-                <a:srgbClr val="000000"/>
-              </a:buClr>
-              <a:buSzPts val="1800"/>
-              <a:buFont typeface="Arial"/>
-              <a:buNone/>
-            </a:pPr>
-            <a:r>
-              <a:t/>
-            </a:r>
-            <a:endParaRPr sz="1800">
-              <a:solidFill>
-                <a:srgbClr val="5B636F"/>
-              </a:solidFill>
-              <a:latin typeface="Poppins"/>
-              <a:ea typeface="Poppins"/>
-              <a:cs typeface="Poppins"/>
-              <a:sym typeface="Poppins"/>
-            </a:endParaRPr>
-          </a:p>
-          <a:p>
-            <a:pPr indent="0" lvl="0" marL="0" marR="0" rtl="0" algn="l">
-              <a:lnSpc>
-                <a:spcPct val="150000"/>
-              </a:lnSpc>
-              <a:spcBef>
-                <a:spcPts val="0"/>
-              </a:spcBef>
-              <a:spcAft>
-                <a:spcPts val="0"/>
-              </a:spcAft>
-              <a:buClr>
-                <a:srgbClr val="000000"/>
-              </a:buClr>
-              <a:buSzPts val="1800"/>
-              <a:buFont typeface="Arial"/>
-              <a:buNone/>
-            </a:pPr>
-            <a:r>
-              <a:rPr b="1" lang="en-GB" sz="2000" u="sng">
-                <a:solidFill>
-                  <a:srgbClr val="5B636F"/>
-                </a:solidFill>
-                <a:latin typeface="Poppins"/>
-                <a:ea typeface="Poppins"/>
-                <a:cs typeface="Poppins"/>
-                <a:sym typeface="Poppins"/>
-              </a:rPr>
-              <a:t>Migration Guides</a:t>
-            </a:r>
-            <a:endParaRPr b="1" sz="2000" u="sng">
-              <a:solidFill>
-                <a:srgbClr val="5B636F"/>
-              </a:solidFill>
-              <a:latin typeface="Poppins"/>
-              <a:ea typeface="Poppins"/>
-              <a:cs typeface="Poppins"/>
-              <a:sym typeface="Poppins"/>
-            </a:endParaRPr>
-          </a:p>
-          <a:p>
-            <a:pPr indent="-342900" lvl="0" marL="457200" marR="0" rtl="0" algn="l">
-              <a:lnSpc>
-                <a:spcPct val="150000"/>
-              </a:lnSpc>
-              <a:spcBef>
-                <a:spcPts val="0"/>
-              </a:spcBef>
-              <a:spcAft>
-                <a:spcPts val="0"/>
-              </a:spcAft>
-              <a:buClr>
-                <a:srgbClr val="5B636F"/>
-              </a:buClr>
-              <a:buSzPts val="1800"/>
-              <a:buFont typeface="Poppins"/>
-              <a:buChar char="●"/>
-            </a:pPr>
-            <a:r>
-              <a:rPr lang="en-GB" sz="1800" u="sng">
-                <a:solidFill>
-                  <a:schemeClr val="hlink"/>
-                </a:solidFill>
-                <a:latin typeface="Poppins"/>
-                <a:ea typeface="Poppins"/>
-                <a:cs typeface="Poppins"/>
-                <a:sym typeface="Poppins"/>
-                <a:hlinkClick r:id="rId5"/>
-              </a:rPr>
-              <a:t>ABP Framework 7.x to 8.0</a:t>
-            </a:r>
-            <a:endParaRPr sz="1800">
-              <a:solidFill>
-                <a:srgbClr val="5B636F"/>
-              </a:solidFill>
-              <a:latin typeface="Poppins"/>
-              <a:ea typeface="Poppins"/>
-              <a:cs typeface="Poppins"/>
-              <a:sym typeface="Poppins"/>
-            </a:endParaRPr>
-          </a:p>
-          <a:p>
-            <a:pPr indent="-342900" lvl="0" marL="457200" marR="0" rtl="0" algn="l">
-              <a:lnSpc>
-                <a:spcPct val="150000"/>
-              </a:lnSpc>
-              <a:spcBef>
-                <a:spcPts val="0"/>
-              </a:spcBef>
-              <a:spcAft>
-                <a:spcPts val="0"/>
-              </a:spcAft>
-              <a:buClr>
-                <a:srgbClr val="5B636F"/>
-              </a:buClr>
-              <a:buSzPts val="1800"/>
-              <a:buFont typeface="Poppins"/>
-              <a:buChar char="●"/>
-            </a:pPr>
-            <a:r>
-              <a:rPr lang="en-GB" sz="1800" u="sng">
-                <a:solidFill>
-                  <a:schemeClr val="hlink"/>
-                </a:solidFill>
-                <a:latin typeface="Poppins"/>
-                <a:ea typeface="Poppins"/>
-                <a:cs typeface="Poppins"/>
-                <a:sym typeface="Poppins"/>
-                <a:hlinkClick r:id="rId6"/>
+                <a:hlinkClick r:id="rId7"/>
               </a:rPr>
               <a:t>ABP Commercial 7.x to 8.0</a:t>
             </a:r>
-            <a:endParaRPr sz="1800">
-              <a:solidFill>
-                <a:srgbClr val="5B636F"/>
-              </a:solidFill>
-              <a:latin typeface="Poppins"/>
-              <a:ea typeface="Poppins"/>
-              <a:cs typeface="Poppins"/>
-              <a:sym typeface="Poppins"/>
-            </a:endParaRPr>
-          </a:p>
-          <a:p>
-            <a:pPr indent="0" lvl="0" marL="0" marR="0" rtl="0" algn="l">
-              <a:lnSpc>
-                <a:spcPct val="150000"/>
-              </a:lnSpc>
-              <a:spcBef>
-                <a:spcPts val="0"/>
-              </a:spcBef>
-              <a:spcAft>
-                <a:spcPts val="0"/>
-              </a:spcAft>
-              <a:buClr>
-                <a:srgbClr val="000000"/>
-              </a:buClr>
-              <a:buSzPts val="1800"/>
-              <a:buFont typeface="Arial"/>
-              <a:buNone/>
-            </a:pPr>
-            <a:r>
-              <a:t/>
-            </a:r>
-            <a:endParaRPr sz="1800">
-              <a:solidFill>
-                <a:srgbClr val="5B636F"/>
-              </a:solidFill>
-              <a:latin typeface="Poppins"/>
-              <a:ea typeface="Poppins"/>
-              <a:cs typeface="Poppins"/>
-              <a:sym typeface="Poppins"/>
-            </a:endParaRPr>
-          </a:p>
-          <a:p>
-            <a:pPr indent="0" lvl="0" marL="0" marR="0" rtl="0" algn="l">
-              <a:lnSpc>
-                <a:spcPct val="150000"/>
-              </a:lnSpc>
-              <a:spcBef>
-                <a:spcPts val="0"/>
-              </a:spcBef>
-              <a:spcAft>
-                <a:spcPts val="0"/>
-              </a:spcAft>
-              <a:buClr>
-                <a:srgbClr val="000000"/>
-              </a:buClr>
-              <a:buSzPts val="1800"/>
-              <a:buFont typeface="Arial"/>
-              <a:buNone/>
-            </a:pPr>
-            <a:r>
-              <a:t/>
-            </a:r>
-            <a:endParaRPr sz="1800">
+            <a:endParaRPr b="0" i="0" sz="2000" u="none" cap="none" strike="noStrike">
               <a:solidFill>
                 <a:srgbClr val="5B636F"/>
               </a:solidFill>
@@ -18747,14 +19336,14 @@
       </p:grpSpPr>
       <p:sp>
         <p:nvSpPr>
-          <p:cNvPr id="106" name="Google Shape;106;g29b76e2bf7f_0_0"/>
+          <p:cNvPr id="106" name="Google Shape;106;p16"/>
           <p:cNvSpPr txBox="1"/>
           <p:nvPr/>
         </p:nvSpPr>
         <p:spPr>
           <a:xfrm>
             <a:off x="714375" y="695325"/>
-            <a:ext cx="9548700" cy="585000"/>
+            <a:ext cx="9548700" cy="615600"/>
           </a:xfrm>
           <a:prstGeom prst="rect">
             <a:avLst/>
@@ -18788,7 +19377,7 @@
               <a:buNone/>
             </a:pPr>
             <a:r>
-              <a:rPr b="1" lang="en-GB" sz="3200">
+              <a:rPr b="1" i="0" lang="en-GB" sz="3400" u="none" cap="none" strike="noStrike">
                 <a:solidFill>
                   <a:srgbClr val="292D33"/>
                 </a:solidFill>
@@ -18797,9 +19386,33 @@
                 <a:cs typeface="Lexend"/>
                 <a:sym typeface="Lexend"/>
               </a:rPr>
-              <a:t>Upgrading to Angular 17</a:t>
+              <a:t>Upgrad</a:t>
             </a:r>
-            <a:endParaRPr b="1" sz="3200">
+            <a:r>
+              <a:rPr b="1" lang="en-GB" sz="3400">
+                <a:solidFill>
+                  <a:srgbClr val="292D33"/>
+                </a:solidFill>
+                <a:latin typeface="Lexend"/>
+                <a:ea typeface="Lexend"/>
+                <a:cs typeface="Lexend"/>
+                <a:sym typeface="Lexend"/>
+              </a:rPr>
+              <a:t>ed</a:t>
+            </a:r>
+            <a:r>
+              <a:rPr b="1" i="0" lang="en-GB" sz="3400" u="none" cap="none" strike="noStrike">
+                <a:solidFill>
+                  <a:srgbClr val="292D33"/>
+                </a:solidFill>
+                <a:latin typeface="Lexend"/>
+                <a:ea typeface="Lexend"/>
+                <a:cs typeface="Lexend"/>
+                <a:sym typeface="Lexend"/>
+              </a:rPr>
+              <a:t> to Angular 17</a:t>
+            </a:r>
+            <a:endParaRPr b="1" i="0" sz="3400" u="none" cap="none" strike="noStrike">
               <a:solidFill>
                 <a:srgbClr val="292D33"/>
               </a:solidFill>
@@ -18813,14 +19426,14 @@
       </p:sp>
       <p:sp>
         <p:nvSpPr>
-          <p:cNvPr id="107" name="Google Shape;107;g29b76e2bf7f_0_0"/>
+          <p:cNvPr id="107" name="Google Shape;107;p16"/>
           <p:cNvSpPr txBox="1"/>
           <p:nvPr/>
         </p:nvSpPr>
         <p:spPr>
           <a:xfrm>
             <a:off x="714375" y="1453075"/>
-            <a:ext cx="10491900" cy="4941000"/>
+            <a:ext cx="10491900" cy="1015800"/>
           </a:xfrm>
           <a:prstGeom prst="rect">
             <a:avLst/>
@@ -18836,7 +19449,7 @@
           </a:bodyPr>
           <a:lstStyle/>
           <a:p>
-            <a:pPr indent="0" lvl="0" marL="0" marR="0" rtl="0" algn="l">
+            <a:pPr indent="-323850" lvl="0" marL="285750" marR="0" rtl="0" algn="l">
               <a:lnSpc>
                 <a:spcPct val="150000"/>
               </a:lnSpc>
@@ -18849,12 +19462,12 @@
               <a:buClr>
                 <a:srgbClr val="000000"/>
               </a:buClr>
-              <a:buSzPts val="1800"/>
+              <a:buSzPts val="2400"/>
               <a:buFont typeface="Arial"/>
-              <a:buNone/>
+              <a:buChar char="•"/>
             </a:pPr>
             <a:r>
-              <a:rPr lang="en-GB" sz="1800">
+              <a:rPr b="0" i="0" lang="en-GB" sz="2400" u="none" cap="none" strike="noStrike">
                 <a:solidFill>
                   <a:srgbClr val="5B636F"/>
                 </a:solidFill>
@@ -18866,7 +19479,7 @@
               <a:t>Angular 17 </a:t>
             </a:r>
             <a:r>
-              <a:rPr lang="en-GB" sz="1800" u="sng">
+              <a:rPr b="0" i="0" lang="en-GB" sz="2400" u="sng" cap="none" strike="noStrike">
                 <a:solidFill>
                   <a:schemeClr val="hlink"/>
                 </a:solidFill>
@@ -18876,34 +19489,23 @@
                 <a:sym typeface="Poppins"/>
                 <a:hlinkClick r:id="rId4"/>
               </a:rPr>
-              <a:t>has been released on November 8</a:t>
+              <a:t>has been released on </a:t>
             </a:r>
             <a:r>
-              <a:rPr lang="en-GB" sz="1800">
-                <a:solidFill>
-                  <a:srgbClr val="5B636F"/>
+              <a:rPr b="1" i="0" lang="en-GB" sz="2400" u="sng" cap="none" strike="noStrike">
+                <a:solidFill>
+                  <a:schemeClr val="hlink"/>
                 </a:solidFill>
                 <a:latin typeface="Poppins"/>
                 <a:ea typeface="Poppins"/>
                 <a:cs typeface="Poppins"/>
                 <a:sym typeface="Poppins"/>
+                <a:hlinkClick r:id="rId5"/>
               </a:rPr>
-              <a:t> and ABP Framework &amp; ABP Commercial startup templates are immediately migrated to </a:t>
+              <a:t>November 8</a:t>
             </a:r>
             <a:r>
-              <a:rPr b="1" lang="en-GB" sz="1800">
-                <a:solidFill>
-                  <a:srgbClr val="5B636F"/>
-                </a:solidFill>
-                <a:latin typeface="Poppins"/>
-                <a:ea typeface="Poppins"/>
-                <a:cs typeface="Poppins"/>
-                <a:sym typeface="Poppins"/>
-              </a:rPr>
-              <a:t>Angular 17!</a:t>
-            </a:r>
-            <a:r>
-              <a:rPr lang="en-GB" sz="1800">
+              <a:rPr b="0" i="0" lang="en-GB" sz="2400" u="none" cap="none" strike="noStrike">
                 <a:solidFill>
                   <a:srgbClr val="5B636F"/>
                 </a:solidFill>
@@ -18914,18 +19516,10 @@
               </a:rPr>
               <a:t> </a:t>
             </a:r>
-            <a:endParaRPr sz="1800">
-              <a:solidFill>
-                <a:srgbClr val="5B636F"/>
-              </a:solidFill>
-              <a:latin typeface="Poppins"/>
-              <a:ea typeface="Poppins"/>
-              <a:cs typeface="Poppins"/>
-              <a:sym typeface="Poppins"/>
-            </a:endParaRPr>
+            <a:endParaRPr sz="2400"/>
           </a:p>
           <a:p>
-            <a:pPr indent="0" lvl="0" marL="0" marR="0" rtl="0" algn="l">
+            <a:pPr indent="-323850" lvl="0" marL="285750" marR="0" rtl="0" algn="l">
               <a:lnSpc>
                 <a:spcPct val="150000"/>
               </a:lnSpc>
@@ -18938,43 +19532,12 @@
               <a:buClr>
                 <a:srgbClr val="000000"/>
               </a:buClr>
-              <a:buSzPts val="1800"/>
+              <a:buSzPts val="2400"/>
               <a:buFont typeface="Arial"/>
-              <a:buNone/>
+              <a:buChar char="•"/>
             </a:pPr>
             <a:r>
-              <a:t/>
-            </a:r>
-            <a:endParaRPr sz="1800">
-              <a:solidFill>
-                <a:srgbClr val="5B636F"/>
-              </a:solidFill>
-              <a:latin typeface="Poppins"/>
-              <a:ea typeface="Poppins"/>
-              <a:cs typeface="Poppins"/>
-              <a:sym typeface="Poppins"/>
-            </a:endParaRPr>
-          </a:p>
-          <a:p>
-            <a:pPr indent="0" lvl="0" marL="0" marR="0" rtl="0" algn="l">
-              <a:lnSpc>
-                <a:spcPct val="150000"/>
-              </a:lnSpc>
-              <a:spcBef>
-                <a:spcPts val="0"/>
-              </a:spcBef>
-              <a:spcAft>
-                <a:spcPts val="0"/>
-              </a:spcAft>
-              <a:buClr>
-                <a:srgbClr val="000000"/>
-              </a:buClr>
-              <a:buSzPts val="1800"/>
-              <a:buFont typeface="Arial"/>
-              <a:buNone/>
-            </a:pPr>
-            <a:r>
-              <a:rPr lang="en-GB" sz="1800">
+              <a:rPr b="0" i="0" lang="en-GB" sz="2400" u="none" cap="none" strike="noStrike">
                 <a:solidFill>
                   <a:srgbClr val="5B636F"/>
                 </a:solidFill>
@@ -18983,226 +19546,9 @@
                 <a:cs typeface="Poppins"/>
                 <a:sym typeface="Poppins"/>
               </a:rPr>
-              <a:t>So, when you create a new solution with the Angular UI, you will take advantage of the new Angular with the new cutting-edge features and enhancements right from the start!</a:t>
+              <a:t>ABP 8.0 Angular UI is based on Angular 17</a:t>
             </a:r>
-            <a:endParaRPr sz="1800">
-              <a:solidFill>
-                <a:srgbClr val="5B636F"/>
-              </a:solidFill>
-              <a:latin typeface="Poppins"/>
-              <a:ea typeface="Poppins"/>
-              <a:cs typeface="Poppins"/>
-              <a:sym typeface="Poppins"/>
-            </a:endParaRPr>
-          </a:p>
-          <a:p>
-            <a:pPr indent="0" lvl="0" marL="0" marR="0" rtl="0" algn="l">
-              <a:lnSpc>
-                <a:spcPct val="150000"/>
-              </a:lnSpc>
-              <a:spcBef>
-                <a:spcPts val="0"/>
-              </a:spcBef>
-              <a:spcAft>
-                <a:spcPts val="0"/>
-              </a:spcAft>
-              <a:buClr>
-                <a:srgbClr val="000000"/>
-              </a:buClr>
-              <a:buSzPts val="1800"/>
-              <a:buFont typeface="Arial"/>
-              <a:buNone/>
-            </a:pPr>
-            <a:r>
-              <a:t/>
-            </a:r>
-            <a:endParaRPr b="1" sz="1800">
-              <a:solidFill>
-                <a:srgbClr val="5B636F"/>
-              </a:solidFill>
-              <a:latin typeface="Poppins"/>
-              <a:ea typeface="Poppins"/>
-              <a:cs typeface="Poppins"/>
-              <a:sym typeface="Poppins"/>
-            </a:endParaRPr>
-          </a:p>
-          <a:p>
-            <a:pPr indent="0" lvl="0" marL="0" marR="0" rtl="0" algn="l">
-              <a:lnSpc>
-                <a:spcPct val="150000"/>
-              </a:lnSpc>
-              <a:spcBef>
-                <a:spcPts val="0"/>
-              </a:spcBef>
-              <a:spcAft>
-                <a:spcPts val="0"/>
-              </a:spcAft>
-              <a:buClr>
-                <a:srgbClr val="000000"/>
-              </a:buClr>
-              <a:buSzPts val="1800"/>
-              <a:buFont typeface="Arial"/>
-              <a:buNone/>
-            </a:pPr>
-            <a:r>
-              <a:t/>
-            </a:r>
-            <a:endParaRPr sz="1800">
-              <a:solidFill>
-                <a:srgbClr val="5B636F"/>
-              </a:solidFill>
-              <a:latin typeface="Poppins"/>
-              <a:ea typeface="Poppins"/>
-              <a:cs typeface="Poppins"/>
-              <a:sym typeface="Poppins"/>
-            </a:endParaRPr>
-          </a:p>
-          <a:p>
-            <a:pPr indent="0" lvl="0" marL="0" marR="0" rtl="0" algn="l">
-              <a:lnSpc>
-                <a:spcPct val="150000"/>
-              </a:lnSpc>
-              <a:spcBef>
-                <a:spcPts val="0"/>
-              </a:spcBef>
-              <a:spcAft>
-                <a:spcPts val="0"/>
-              </a:spcAft>
-              <a:buClr>
-                <a:srgbClr val="000000"/>
-              </a:buClr>
-              <a:buSzPts val="1800"/>
-              <a:buFont typeface="Arial"/>
-              <a:buNone/>
-            </a:pPr>
-            <a:r>
-              <a:t/>
-            </a:r>
-            <a:endParaRPr b="1" sz="1800">
-              <a:solidFill>
-                <a:srgbClr val="5B636F"/>
-              </a:solidFill>
-              <a:latin typeface="Poppins"/>
-              <a:ea typeface="Poppins"/>
-              <a:cs typeface="Poppins"/>
-              <a:sym typeface="Poppins"/>
-            </a:endParaRPr>
-          </a:p>
-          <a:p>
-            <a:pPr indent="0" lvl="0" marL="0" marR="0" rtl="0" algn="l">
-              <a:lnSpc>
-                <a:spcPct val="150000"/>
-              </a:lnSpc>
-              <a:spcBef>
-                <a:spcPts val="0"/>
-              </a:spcBef>
-              <a:spcAft>
-                <a:spcPts val="0"/>
-              </a:spcAft>
-              <a:buClr>
-                <a:srgbClr val="000000"/>
-              </a:buClr>
-              <a:buSzPts val="1800"/>
-              <a:buFont typeface="Arial"/>
-              <a:buNone/>
-            </a:pPr>
-            <a:r>
-              <a:t/>
-            </a:r>
-            <a:endParaRPr b="1" sz="1800">
-              <a:solidFill>
-                <a:srgbClr val="5B636F"/>
-              </a:solidFill>
-              <a:latin typeface="Poppins"/>
-              <a:ea typeface="Poppins"/>
-              <a:cs typeface="Poppins"/>
-              <a:sym typeface="Poppins"/>
-            </a:endParaRPr>
-          </a:p>
-          <a:p>
-            <a:pPr indent="0" lvl="0" marL="0" marR="0" rtl="0" algn="l">
-              <a:lnSpc>
-                <a:spcPct val="150000"/>
-              </a:lnSpc>
-              <a:spcBef>
-                <a:spcPts val="0"/>
-              </a:spcBef>
-              <a:spcAft>
-                <a:spcPts val="0"/>
-              </a:spcAft>
-              <a:buClr>
-                <a:srgbClr val="000000"/>
-              </a:buClr>
-              <a:buSzPts val="1800"/>
-              <a:buFont typeface="Arial"/>
-              <a:buNone/>
-            </a:pPr>
-            <a:r>
-              <a:t/>
-            </a:r>
-            <a:endParaRPr b="1" sz="1800">
-              <a:solidFill>
-                <a:srgbClr val="5B636F"/>
-              </a:solidFill>
-              <a:latin typeface="Poppins"/>
-              <a:ea typeface="Poppins"/>
-              <a:cs typeface="Poppins"/>
-              <a:sym typeface="Poppins"/>
-            </a:endParaRPr>
-          </a:p>
-          <a:p>
-            <a:pPr indent="0" lvl="0" marL="0" marR="0" rtl="0" algn="l">
-              <a:lnSpc>
-                <a:spcPct val="150000"/>
-              </a:lnSpc>
-              <a:spcBef>
-                <a:spcPts val="0"/>
-              </a:spcBef>
-              <a:spcAft>
-                <a:spcPts val="0"/>
-              </a:spcAft>
-              <a:buClr>
-                <a:srgbClr val="000000"/>
-              </a:buClr>
-              <a:buSzPts val="1800"/>
-              <a:buFont typeface="Arial"/>
-              <a:buNone/>
-            </a:pPr>
-            <a:r>
-              <a:t/>
-            </a:r>
-            <a:endParaRPr b="1" sz="1800">
-              <a:solidFill>
-                <a:srgbClr val="5B636F"/>
-              </a:solidFill>
-              <a:latin typeface="Poppins"/>
-              <a:ea typeface="Poppins"/>
-              <a:cs typeface="Poppins"/>
-              <a:sym typeface="Poppins"/>
-            </a:endParaRPr>
-          </a:p>
-          <a:p>
-            <a:pPr indent="0" lvl="0" marL="0" marR="0" rtl="0" algn="l">
-              <a:lnSpc>
-                <a:spcPct val="150000"/>
-              </a:lnSpc>
-              <a:spcBef>
-                <a:spcPts val="0"/>
-              </a:spcBef>
-              <a:spcAft>
-                <a:spcPts val="0"/>
-              </a:spcAft>
-              <a:buClr>
-                <a:srgbClr val="000000"/>
-              </a:buClr>
-              <a:buSzPts val="1800"/>
-              <a:buFont typeface="Arial"/>
-              <a:buNone/>
-            </a:pPr>
-            <a:r>
-              <a:t/>
-            </a:r>
-            <a:endParaRPr b="1" sz="1800">
+            <a:endParaRPr b="1" i="0" sz="2400" u="none" cap="none" strike="noStrike">
               <a:solidFill>
                 <a:srgbClr val="5B636F"/>
               </a:solidFill>
@@ -19253,14 +19599,14 @@
       </p:grpSpPr>
       <p:sp>
         <p:nvSpPr>
-          <p:cNvPr id="112" name="Google Shape;112;g29c72b0158f_0_2"/>
+          <p:cNvPr id="112" name="Google Shape;112;p17"/>
           <p:cNvSpPr txBox="1"/>
           <p:nvPr/>
         </p:nvSpPr>
         <p:spPr>
           <a:xfrm>
             <a:off x="714375" y="695325"/>
-            <a:ext cx="9548700" cy="585000"/>
+            <a:ext cx="9548700" cy="615600"/>
           </a:xfrm>
           <a:prstGeom prst="rect">
             <a:avLst/>
@@ -19294,7 +19640,7 @@
               <a:buNone/>
             </a:pPr>
             <a:r>
-              <a:rPr b="1" lang="en-GB" sz="3200">
+              <a:rPr b="1" i="0" lang="en-GB" sz="3400" u="none" cap="none" strike="noStrike">
                 <a:solidFill>
                   <a:srgbClr val="292D33"/>
                 </a:solidFill>
@@ -19305,7 +19651,7 @@
               </a:rPr>
               <a:t>Dynamic Claims</a:t>
             </a:r>
-            <a:endParaRPr b="1" i="0" sz="3200" u="none" cap="none" strike="noStrike">
+            <a:endParaRPr b="1" i="0" sz="3400" u="none" cap="none" strike="noStrike">
               <a:solidFill>
                 <a:srgbClr val="292D33"/>
               </a:solidFill>
@@ -19319,14 +19665,14 @@
       </p:sp>
       <p:sp>
         <p:nvSpPr>
-          <p:cNvPr id="113" name="Google Shape;113;g29c72b0158f_0_2"/>
+          <p:cNvPr id="113" name="Google Shape;113;p17"/>
           <p:cNvSpPr txBox="1"/>
           <p:nvPr/>
         </p:nvSpPr>
         <p:spPr>
           <a:xfrm>
             <a:off x="714375" y="1681675"/>
-            <a:ext cx="10491900" cy="4109700"/>
+            <a:ext cx="10491900" cy="4247400"/>
           </a:xfrm>
           <a:prstGeom prst="rect">
             <a:avLst/>
@@ -19360,7 +19706,7 @@
               <a:buNone/>
             </a:pPr>
             <a:r>
-              <a:rPr lang="en-GB" sz="1800">
+              <a:rPr b="1" i="0" lang="en-GB" sz="1800" u="none" cap="none" strike="noStrike">
                 <a:solidFill>
                   <a:srgbClr val="5B636F"/>
                 </a:solidFill>
@@ -19369,10 +19715,10 @@
                 <a:cs typeface="Poppins"/>
                 <a:sym typeface="Poppins"/>
               </a:rPr>
-              <a:t>The </a:t>
+              <a:t>Dynamic Claims </a:t>
             </a:r>
             <a:r>
-              <a:rPr b="1" lang="en-GB" sz="1800">
+              <a:rPr b="0" i="0" lang="en-GB" sz="1800" u="none" cap="none" strike="noStrike">
                 <a:solidFill>
                   <a:srgbClr val="5B636F"/>
                 </a:solidFill>
@@ -19381,10 +19727,10 @@
                 <a:cs typeface="Poppins"/>
                 <a:sym typeface="Poppins"/>
               </a:rPr>
-              <a:t>Dynamic Claims</a:t>
+              <a:t>allows you to </a:t>
             </a:r>
             <a:r>
-              <a:rPr lang="en-GB" sz="1800">
+              <a:rPr b="1" i="0" lang="en-GB" sz="1800" u="none" cap="none" strike="noStrike">
                 <a:solidFill>
                   <a:srgbClr val="5B636F"/>
                 </a:solidFill>
@@ -19393,10 +19739,10 @@
                 <a:cs typeface="Poppins"/>
                 <a:sym typeface="Poppins"/>
               </a:rPr>
-              <a:t> feature is used to dynamically generate claims for the user in each request. This </a:t>
+              <a:t>get the latest user claims </a:t>
             </a:r>
             <a:r>
-              <a:rPr lang="en-GB" sz="1800">
+              <a:rPr b="0" i="0" lang="en-GB" sz="1800" u="none" cap="none" strike="noStrike">
                 <a:solidFill>
                   <a:srgbClr val="5B636F"/>
                 </a:solidFill>
@@ -19405,21 +19751,32 @@
                 <a:cs typeface="Poppins"/>
                 <a:sym typeface="Poppins"/>
               </a:rPr>
-              <a:t>was needed</a:t>
+              <a:t>without need to re-login in each time.</a:t>
             </a:r>
+            <a:endParaRPr/>
+          </a:p>
+          <a:p>
+            <a:pPr indent="0" lvl="0" marL="0" marR="0" rtl="0" algn="l">
+              <a:lnSpc>
+                <a:spcPct val="150000"/>
+              </a:lnSpc>
+              <a:spcBef>
+                <a:spcPts val="0"/>
+              </a:spcBef>
+              <a:spcAft>
+                <a:spcPts val="0"/>
+              </a:spcAft>
+              <a:buClr>
+                <a:srgbClr val="000000"/>
+              </a:buClr>
+              <a:buSzPts val="1800"/>
+              <a:buFont typeface="Arial"/>
+              <a:buNone/>
+            </a:pPr>
             <a:r>
-              <a:rPr lang="en-GB" sz="1800">
-                <a:solidFill>
-                  <a:srgbClr val="5B636F"/>
-                </a:solidFill>
-                <a:latin typeface="Poppins"/>
-                <a:ea typeface="Poppins"/>
-                <a:cs typeface="Poppins"/>
-                <a:sym typeface="Poppins"/>
-              </a:rPr>
-              <a:t> because claims-based authentication is using in the ASP.NET Core, and because it stores the claims in the cookie or token, and they are being static, they don’t change until a next re-login. </a:t>
+              <a:t/>
             </a:r>
-            <a:endParaRPr sz="1800">
+            <a:endParaRPr b="0" i="0" sz="1800" u="none" cap="none" strike="noStrike">
               <a:solidFill>
                 <a:srgbClr val="5B636F"/>
               </a:solidFill>
@@ -19448,9 +19805,42 @@
               <a:buNone/>
             </a:pPr>
             <a:r>
-              <a:t/>
+              <a:rPr b="0" i="0" lang="en-GB" sz="1800" u="none" cap="none" strike="noStrike">
+                <a:solidFill>
+                  <a:srgbClr val="5B636F"/>
+                </a:solidFill>
+                <a:latin typeface="Poppins"/>
+                <a:ea typeface="Poppins"/>
+                <a:cs typeface="Poppins"/>
+                <a:sym typeface="Poppins"/>
+              </a:rPr>
+              <a:t>The </a:t>
             </a:r>
-            <a:endParaRPr sz="1800">
+            <a:r>
+              <a:rPr b="1" i="0" lang="en-GB" sz="1800" u="none" cap="none" strike="noStrike">
+                <a:solidFill>
+                  <a:srgbClr val="5B636F"/>
+                </a:solidFill>
+                <a:latin typeface="Poppins"/>
+                <a:ea typeface="Poppins"/>
+                <a:cs typeface="Poppins"/>
+                <a:sym typeface="Poppins"/>
+              </a:rPr>
+              <a:t>Dynamic Claims</a:t>
+            </a:r>
+            <a:r>
+              <a:rPr b="0" i="0" lang="en-GB" sz="1800" u="none" cap="none" strike="noStrike">
+                <a:solidFill>
+                  <a:srgbClr val="5B636F"/>
+                </a:solidFill>
+                <a:latin typeface="Poppins"/>
+                <a:ea typeface="Poppins"/>
+                <a:cs typeface="Poppins"/>
+                <a:sym typeface="Poppins"/>
+              </a:rPr>
+              <a:t> feature is used to dynamically generate claims for the user in each request. This was needed because claims-based authentication is using in the ASP.NET Core, and because it stores the claims in the cookie or token, and they are being static, they don’t change until a next re-login. </a:t>
+            </a:r>
+            <a:endParaRPr b="0" i="0" sz="1800" u="none" cap="none" strike="noStrike">
               <a:solidFill>
                 <a:srgbClr val="5B636F"/>
               </a:solidFill>
@@ -19479,78 +19869,9 @@
               <a:buNone/>
             </a:pPr>
             <a:r>
-              <a:rPr lang="en-GB" sz="1800">
-                <a:solidFill>
-                  <a:srgbClr val="5B636F"/>
-                </a:solidFill>
-                <a:latin typeface="Poppins"/>
-                <a:ea typeface="Poppins"/>
-                <a:cs typeface="Poppins"/>
-                <a:sym typeface="Poppins"/>
-              </a:rPr>
-              <a:t>In other words, </a:t>
+              <a:t/>
             </a:r>
-            <a:r>
-              <a:rPr b="1" lang="en-GB" sz="1800">
-                <a:solidFill>
-                  <a:srgbClr val="5B636F"/>
-                </a:solidFill>
-                <a:latin typeface="Poppins"/>
-                <a:ea typeface="Poppins"/>
-                <a:cs typeface="Poppins"/>
-                <a:sym typeface="Poppins"/>
-              </a:rPr>
-              <a:t>Dynamic Claims </a:t>
-            </a:r>
-            <a:r>
-              <a:rPr lang="en-GB" sz="1800">
-                <a:solidFill>
-                  <a:srgbClr val="5B636F"/>
-                </a:solidFill>
-                <a:latin typeface="Poppins"/>
-                <a:ea typeface="Poppins"/>
-                <a:cs typeface="Poppins"/>
-                <a:sym typeface="Poppins"/>
-              </a:rPr>
-              <a:t>allows you to </a:t>
-            </a:r>
-            <a:r>
-              <a:rPr b="1" lang="en-GB" sz="1800">
-                <a:solidFill>
-                  <a:srgbClr val="5B636F"/>
-                </a:solidFill>
-                <a:latin typeface="Poppins"/>
-                <a:ea typeface="Poppins"/>
-                <a:cs typeface="Poppins"/>
-                <a:sym typeface="Poppins"/>
-              </a:rPr>
-              <a:t>get the latest user claims </a:t>
-            </a:r>
-            <a:r>
-              <a:rPr lang="en-GB" sz="1800">
-                <a:solidFill>
-                  <a:srgbClr val="5B636F"/>
-                </a:solidFill>
-                <a:latin typeface="Poppins"/>
-                <a:ea typeface="Poppins"/>
-                <a:cs typeface="Poppins"/>
-                <a:sym typeface="Poppins"/>
-              </a:rPr>
-              <a:t>without need to re-login in each time</a:t>
-            </a:r>
-            <a:r>
-              <a:rPr b="1" lang="en-GB" sz="1800">
-                <a:solidFill>
-                  <a:srgbClr val="5B636F"/>
-                </a:solidFill>
-                <a:latin typeface="Poppins"/>
-                <a:ea typeface="Poppins"/>
-                <a:cs typeface="Poppins"/>
-                <a:sym typeface="Poppins"/>
-              </a:rPr>
-              <a:t>.</a:t>
-            </a:r>
-            <a:endParaRPr b="1" sz="1800">
+            <a:endParaRPr b="1" i="0" sz="1800" u="none" cap="none" strike="noStrike">
               <a:solidFill>
                 <a:srgbClr val="5B636F"/>
               </a:solidFill>
@@ -19579,9 +19900,31 @@
               <a:buNone/>
             </a:pPr>
             <a:r>
-              <a:t/>
+              <a:rPr b="1" i="0" lang="en-GB" sz="1800" u="none" cap="none" strike="noStrike">
+                <a:solidFill>
+                  <a:srgbClr val="5B636F"/>
+                </a:solidFill>
+                <a:latin typeface="Poppins"/>
+                <a:ea typeface="Poppins"/>
+                <a:cs typeface="Poppins"/>
+                <a:sym typeface="Poppins"/>
+              </a:rPr>
+              <a:t>It’s already been documented: </a:t>
             </a:r>
-            <a:endParaRPr b="1" sz="1800">
+            <a:r>
+              <a:rPr b="0" i="0" lang="en-GB" sz="1800" u="sng" cap="none" strike="noStrike">
+                <a:solidFill>
+                  <a:schemeClr val="hlink"/>
+                </a:solidFill>
+                <a:latin typeface="Poppins"/>
+                <a:ea typeface="Poppins"/>
+                <a:cs typeface="Poppins"/>
+                <a:sym typeface="Poppins"/>
+                <a:hlinkClick r:id="rId4"/>
+              </a:rPr>
+              <a:t>https://docs.abp.io/en/abp/8.0/Dynamic-Claims</a:t>
+            </a:r>
+            <a:endParaRPr b="0" i="0" sz="2100" u="none" cap="none" strike="noStrike">
               <a:solidFill>
                 <a:srgbClr val="5B636F"/>
               </a:solidFill>
@@ -19610,62 +19953,9 @@
               <a:buNone/>
             </a:pPr>
             <a:r>
-              <a:rPr b="1" lang="en-GB" sz="1800">
-                <a:solidFill>
-                  <a:srgbClr val="5B636F"/>
-                </a:solidFill>
-                <a:latin typeface="Poppins"/>
-                <a:ea typeface="Poppins"/>
-                <a:cs typeface="Poppins"/>
-                <a:sym typeface="Poppins"/>
-              </a:rPr>
-              <a:t>It’s already been documented: </a:t>
-            </a:r>
-            <a:r>
-              <a:rPr lang="en-GB" sz="1800" u="sng">
-                <a:solidFill>
-                  <a:schemeClr val="hlink"/>
-                </a:solidFill>
-                <a:latin typeface="Poppins"/>
-                <a:ea typeface="Poppins"/>
-                <a:cs typeface="Poppins"/>
-                <a:sym typeface="Poppins"/>
-                <a:hlinkClick r:id="rId4"/>
-              </a:rPr>
-              <a:t>https://docs.abp.io/en/abp/8.0/Dynamic-Claims</a:t>
-            </a:r>
-            <a:endParaRPr sz="2100">
-              <a:solidFill>
-                <a:srgbClr val="5B636F"/>
-              </a:solidFill>
-              <a:latin typeface="Poppins"/>
-              <a:ea typeface="Poppins"/>
-              <a:cs typeface="Poppins"/>
-              <a:sym typeface="Poppins"/>
-            </a:endParaRPr>
-          </a:p>
-          <a:p>
-            <a:pPr indent="0" lvl="0" marL="0" marR="0" rtl="0" algn="l">
-              <a:lnSpc>
-                <a:spcPct val="150000"/>
-              </a:lnSpc>
-              <a:spcBef>
-                <a:spcPts val="0"/>
-              </a:spcBef>
-              <a:spcAft>
-                <a:spcPts val="0"/>
-              </a:spcAft>
-              <a:buClr>
-                <a:srgbClr val="000000"/>
-              </a:buClr>
-              <a:buSzPts val="1800"/>
-              <a:buFont typeface="Arial"/>
-              <a:buNone/>
-            </a:pPr>
-            <a:r>
               <a:t/>
             </a:r>
-            <a:endParaRPr b="1" sz="1800">
+            <a:endParaRPr b="1" i="0" sz="1800" u="none" cap="none" strike="noStrike">
               <a:solidFill>
                 <a:srgbClr val="5B636F"/>
               </a:solidFill>
@@ -19716,7 +20006,7 @@
       </p:grpSpPr>
       <p:sp>
         <p:nvSpPr>
-          <p:cNvPr id="118" name="Google Shape;118;g29b15032e6a_0_40"/>
+          <p:cNvPr id="118" name="Google Shape;118;p18"/>
           <p:cNvSpPr txBox="1"/>
           <p:nvPr/>
         </p:nvSpPr>
@@ -19757,7 +20047,7 @@
               <a:buNone/>
             </a:pPr>
             <a:r>
-              <a:rPr b="1" lang="en-GB" sz="3200">
+              <a:rPr b="1" i="0" lang="en-GB" sz="3200" u="none" cap="none" strike="noStrike">
                 <a:solidFill>
                   <a:srgbClr val="292D33"/>
                 </a:solidFill>
@@ -19782,17 +20072,16 @@
       </p:sp>
       <p:pic>
         <p:nvPicPr>
-          <p:cNvPr id="119" name="Google Shape;119;g29b15032e6a_0_40"/>
+          <p:cNvPr id="119" name="Google Shape;119;p18"/>
           <p:cNvPicPr preferRelativeResize="0"/>
           <p:nvPr/>
         </p:nvPicPr>
-        <p:blipFill>
+        <p:blipFill rotWithShape="1">
           <a:blip r:embed="rId4">
             <a:alphaModFix/>
           </a:blip>
-          <a:stretch>
-            <a:fillRect/>
-          </a:stretch>
+          <a:srcRect b="0" l="0" r="0" t="0"/>
+          <a:stretch/>
         </p:blipFill>
         <p:spPr>
           <a:xfrm>
@@ -19810,17 +20099,16 @@
       </p:pic>
       <p:pic>
         <p:nvPicPr>
-          <p:cNvPr id="120" name="Google Shape;120;g29b15032e6a_0_40"/>
+          <p:cNvPr id="120" name="Google Shape;120;p18"/>
           <p:cNvPicPr preferRelativeResize="0"/>
           <p:nvPr/>
         </p:nvPicPr>
-        <p:blipFill>
+        <p:blipFill rotWithShape="1">
           <a:blip r:embed="rId5">
             <a:alphaModFix/>
           </a:blip>
-          <a:stretch>
-            <a:fillRect/>
-          </a:stretch>
+          <a:srcRect b="0" l="0" r="0" t="0"/>
+          <a:stretch/>
         </p:blipFill>
         <p:spPr>
           <a:xfrm>
@@ -19838,14 +20126,14 @@
       </p:pic>
       <p:sp>
         <p:nvSpPr>
-          <p:cNvPr id="121" name="Google Shape;121;g29b15032e6a_0_40"/>
+          <p:cNvPr id="121" name="Google Shape;121;p18"/>
           <p:cNvSpPr txBox="1"/>
           <p:nvPr/>
         </p:nvSpPr>
         <p:spPr>
           <a:xfrm>
-            <a:off x="772075" y="2296388"/>
-            <a:ext cx="3772200" cy="769500"/>
+            <a:off x="772075" y="2067788"/>
+            <a:ext cx="3772200" cy="1277400"/>
           </a:xfrm>
           <a:prstGeom prst="rect">
             <a:avLst/>
@@ -19879,7 +20167,7 @@
               <a:buNone/>
             </a:pPr>
             <a:r>
-              <a:rPr lang="en-GB" sz="1100">
+              <a:rPr b="0" i="0" lang="en-GB" u="none" cap="none" strike="noStrike">
                 <a:solidFill>
                   <a:srgbClr val="5B636F"/>
                 </a:solidFill>
@@ -19888,22 +20176,10 @@
                 <a:cs typeface="Poppins"/>
                 <a:sym typeface="Poppins"/>
               </a:rPr>
-              <a:t>Configure the</a:t>
+              <a:t>Configure the </a:t>
             </a:r>
             <a:r>
-              <a:rPr lang="en-GB" sz="1100">
-                <a:solidFill>
-                  <a:srgbClr val="5B636F"/>
-                </a:solidFill>
-                <a:latin typeface="Poppins"/>
-                <a:ea typeface="Poppins"/>
-                <a:cs typeface="Poppins"/>
-                <a:sym typeface="Poppins"/>
-              </a:rPr>
-              <a:t> </a:t>
-            </a:r>
-            <a:r>
-              <a:rPr b="1" lang="en-GB" sz="1100">
+              <a:rPr b="1" i="0" lang="en-GB" u="none" cap="none" strike="noStrike">
                 <a:solidFill>
                   <a:srgbClr val="5B636F"/>
                 </a:solidFill>
@@ -19915,7 +20191,7 @@
               <a:t>AbpClaimsPrincipalFactoryOptions </a:t>
             </a:r>
             <a:r>
-              <a:rPr lang="en-GB" sz="1100">
+              <a:rPr b="0" i="0" lang="en-GB" u="none" cap="none" strike="noStrike">
                 <a:solidFill>
                   <a:srgbClr val="5B636F"/>
                 </a:solidFill>
@@ -19927,7 +20203,7 @@
               <a:t>and set the </a:t>
             </a:r>
             <a:r>
-              <a:rPr b="1" lang="en-GB" sz="1100">
+              <a:rPr b="1" i="0" lang="en-GB" u="none" cap="none" strike="noStrike">
                 <a:solidFill>
                   <a:srgbClr val="5B636F"/>
                 </a:solidFill>
@@ -19939,7 +20215,7 @@
               <a:t>IsDynamicClaimsEnabled </a:t>
             </a:r>
             <a:r>
-              <a:rPr lang="en-GB" sz="1100">
+              <a:rPr b="0" i="0" lang="en-GB" u="none" cap="none" strike="noStrike">
                 <a:solidFill>
                   <a:srgbClr val="5B636F"/>
                 </a:solidFill>
@@ -19951,17 +20227,21 @@
               <a:t>option as true </a:t>
             </a:r>
             <a:r>
-              <a:rPr lang="en-GB" sz="1100">
+              <a:rPr b="0" i="0" lang="en-GB" u="none" cap="none" strike="noStrike">
                 <a:solidFill>
                   <a:srgbClr val="5B636F"/>
                 </a:solidFill>
                 <a:highlight>
                   <a:srgbClr val="FFFFFF"/>
                 </a:highlight>
+                <a:latin typeface="Arial"/>
+                <a:ea typeface="Arial"/>
+                <a:cs typeface="Arial"/>
+                <a:sym typeface="Arial"/>
               </a:rPr>
               <a:t>👉</a:t>
             </a:r>
-            <a:endParaRPr b="1">
+            <a:endParaRPr b="1" i="0" sz="1700" u="none" cap="none" strike="noStrike">
               <a:solidFill>
                 <a:srgbClr val="5B636F"/>
               </a:solidFill>
@@ -19975,14 +20255,14 @@
       </p:sp>
       <p:sp>
         <p:nvSpPr>
-          <p:cNvPr id="122" name="Google Shape;122;g29b15032e6a_0_40"/>
+          <p:cNvPr id="122" name="Google Shape;122;p18"/>
           <p:cNvSpPr txBox="1"/>
           <p:nvPr/>
         </p:nvSpPr>
         <p:spPr>
           <a:xfrm>
-            <a:off x="714375" y="4469275"/>
-            <a:ext cx="3772200" cy="515700"/>
+            <a:off x="714375" y="4393075"/>
+            <a:ext cx="3772200" cy="630900"/>
           </a:xfrm>
           <a:prstGeom prst="rect">
             <a:avLst/>
@@ -20016,7 +20296,7 @@
               <a:buNone/>
             </a:pPr>
             <a:r>
-              <a:rPr lang="en-GB" sz="1100">
+              <a:rPr b="0" i="0" lang="en-GB" u="none" cap="none" strike="noStrike">
                 <a:solidFill>
                   <a:srgbClr val="5B636F"/>
                 </a:solidFill>
@@ -20028,7 +20308,7 @@
               <a:t>Add the </a:t>
             </a:r>
             <a:r>
-              <a:rPr b="1" lang="en-GB" sz="1100">
+              <a:rPr b="1" i="0" lang="en-GB" u="none" cap="none" strike="noStrike">
                 <a:solidFill>
                   <a:srgbClr val="5B636F"/>
                 </a:solidFill>
@@ -20040,7 +20320,7 @@
               <a:t>DynamicClaims</a:t>
             </a:r>
             <a:r>
-              <a:rPr lang="en-GB" sz="1100">
+              <a:rPr b="0" i="0" lang="en-GB" u="none" cap="none" strike="noStrike">
                 <a:solidFill>
                   <a:srgbClr val="5B636F"/>
                 </a:solidFill>
@@ -20052,17 +20332,21 @@
               <a:t> middleware into the request pipeline </a:t>
             </a:r>
             <a:r>
-              <a:rPr lang="en-GB" sz="1100">
+              <a:rPr b="0" i="0" lang="en-GB" u="none" cap="none" strike="noStrike">
                 <a:solidFill>
                   <a:srgbClr val="5B636F"/>
                 </a:solidFill>
                 <a:highlight>
                   <a:srgbClr val="FFFFFF"/>
                 </a:highlight>
+                <a:latin typeface="Arial"/>
+                <a:ea typeface="Arial"/>
+                <a:cs typeface="Arial"/>
+                <a:sym typeface="Arial"/>
               </a:rPr>
               <a:t>👉</a:t>
             </a:r>
-            <a:endParaRPr b="1">
+            <a:endParaRPr b="1" i="0" sz="1700" u="none" cap="none" strike="noStrike">
               <a:solidFill>
                 <a:srgbClr val="5B636F"/>
               </a:solidFill>
@@ -20074,11 +20358,309 @@
           </a:p>
         </p:txBody>
       </p:sp>
+      <p:sp>
+        <p:nvSpPr>
+          <p:cNvPr id="123" name="Google Shape;123;p18"/>
+          <p:cNvSpPr/>
+          <p:nvPr/>
+        </p:nvSpPr>
+        <p:spPr>
+          <a:xfrm>
+            <a:off x="5237150" y="4597600"/>
+            <a:ext cx="1665600" cy="234300"/>
+          </a:xfrm>
+          <a:prstGeom prst="rect">
+            <a:avLst/>
+          </a:prstGeom>
+          <a:noFill/>
+          <a:ln cap="flat" cmpd="sng" w="9525">
+            <a:solidFill>
+              <a:srgbClr val="FF0000"/>
+            </a:solidFill>
+            <a:prstDash val="solid"/>
+            <a:round/>
+            <a:headEnd len="sm" w="sm" type="none"/>
+            <a:tailEnd len="sm" w="sm" type="none"/>
+          </a:ln>
+        </p:spPr>
+        <p:txBody>
+          <a:bodyPr anchorCtr="0" anchor="ctr" bIns="91425" lIns="91425" spcFirstLastPara="1" rIns="91425" wrap="square" tIns="91425">
+            <a:noAutofit/>
+          </a:bodyPr>
+          <a:lstStyle/>
+          <a:p>
+            <a:pPr indent="0" lvl="0" marL="0" rtl="0" algn="ctr">
+              <a:spcBef>
+                <a:spcPts val="0"/>
+              </a:spcBef>
+              <a:spcAft>
+                <a:spcPts val="0"/>
+              </a:spcAft>
+              <a:buNone/>
+            </a:pPr>
+            <a:r>
+              <a:t/>
+            </a:r>
+            <a:endParaRPr>
+              <a:latin typeface="Calibri"/>
+              <a:ea typeface="Calibri"/>
+              <a:cs typeface="Calibri"/>
+              <a:sym typeface="Calibri"/>
+            </a:endParaRPr>
+          </a:p>
+        </p:txBody>
+      </p:sp>
     </p:spTree>
   </p:cSld>
   <p:clrMapOvr>
     <a:masterClrMapping/>
   </p:clrMapOvr>
+  <p:timing>
+    <p:tnLst>
+      <p:par>
+        <p:cTn dur="indefinite" nodeType="tmRoot" restart="never">
+          <p:childTnLst>
+            <p:seq concurrent="1" nextAc="seek">
+              <p:cTn dur="indefinite" id="2" nodeType="mainSeq">
+                <p:childTnLst>
+                  <p:par>
+                    <p:cTn fill="hold">
+                      <p:stCondLst>
+                        <p:cond delay="indefinite"/>
+                      </p:stCondLst>
+                      <p:childTnLst>
+                        <p:par>
+                          <p:cTn fill="hold">
+                            <p:stCondLst>
+                              <p:cond delay="0"/>
+                            </p:stCondLst>
+                            <p:childTnLst>
+                              <p:par>
+                                <p:cTn fill="hold" nodeType="clickEffect" presetClass="entr" presetID="1" presetSubtype="0">
+                                  <p:stCondLst>
+                                    <p:cond delay="0"/>
+                                  </p:stCondLst>
+                                  <p:childTnLst>
+                                    <p:set>
+                                      <p:cBhvr>
+                                        <p:cTn dur="1" fill="hold">
+                                          <p:stCondLst>
+                                            <p:cond delay="0"/>
+                                          </p:stCondLst>
+                                        </p:cTn>
+                                        <p:tgtEl>
+                                          <p:spTgt spid="118"/>
+                                        </p:tgtEl>
+                                        <p:attrNameLst>
+                                          <p:attrName>style.visibility</p:attrName>
+                                        </p:attrNameLst>
+                                      </p:cBhvr>
+                                      <p:to>
+                                        <p:strVal val="visible"/>
+                                      </p:to>
+                                    </p:set>
+                                  </p:childTnLst>
+                                </p:cTn>
+                              </p:par>
+                            </p:childTnLst>
+                          </p:cTn>
+                        </p:par>
+                      </p:childTnLst>
+                    </p:cTn>
+                  </p:par>
+                  <p:par>
+                    <p:cTn fill="hold">
+                      <p:stCondLst>
+                        <p:cond delay="indefinite"/>
+                      </p:stCondLst>
+                      <p:childTnLst>
+                        <p:par>
+                          <p:cTn fill="hold">
+                            <p:stCondLst>
+                              <p:cond delay="0"/>
+                            </p:stCondLst>
+                            <p:childTnLst>
+                              <p:par>
+                                <p:cTn fill="hold" nodeType="clickEffect" presetClass="entr" presetID="1" presetSubtype="0">
+                                  <p:stCondLst>
+                                    <p:cond delay="0"/>
+                                  </p:stCondLst>
+                                  <p:childTnLst>
+                                    <p:set>
+                                      <p:cBhvr>
+                                        <p:cTn dur="1" fill="hold">
+                                          <p:stCondLst>
+                                            <p:cond delay="0"/>
+                                          </p:stCondLst>
+                                        </p:cTn>
+                                        <p:tgtEl>
+                                          <p:spTgt spid="121"/>
+                                        </p:tgtEl>
+                                        <p:attrNameLst>
+                                          <p:attrName>style.visibility</p:attrName>
+                                        </p:attrNameLst>
+                                      </p:cBhvr>
+                                      <p:to>
+                                        <p:strVal val="visible"/>
+                                      </p:to>
+                                    </p:set>
+                                  </p:childTnLst>
+                                </p:cTn>
+                              </p:par>
+                              <p:par>
+                                <p:cTn fill="hold" nodeType="withEffect" presetClass="entr" presetID="1" presetSubtype="0">
+                                  <p:stCondLst>
+                                    <p:cond delay="0"/>
+                                  </p:stCondLst>
+                                  <p:childTnLst>
+                                    <p:set>
+                                      <p:cBhvr>
+                                        <p:cTn dur="1" fill="hold">
+                                          <p:stCondLst>
+                                            <p:cond delay="0"/>
+                                          </p:stCondLst>
+                                        </p:cTn>
+                                        <p:tgtEl>
+                                          <p:spTgt spid="119"/>
+                                        </p:tgtEl>
+                                        <p:attrNameLst>
+                                          <p:attrName>style.visibility</p:attrName>
+                                        </p:attrNameLst>
+                                      </p:cBhvr>
+                                      <p:to>
+                                        <p:strVal val="visible"/>
+                                      </p:to>
+                                    </p:set>
+                                  </p:childTnLst>
+                                </p:cTn>
+                              </p:par>
+                            </p:childTnLst>
+                          </p:cTn>
+                        </p:par>
+                      </p:childTnLst>
+                    </p:cTn>
+                  </p:par>
+                  <p:par>
+                    <p:cTn fill="hold">
+                      <p:stCondLst>
+                        <p:cond delay="indefinite"/>
+                      </p:stCondLst>
+                      <p:childTnLst>
+                        <p:par>
+                          <p:cTn fill="hold">
+                            <p:stCondLst>
+                              <p:cond delay="0"/>
+                            </p:stCondLst>
+                            <p:childTnLst>
+                              <p:par>
+                                <p:cTn fill="hold" nodeType="clickEffect" presetClass="entr" presetID="1" presetSubtype="0">
+                                  <p:stCondLst>
+                                    <p:cond delay="0"/>
+                                  </p:stCondLst>
+                                  <p:childTnLst>
+                                    <p:set>
+                                      <p:cBhvr>
+                                        <p:cTn dur="1" fill="hold">
+                                          <p:stCondLst>
+                                            <p:cond delay="0"/>
+                                          </p:stCondLst>
+                                        </p:cTn>
+                                        <p:tgtEl>
+                                          <p:spTgt spid="120"/>
+                                        </p:tgtEl>
+                                        <p:attrNameLst>
+                                          <p:attrName>style.visibility</p:attrName>
+                                        </p:attrNameLst>
+                                      </p:cBhvr>
+                                      <p:to>
+                                        <p:strVal val="visible"/>
+                                      </p:to>
+                                    </p:set>
+                                  </p:childTnLst>
+                                </p:cTn>
+                              </p:par>
+                              <p:par>
+                                <p:cTn fill="hold" nodeType="withEffect" presetClass="entr" presetID="1" presetSubtype="0">
+                                  <p:stCondLst>
+                                    <p:cond delay="0"/>
+                                  </p:stCondLst>
+                                  <p:childTnLst>
+                                    <p:set>
+                                      <p:cBhvr>
+                                        <p:cTn dur="1" fill="hold">
+                                          <p:stCondLst>
+                                            <p:cond delay="0"/>
+                                          </p:stCondLst>
+                                        </p:cTn>
+                                        <p:tgtEl>
+                                          <p:spTgt spid="122"/>
+                                        </p:tgtEl>
+                                        <p:attrNameLst>
+                                          <p:attrName>style.visibility</p:attrName>
+                                        </p:attrNameLst>
+                                      </p:cBhvr>
+                                      <p:to>
+                                        <p:strVal val="visible"/>
+                                      </p:to>
+                                    </p:set>
+                                  </p:childTnLst>
+                                </p:cTn>
+                              </p:par>
+                              <p:par>
+                                <p:cTn fill="hold" nodeType="withEffect" presetClass="entr" presetID="1" presetSubtype="0">
+                                  <p:stCondLst>
+                                    <p:cond delay="0"/>
+                                  </p:stCondLst>
+                                  <p:childTnLst>
+                                    <p:set>
+                                      <p:cBhvr>
+                                        <p:cTn dur="1" fill="hold">
+                                          <p:stCondLst>
+                                            <p:cond delay="0"/>
+                                          </p:stCondLst>
+                                        </p:cTn>
+                                        <p:tgtEl>
+                                          <p:spTgt spid="123"/>
+                                        </p:tgtEl>
+                                        <p:attrNameLst>
+                                          <p:attrName>style.visibility</p:attrName>
+                                        </p:attrNameLst>
+                                      </p:cBhvr>
+                                      <p:to>
+                                        <p:strVal val="visible"/>
+                                      </p:to>
+                                    </p:set>
+                                  </p:childTnLst>
+                                </p:cTn>
+                              </p:par>
+                            </p:childTnLst>
+                          </p:cTn>
+                        </p:par>
+                      </p:childTnLst>
+                    </p:cTn>
+                  </p:par>
+                </p:childTnLst>
+              </p:cTn>
+              <p:prevCondLst>
+                <p:cond evt="onPrev">
+                  <p:tgtEl>
+                    <p:sldTgt/>
+                  </p:tgtEl>
+                </p:cond>
+              </p:prevCondLst>
+              <p:nextCondLst>
+                <p:cond evt="onNext">
+                  <p:tgtEl>
+                    <p:sldTgt/>
+                  </p:tgtEl>
+                </p:cond>
+              </p:nextCondLst>
+            </p:seq>
+          </p:childTnLst>
+        </p:cTn>
+      </p:par>
+    </p:tnLst>
+  </p:timing>
 </p:sld>
 </file>
 
@@ -20099,7 +20681,7 @@
     </p:bg>
     <p:spTree>
       <p:nvGrpSpPr>
-        <p:cNvPr id="126" name="Shape 126"/>
+        <p:cNvPr id="127" name="Shape 127"/>
         <p:cNvGrpSpPr/>
         <p:nvPr/>
       </p:nvGrpSpPr>
@@ -20113,14 +20695,14 @@
       </p:grpSpPr>
       <p:sp>
         <p:nvSpPr>
-          <p:cNvPr id="127" name="Google Shape;127;g29b15032e6a_0_47"/>
+          <p:cNvPr id="128" name="Google Shape;128;p19"/>
           <p:cNvSpPr txBox="1"/>
           <p:nvPr/>
         </p:nvSpPr>
         <p:spPr>
           <a:xfrm>
-            <a:off x="714375" y="695325"/>
-            <a:ext cx="9548700" cy="585000"/>
+            <a:off x="714375" y="542925"/>
+            <a:ext cx="11037600" cy="615600"/>
           </a:xfrm>
           <a:prstGeom prst="rect">
             <a:avLst/>
@@ -20154,7 +20736,7 @@
               <a:buNone/>
             </a:pPr>
             <a:r>
-              <a:rPr b="1" lang="en-GB" sz="3200">
+              <a:rPr b="1" lang="en-GB" sz="3400">
                 <a:solidFill>
                   <a:srgbClr val="292D33"/>
                 </a:solidFill>
@@ -20163,9 +20745,9 @@
                 <a:cs typeface="Lexend"/>
                 <a:sym typeface="Lexend"/>
               </a:rPr>
-              <a:t>Bundling &amp; Minification: CDN Support</a:t>
+              <a:t>CDN Support for Bundling &amp; Minification System</a:t>
             </a:r>
-            <a:endParaRPr b="1" i="0" sz="3200" u="none" cap="none" strike="noStrike">
+            <a:endParaRPr b="1" i="0" sz="3400" u="none" cap="none" strike="noStrike">
               <a:solidFill>
                 <a:srgbClr val="292D33"/>
               </a:solidFill>
@@ -20179,14 +20761,14 @@
       </p:sp>
       <p:sp>
         <p:nvSpPr>
-          <p:cNvPr id="128" name="Google Shape;128;g29b15032e6a_0_47"/>
+          <p:cNvPr id="129" name="Google Shape;129;p19"/>
           <p:cNvSpPr txBox="1"/>
           <p:nvPr/>
         </p:nvSpPr>
         <p:spPr>
           <a:xfrm>
             <a:off x="6030300" y="2122550"/>
-            <a:ext cx="5379300" cy="2555100"/>
+            <a:ext cx="5379300" cy="2185800"/>
           </a:xfrm>
           <a:prstGeom prst="rect">
             <a:avLst/>
@@ -20220,7 +20802,7 @@
               <a:buNone/>
             </a:pPr>
             <a:r>
-              <a:rPr lang="en-GB" sz="1600">
+              <a:rPr b="0" i="0" lang="en-GB" sz="1600" u="none" cap="none" strike="noStrike">
                 <a:solidFill>
                   <a:srgbClr val="5B636F"/>
                 </a:solidFill>
@@ -20229,10 +20811,34 @@
                 <a:cs typeface="Poppins"/>
                 <a:sym typeface="Poppins"/>
               </a:rPr>
-              <a:t>In this version on, ABP Framework’s </a:t>
+              <a:t>In this version on, ABP Framework’s MVC / Razor Pages UI</a:t>
             </a:r>
             <a:r>
-              <a:rPr lang="en-GB" sz="1600" u="sng">
+              <a:rPr lang="en-GB" sz="1600">
+                <a:solidFill>
+                  <a:srgbClr val="5B636F"/>
+                </a:solidFill>
+                <a:latin typeface="Poppins"/>
+                <a:ea typeface="Poppins"/>
+                <a:cs typeface="Poppins"/>
+                <a:sym typeface="Poppins"/>
+              </a:rPr>
+              <a:t>’s</a:t>
+            </a:r>
+            <a:r>
+              <a:rPr b="0" i="0" lang="en-GB" sz="1600" u="none" cap="none" strike="noStrike">
+                <a:solidFill>
+                  <a:srgbClr val="5B636F"/>
+                </a:solidFill>
+                <a:latin typeface="Poppins"/>
+                <a:ea typeface="Poppins"/>
+                <a:cs typeface="Poppins"/>
+                <a:sym typeface="Poppins"/>
+              </a:rPr>
+              <a:t> </a:t>
+            </a:r>
+            <a:r>
+              <a:rPr b="0" i="0" lang="en-GB" sz="1600" u="sng" cap="none" strike="noStrike">
                 <a:solidFill>
                   <a:schemeClr val="hlink"/>
                 </a:solidFill>
@@ -20245,7 +20851,7 @@
               <a:t>Bundling System</a:t>
             </a:r>
             <a:r>
-              <a:rPr lang="en-GB" sz="1600">
+              <a:rPr b="0" i="0" lang="en-GB" sz="1600" u="none" cap="none" strike="noStrike">
                 <a:solidFill>
                   <a:srgbClr val="5B636F"/>
                 </a:solidFill>
@@ -20257,7 +20863,7 @@
               <a:t> provides </a:t>
             </a:r>
             <a:r>
-              <a:rPr b="1" lang="en-GB" sz="1600">
+              <a:rPr b="1" i="0" lang="en-GB" sz="1600" u="none" cap="none" strike="noStrike">
                 <a:solidFill>
                   <a:srgbClr val="5B636F"/>
                 </a:solidFill>
@@ -20269,7 +20875,7 @@
               <a:t>CDN Support</a:t>
             </a:r>
             <a:r>
-              <a:rPr lang="en-GB" sz="1600">
+              <a:rPr b="0" i="0" lang="en-GB" sz="1600" u="none" cap="none" strike="noStrike">
                 <a:solidFill>
                   <a:srgbClr val="5B636F"/>
                 </a:solidFill>
@@ -20278,9 +20884,9 @@
                 <a:cs typeface="Poppins"/>
                 <a:sym typeface="Poppins"/>
               </a:rPr>
-              <a:t> for bundling. </a:t>
+              <a:t>.</a:t>
             </a:r>
-            <a:endParaRPr sz="1600">
+            <a:endParaRPr b="0" i="0" sz="1600" u="none" cap="none" strike="noStrike">
               <a:solidFill>
                 <a:srgbClr val="5B636F"/>
               </a:solidFill>
@@ -20311,7 +20917,7 @@
             <a:r>
               <a:t/>
             </a:r>
-            <a:endParaRPr sz="1600">
+            <a:endParaRPr b="0" i="0" sz="1600" u="none" cap="none" strike="noStrike">
               <a:solidFill>
                 <a:srgbClr val="5B636F"/>
               </a:solidFill>
@@ -20340,7 +20946,7 @@
               <a:buNone/>
             </a:pPr>
             <a:r>
-              <a:rPr lang="en-GB" sz="1600">
+              <a:rPr b="0" i="0" lang="en-GB" sz="1600" u="none" cap="none" strike="noStrike">
                 <a:solidFill>
                   <a:srgbClr val="5B636F"/>
                 </a:solidFill>
@@ -20349,10 +20955,10 @@
                 <a:cs typeface="Poppins"/>
                 <a:sym typeface="Poppins"/>
               </a:rPr>
-              <a:t>The bundling system automatically recognizes the </a:t>
+              <a:t>The system automatically recognizes the </a:t>
             </a:r>
             <a:r>
-              <a:rPr b="1" lang="en-GB" sz="1600">
+              <a:rPr b="1" i="0" lang="en-GB" sz="1600" u="none" cap="none" strike="noStrike">
                 <a:solidFill>
                   <a:srgbClr val="5B636F"/>
                 </a:solidFill>
@@ -20364,7 +20970,7 @@
               <a:t>external/CDN files</a:t>
             </a:r>
             <a:r>
-              <a:rPr lang="en-GB" sz="1600">
+              <a:rPr b="0" i="0" lang="en-GB" sz="1600" u="none" cap="none" strike="noStrike">
                 <a:solidFill>
                   <a:srgbClr val="5B636F"/>
                 </a:solidFill>
@@ -20373,9 +20979,9 @@
                 <a:cs typeface="Poppins"/>
                 <a:sym typeface="Poppins"/>
               </a:rPr>
-              <a:t> and places them as script tags into the page along with the bundled inline CSS/JS files.</a:t>
+              <a:t> and places them as script tags into the page along with the bundled CSS/JS files.</a:t>
             </a:r>
-            <a:endParaRPr sz="1600">
+            <a:endParaRPr b="0" i="0" sz="1600" u="none" cap="none" strike="noStrike">
               <a:solidFill>
                 <a:srgbClr val="5B636F"/>
               </a:solidFill>
@@ -20389,17 +20995,16 @@
       </p:sp>
       <p:pic>
         <p:nvPicPr>
-          <p:cNvPr id="129" name="Google Shape;129;g29b15032e6a_0_47"/>
+          <p:cNvPr id="130" name="Google Shape;130;p19"/>
           <p:cNvPicPr preferRelativeResize="0"/>
           <p:nvPr/>
         </p:nvPicPr>
-        <p:blipFill>
+        <p:blipFill rotWithShape="1">
           <a:blip r:embed="rId5">
             <a:alphaModFix/>
           </a:blip>
-          <a:stretch>
-            <a:fillRect/>
-          </a:stretch>
+          <a:srcRect b="0" l="0" r="0" t="0"/>
+          <a:stretch/>
         </p:blipFill>
         <p:spPr>
           <a:xfrm>
@@ -20417,17 +21022,16 @@
       </p:pic>
       <p:pic>
         <p:nvPicPr>
-          <p:cNvPr id="130" name="Google Shape;130;g29b15032e6a_0_47"/>
+          <p:cNvPr id="131" name="Google Shape;131;p19"/>
           <p:cNvPicPr preferRelativeResize="0"/>
           <p:nvPr/>
         </p:nvPicPr>
-        <p:blipFill>
+        <p:blipFill rotWithShape="1">
           <a:blip r:embed="rId6">
             <a:alphaModFix/>
           </a:blip>
-          <a:stretch>
-            <a:fillRect/>
-          </a:stretch>
+          <a:srcRect b="0" l="0" r="0" t="0"/>
+          <a:stretch/>
         </p:blipFill>
         <p:spPr>
           <a:xfrm>
@@ -20443,6 +21047,214 @@
           </a:ln>
         </p:spPr>
       </p:pic>
+      <p:sp>
+        <p:nvSpPr>
+          <p:cNvPr id="132" name="Google Shape;132;p19"/>
+          <p:cNvSpPr/>
+          <p:nvPr/>
+        </p:nvSpPr>
+        <p:spPr>
+          <a:xfrm>
+            <a:off x="1612950" y="2847300"/>
+            <a:ext cx="2901900" cy="195300"/>
+          </a:xfrm>
+          <a:prstGeom prst="rect">
+            <a:avLst/>
+          </a:prstGeom>
+          <a:noFill/>
+          <a:ln cap="flat" cmpd="sng" w="9525">
+            <a:solidFill>
+              <a:srgbClr val="FF0000"/>
+            </a:solidFill>
+            <a:prstDash val="solid"/>
+            <a:round/>
+            <a:headEnd len="sm" w="sm" type="none"/>
+            <a:tailEnd len="sm" w="sm" type="none"/>
+          </a:ln>
+        </p:spPr>
+        <p:txBody>
+          <a:bodyPr anchorCtr="0" anchor="ctr" bIns="91425" lIns="91425" spcFirstLastPara="1" rIns="91425" wrap="square" tIns="91425">
+            <a:noAutofit/>
+          </a:bodyPr>
+          <a:lstStyle/>
+          <a:p>
+            <a:pPr indent="0" lvl="0" marL="0" rtl="0" algn="ctr">
+              <a:spcBef>
+                <a:spcPts val="0"/>
+              </a:spcBef>
+              <a:spcAft>
+                <a:spcPts val="0"/>
+              </a:spcAft>
+              <a:buNone/>
+            </a:pPr>
+            <a:r>
+              <a:t/>
+            </a:r>
+            <a:endParaRPr>
+              <a:latin typeface="Calibri"/>
+              <a:ea typeface="Calibri"/>
+              <a:cs typeface="Calibri"/>
+              <a:sym typeface="Calibri"/>
+            </a:endParaRPr>
+          </a:p>
+        </p:txBody>
+      </p:sp>
+      <p:sp>
+        <p:nvSpPr>
+          <p:cNvPr id="133" name="Google Shape;133;p19"/>
+          <p:cNvSpPr/>
+          <p:nvPr/>
+        </p:nvSpPr>
+        <p:spPr>
+          <a:xfrm>
+            <a:off x="1583150" y="4366100"/>
+            <a:ext cx="2901900" cy="195300"/>
+          </a:xfrm>
+          <a:prstGeom prst="rect">
+            <a:avLst/>
+          </a:prstGeom>
+          <a:noFill/>
+          <a:ln cap="flat" cmpd="sng" w="9525">
+            <a:solidFill>
+              <a:srgbClr val="FF0000"/>
+            </a:solidFill>
+            <a:prstDash val="solid"/>
+            <a:round/>
+            <a:headEnd len="sm" w="sm" type="none"/>
+            <a:tailEnd len="sm" w="sm" type="none"/>
+          </a:ln>
+        </p:spPr>
+        <p:txBody>
+          <a:bodyPr anchorCtr="0" anchor="ctr" bIns="91425" lIns="91425" spcFirstLastPara="1" rIns="91425" wrap="square" tIns="91425">
+            <a:noAutofit/>
+          </a:bodyPr>
+          <a:lstStyle/>
+          <a:p>
+            <a:pPr indent="0" lvl="0" marL="0" rtl="0" algn="ctr">
+              <a:spcBef>
+                <a:spcPts val="0"/>
+              </a:spcBef>
+              <a:spcAft>
+                <a:spcPts val="0"/>
+              </a:spcAft>
+              <a:buNone/>
+            </a:pPr>
+            <a:r>
+              <a:t/>
+            </a:r>
+            <a:endParaRPr>
+              <a:latin typeface="Calibri"/>
+              <a:ea typeface="Calibri"/>
+              <a:cs typeface="Calibri"/>
+              <a:sym typeface="Calibri"/>
+            </a:endParaRPr>
+          </a:p>
+        </p:txBody>
+      </p:sp>
+      <p:sp>
+        <p:nvSpPr>
+          <p:cNvPr id="134" name="Google Shape;134;p19"/>
+          <p:cNvSpPr/>
+          <p:nvPr/>
+        </p:nvSpPr>
+        <p:spPr>
+          <a:xfrm>
+            <a:off x="552375" y="5567075"/>
+            <a:ext cx="5147700" cy="195300"/>
+          </a:xfrm>
+          <a:prstGeom prst="rect">
+            <a:avLst/>
+          </a:prstGeom>
+          <a:noFill/>
+          <a:ln cap="flat" cmpd="sng" w="9525">
+            <a:solidFill>
+              <a:srgbClr val="FF0000"/>
+            </a:solidFill>
+            <a:prstDash val="solid"/>
+            <a:round/>
+            <a:headEnd len="sm" w="sm" type="none"/>
+            <a:tailEnd len="sm" w="sm" type="none"/>
+          </a:ln>
+        </p:spPr>
+        <p:txBody>
+          <a:bodyPr anchorCtr="0" anchor="ctr" bIns="91425" lIns="91425" spcFirstLastPara="1" rIns="91425" wrap="square" tIns="91425">
+            <a:noAutofit/>
+          </a:bodyPr>
+          <a:lstStyle/>
+          <a:p>
+            <a:pPr indent="0" lvl="0" marL="0" rtl="0" algn="ctr">
+              <a:spcBef>
+                <a:spcPts val="0"/>
+              </a:spcBef>
+              <a:spcAft>
+                <a:spcPts val="0"/>
+              </a:spcAft>
+              <a:buNone/>
+            </a:pPr>
+            <a:r>
+              <a:t/>
+            </a:r>
+            <a:endParaRPr>
+              <a:latin typeface="Calibri"/>
+              <a:ea typeface="Calibri"/>
+              <a:cs typeface="Calibri"/>
+              <a:sym typeface="Calibri"/>
+            </a:endParaRPr>
+          </a:p>
+        </p:txBody>
+      </p:sp>
+      <p:sp>
+        <p:nvSpPr>
+          <p:cNvPr id="135" name="Google Shape;135;p19"/>
+          <p:cNvSpPr/>
+          <p:nvPr/>
+        </p:nvSpPr>
+        <p:spPr>
+          <a:xfrm>
+            <a:off x="552375" y="6206625"/>
+            <a:ext cx="4385400" cy="195300"/>
+          </a:xfrm>
+          <a:prstGeom prst="rect">
+            <a:avLst/>
+          </a:prstGeom>
+          <a:noFill/>
+          <a:ln cap="flat" cmpd="sng" w="9525">
+            <a:solidFill>
+              <a:srgbClr val="FF0000"/>
+            </a:solidFill>
+            <a:prstDash val="solid"/>
+            <a:round/>
+            <a:headEnd len="sm" w="sm" type="none"/>
+            <a:tailEnd len="sm" w="sm" type="none"/>
+          </a:ln>
+        </p:spPr>
+        <p:txBody>
+          <a:bodyPr anchorCtr="0" anchor="ctr" bIns="91425" lIns="91425" spcFirstLastPara="1" rIns="91425" wrap="square" tIns="91425">
+            <a:noAutofit/>
+          </a:bodyPr>
+          <a:lstStyle/>
+          <a:p>
+            <a:pPr indent="0" lvl="0" marL="0" rtl="0" algn="ctr">
+              <a:spcBef>
+                <a:spcPts val="0"/>
+              </a:spcBef>
+              <a:spcAft>
+                <a:spcPts val="0"/>
+              </a:spcAft>
+              <a:buNone/>
+            </a:pPr>
+            <a:r>
+              <a:t/>
+            </a:r>
+            <a:endParaRPr>
+              <a:latin typeface="Calibri"/>
+              <a:ea typeface="Calibri"/>
+              <a:cs typeface="Calibri"/>
+              <a:sym typeface="Calibri"/>
+            </a:endParaRPr>
+          </a:p>
+        </p:txBody>
+      </p:sp>
     </p:spTree>
   </p:cSld>
   <p:clrMapOvr>
@@ -20468,7 +21280,7 @@
     </p:bg>
     <p:spTree>
       <p:nvGrpSpPr>
-        <p:cNvPr id="134" name="Shape 134"/>
+        <p:cNvPr id="139" name="Shape 139"/>
         <p:cNvGrpSpPr/>
         <p:nvPr/>
       </p:nvGrpSpPr>
@@ -20482,14 +21294,14 @@
       </p:grpSpPr>
       <p:sp>
         <p:nvSpPr>
-          <p:cNvPr id="135" name="Google Shape;135;g29b15032e6a_0_35"/>
+          <p:cNvPr id="140" name="Google Shape;140;p20"/>
           <p:cNvSpPr txBox="1"/>
           <p:nvPr/>
         </p:nvSpPr>
         <p:spPr>
           <a:xfrm>
             <a:off x="714375" y="695325"/>
-            <a:ext cx="9548700" cy="585000"/>
+            <a:ext cx="10874100" cy="1139100"/>
           </a:xfrm>
           <a:prstGeom prst="rect">
             <a:avLst/>
@@ -20523,7 +21335,7 @@
               <a:buNone/>
             </a:pPr>
             <a:r>
-              <a:rPr b="1" lang="en-GB" sz="3200">
+              <a:rPr b="1" i="0" lang="en-GB" sz="3400" u="none" cap="none" strike="noStrike">
                 <a:solidFill>
                   <a:srgbClr val="292D33"/>
                 </a:solidFill>
@@ -20532,9 +21344,21 @@
                 <a:cs typeface="Lexend"/>
                 <a:sym typeface="Lexend"/>
               </a:rPr>
-              <a:t>Read-Only Repositories (AsNoTracking())</a:t>
+              <a:t>Read-Only Repositories</a:t>
             </a:r>
-            <a:endParaRPr b="1" i="0" sz="3200" u="none" cap="none" strike="noStrike">
+            <a:r>
+              <a:rPr b="1" lang="en-GB" sz="3400">
+                <a:solidFill>
+                  <a:srgbClr val="292D33"/>
+                </a:solidFill>
+                <a:latin typeface="Lexend"/>
+                <a:ea typeface="Lexend"/>
+                <a:cs typeface="Lexend"/>
+                <a:sym typeface="Lexend"/>
+              </a:rPr>
+              <a:t>: Don’t track changes by default</a:t>
+            </a:r>
+            <a:endParaRPr b="1" i="0" sz="3400" u="none" cap="none" strike="noStrike">
               <a:solidFill>
                 <a:srgbClr val="292D33"/>
               </a:solidFill>
@@ -20548,13 +21372,13 @@
       </p:sp>
       <p:sp>
         <p:nvSpPr>
-          <p:cNvPr id="136" name="Google Shape;136;g29b15032e6a_0_35"/>
+          <p:cNvPr id="141" name="Google Shape;141;p20"/>
           <p:cNvSpPr txBox="1"/>
           <p:nvPr/>
         </p:nvSpPr>
         <p:spPr>
           <a:xfrm>
-            <a:off x="7318300" y="2068100"/>
+            <a:off x="7318300" y="2906300"/>
             <a:ext cx="4270200" cy="2185800"/>
           </a:xfrm>
           <a:prstGeom prst="rect">
@@ -20589,7 +21413,7 @@
               <a:buNone/>
             </a:pPr>
             <a:r>
-              <a:rPr lang="en-GB" sz="1600">
+              <a:rPr b="0" i="0" lang="en-GB" sz="1600" u="none" cap="none" strike="noStrike">
                 <a:solidFill>
                   <a:srgbClr val="5B636F"/>
                 </a:solidFill>
@@ -20601,7 +21425,7 @@
               <a:t>In this version, ABP Framework provides read-only repository interfaces (</a:t>
             </a:r>
             <a:r>
-              <a:rPr b="1" lang="en-GB" sz="1200">
+              <a:rPr b="1" i="0" lang="en-GB" sz="1200" u="none" cap="none" strike="noStrike">
                 <a:solidFill>
                   <a:srgbClr val="5B636F"/>
                 </a:solidFill>
@@ -20613,7 +21437,7 @@
               <a:t>IReadOnlyRepository&lt;T&gt;</a:t>
             </a:r>
             <a:r>
-              <a:rPr lang="en-GB" sz="1600">
+              <a:rPr b="0" i="0" lang="en-GB" sz="1600" u="none" cap="none" strike="noStrike">
                 <a:solidFill>
                   <a:srgbClr val="5B636F"/>
                 </a:solidFill>
@@ -20625,7 +21449,7 @@
               <a:t> or </a:t>
             </a:r>
             <a:r>
-              <a:rPr b="1" lang="en-GB" sz="1200">
+              <a:rPr b="1" i="0" lang="en-GB" sz="1200" u="none" cap="none" strike="noStrike">
                 <a:solidFill>
                   <a:srgbClr val="5B636F"/>
                 </a:solidFill>
@@ -20637,7 +21461,7 @@
               <a:t>IReadOnlyBasicRepository&lt;T&gt;</a:t>
             </a:r>
             <a:r>
-              <a:rPr lang="en-GB" sz="1600">
+              <a:rPr b="0" i="0" lang="en-GB" sz="1600" u="none" cap="none" strike="noStrike">
                 <a:solidFill>
                   <a:srgbClr val="5B636F"/>
                 </a:solidFill>
@@ -20648,7 +21472,7 @@
               </a:rPr>
               <a:t>) to explicitly indicate that your purpose is to query data, but not change it.</a:t>
             </a:r>
-            <a:endParaRPr sz="1600">
+            <a:endParaRPr b="0" i="0" sz="1600" u="none" cap="none" strike="noStrike">
               <a:solidFill>
                 <a:srgbClr val="5B636F"/>
               </a:solidFill>
@@ -20662,21 +21486,20 @@
       </p:sp>
       <p:pic>
         <p:nvPicPr>
-          <p:cNvPr id="137" name="Google Shape;137;g29b15032e6a_0_35"/>
+          <p:cNvPr id="142" name="Google Shape;142;p20"/>
           <p:cNvPicPr preferRelativeResize="0"/>
           <p:nvPr/>
         </p:nvPicPr>
-        <p:blipFill>
+        <p:blipFill rotWithShape="1">
           <a:blip r:embed="rId4">
             <a:alphaModFix/>
           </a:blip>
-          <a:stretch>
-            <a:fillRect/>
-          </a:stretch>
+          <a:srcRect b="0" l="0" r="0" t="0"/>
+          <a:stretch/>
         </p:blipFill>
         <p:spPr>
           <a:xfrm>
-            <a:off x="842774" y="1493886"/>
+            <a:off x="842774" y="2332086"/>
             <a:ext cx="6163300" cy="3364125"/>
           </a:xfrm>
           <a:prstGeom prst="rect">
@@ -20688,125 +21511,6 @@
           </a:ln>
         </p:spPr>
       </p:pic>
-      <p:sp>
-        <p:nvSpPr>
-          <p:cNvPr id="138" name="Google Shape;138;g29b15032e6a_0_35"/>
-          <p:cNvSpPr txBox="1"/>
-          <p:nvPr/>
-        </p:nvSpPr>
-        <p:spPr>
-          <a:xfrm>
-            <a:off x="766575" y="5098225"/>
-            <a:ext cx="9165300" cy="1077300"/>
-          </a:xfrm>
-          <a:prstGeom prst="rect">
-            <a:avLst/>
-          </a:prstGeom>
-          <a:noFill/>
-          <a:ln>
-            <a:noFill/>
-          </a:ln>
-        </p:spPr>
-        <p:txBody>
-          <a:bodyPr anchorCtr="0" anchor="t" bIns="45700" lIns="91425" spcFirstLastPara="1" rIns="91425" wrap="square" tIns="45700">
-            <a:spAutoFit/>
-          </a:bodyPr>
-          <a:lstStyle/>
-          <a:p>
-            <a:pPr indent="0" lvl="0" marL="0" marR="0" rtl="0" algn="l">
-              <a:lnSpc>
-                <a:spcPct val="150000"/>
-              </a:lnSpc>
-              <a:spcBef>
-                <a:spcPts val="0"/>
-              </a:spcBef>
-              <a:spcAft>
-                <a:spcPts val="0"/>
-              </a:spcAft>
-              <a:buClr>
-                <a:srgbClr val="000000"/>
-              </a:buClr>
-              <a:buSzPts val="1800"/>
-              <a:buFont typeface="Arial"/>
-              <a:buNone/>
-            </a:pPr>
-            <a:r>
-              <a:rPr lang="en-GB" sz="1600">
-                <a:solidFill>
-                  <a:srgbClr val="5B636F"/>
-                </a:solidFill>
-                <a:latin typeface="Poppins"/>
-                <a:ea typeface="Poppins"/>
-                <a:cs typeface="Poppins"/>
-                <a:sym typeface="Poppins"/>
-              </a:rPr>
-              <a:t>Entity Framework Core read-only repository implementation uses</a:t>
-            </a:r>
-            <a:r>
-              <a:rPr lang="en-GB" sz="1600">
-                <a:solidFill>
-                  <a:srgbClr val="5B636F"/>
-                </a:solidFill>
-                <a:uFill>
-                  <a:noFill/>
-                </a:uFill>
-                <a:latin typeface="Poppins"/>
-                <a:ea typeface="Poppins"/>
-                <a:cs typeface="Poppins"/>
-                <a:sym typeface="Poppins"/>
-                <a:hlinkClick r:id="rId5">
-                  <a:extLst>
-                    <a:ext uri="{A12FA001-AC4F-418D-AE19-62706E023703}">
-                      <ahyp:hlinkClr val="tx"/>
-                    </a:ext>
-                  </a:extLst>
-                </a:hlinkClick>
-              </a:rPr>
-              <a:t> </a:t>
-            </a:r>
-            <a:r>
-              <a:rPr lang="en-GB" sz="1600" u="sng">
-                <a:solidFill>
-                  <a:srgbClr val="0563C1"/>
-                </a:solidFill>
-                <a:latin typeface="Poppins"/>
-                <a:ea typeface="Poppins"/>
-                <a:cs typeface="Poppins"/>
-                <a:sym typeface="Poppins"/>
-                <a:hlinkClick r:id="rId6">
-                  <a:extLst>
-                    <a:ext uri="{A12FA001-AC4F-418D-AE19-62706E023703}">
-                      <ahyp:hlinkClr val="tx"/>
-                    </a:ext>
-                  </a:extLst>
-                </a:hlinkClick>
-              </a:rPr>
-              <a:t>EF Core’s No-Tracking</a:t>
-            </a:r>
-            <a:r>
-              <a:rPr lang="en-GB" sz="1600">
-                <a:solidFill>
-                  <a:srgbClr val="5B636F"/>
-                </a:solidFill>
-                <a:latin typeface="Poppins"/>
-                <a:ea typeface="Poppins"/>
-                <a:cs typeface="Poppins"/>
-                <a:sym typeface="Poppins"/>
-              </a:rPr>
-              <a:t> feature and that means the entities returned from the repository will not be tracked by the EF Core change tracker and this makes significant performance improvements.</a:t>
-            </a:r>
-            <a:endParaRPr sz="1600">
-              <a:solidFill>
-                <a:srgbClr val="5B636F"/>
-              </a:solidFill>
-              <a:latin typeface="Poppins"/>
-              <a:ea typeface="Poppins"/>
-              <a:cs typeface="Poppins"/>
-              <a:sym typeface="Poppins"/>
-            </a:endParaRPr>
-          </a:p>
-        </p:txBody>
-      </p:sp>
     </p:spTree>
   </p:cSld>
   <p:clrMapOvr>
@@ -20832,7 +21536,7 @@
     </p:bg>
     <p:spTree>
       <p:nvGrpSpPr>
-        <p:cNvPr id="142" name="Shape 142"/>
+        <p:cNvPr id="146" name="Shape 146"/>
         <p:cNvGrpSpPr/>
         <p:nvPr/>
       </p:nvGrpSpPr>
@@ -20846,14 +21550,14 @@
       </p:grpSpPr>
       <p:sp>
         <p:nvSpPr>
-          <p:cNvPr id="143" name="Google Shape;143;g29b15032e6a_0_52"/>
+          <p:cNvPr id="147" name="Google Shape;147;p21"/>
           <p:cNvSpPr txBox="1"/>
           <p:nvPr/>
         </p:nvSpPr>
         <p:spPr>
           <a:xfrm>
             <a:off x="714375" y="695325"/>
-            <a:ext cx="9548700" cy="585000"/>
+            <a:ext cx="10891800" cy="585000"/>
           </a:xfrm>
           <a:prstGeom prst="rect">
             <a:avLst/>
@@ -20896,7 +21600,7 @@
                 <a:cs typeface="Lexend"/>
                 <a:sym typeface="Lexend"/>
               </a:rPr>
-              <a:t>New Features for Account Module</a:t>
+              <a:t>Account Module: Set username after social login</a:t>
             </a:r>
             <a:endParaRPr b="1" i="0" sz="3200" u="none" cap="none" strike="noStrike">
               <a:solidFill>
@@ -20910,200 +21614,23 @@
           </a:p>
         </p:txBody>
       </p:sp>
-      <p:sp>
-        <p:nvSpPr>
-          <p:cNvPr id="144" name="Google Shape;144;g29b15032e6a_0_52"/>
-          <p:cNvSpPr txBox="1"/>
-          <p:nvPr/>
-        </p:nvSpPr>
-        <p:spPr>
-          <a:xfrm>
-            <a:off x="550700" y="1488513"/>
-            <a:ext cx="5233200" cy="338700"/>
-          </a:xfrm>
-          <a:prstGeom prst="rect">
-            <a:avLst/>
-          </a:prstGeom>
-          <a:noFill/>
-          <a:ln>
-            <a:noFill/>
-          </a:ln>
-        </p:spPr>
-        <p:txBody>
-          <a:bodyPr anchorCtr="0" anchor="t" bIns="45700" lIns="91425" spcFirstLastPara="1" rIns="91425" wrap="square" tIns="45700">
-            <a:spAutoFit/>
-          </a:bodyPr>
-          <a:lstStyle/>
-          <a:p>
-            <a:pPr indent="0" lvl="0" marL="0" marR="0" rtl="0" algn="l">
-              <a:lnSpc>
-                <a:spcPct val="150000"/>
-              </a:lnSpc>
-              <a:spcBef>
-                <a:spcPts val="0"/>
-              </a:spcBef>
-              <a:spcAft>
-                <a:spcPts val="0"/>
-              </a:spcAft>
-              <a:buNone/>
-            </a:pPr>
-            <a:r>
-              <a:rPr b="1" lang="en-GB" sz="1600">
-                <a:solidFill>
-                  <a:srgbClr val="5B636F"/>
-                </a:solidFill>
-                <a:latin typeface="Poppins"/>
-                <a:ea typeface="Poppins"/>
-                <a:cs typeface="Poppins"/>
-                <a:sym typeface="Poppins"/>
-              </a:rPr>
-              <a:t>Allowing to set username on social registration</a:t>
-            </a:r>
-            <a:endParaRPr b="1" sz="1800">
-              <a:solidFill>
-                <a:srgbClr val="5B636F"/>
-              </a:solidFill>
-              <a:latin typeface="Poppins"/>
-              <a:ea typeface="Poppins"/>
-              <a:cs typeface="Poppins"/>
-              <a:sym typeface="Poppins"/>
-            </a:endParaRPr>
-          </a:p>
-        </p:txBody>
-      </p:sp>
-      <p:sp>
-        <p:nvSpPr>
-          <p:cNvPr id="145" name="Google Shape;145;g29b15032e6a_0_52"/>
-          <p:cNvSpPr txBox="1"/>
-          <p:nvPr/>
-        </p:nvSpPr>
-        <p:spPr>
-          <a:xfrm>
-            <a:off x="6263350" y="1453075"/>
-            <a:ext cx="5503500" cy="338700"/>
-          </a:xfrm>
-          <a:prstGeom prst="rect">
-            <a:avLst/>
-          </a:prstGeom>
-          <a:noFill/>
-          <a:ln>
-            <a:noFill/>
-          </a:ln>
-        </p:spPr>
-        <p:txBody>
-          <a:bodyPr anchorCtr="0" anchor="t" bIns="45700" lIns="91425" spcFirstLastPara="1" rIns="91425" wrap="square" tIns="45700">
-            <a:spAutoFit/>
-          </a:bodyPr>
-          <a:lstStyle/>
-          <a:p>
-            <a:pPr indent="0" lvl="0" marL="0" marR="0" rtl="0" algn="l">
-              <a:lnSpc>
-                <a:spcPct val="150000"/>
-              </a:lnSpc>
-              <a:spcBef>
-                <a:spcPts val="0"/>
-              </a:spcBef>
-              <a:spcAft>
-                <a:spcPts val="0"/>
-              </a:spcAft>
-              <a:buNone/>
-            </a:pPr>
-            <a:r>
-              <a:rPr b="1" lang="en-GB" sz="1600">
-                <a:solidFill>
-                  <a:srgbClr val="5B636F"/>
-                </a:solidFill>
-                <a:latin typeface="Poppins"/>
-                <a:ea typeface="Poppins"/>
-                <a:cs typeface="Poppins"/>
-                <a:sym typeface="Poppins"/>
-              </a:rPr>
-              <a:t>Adding “register with” option (social registration)</a:t>
-            </a:r>
-            <a:endParaRPr b="1" sz="1600">
-              <a:solidFill>
-                <a:srgbClr val="5B636F"/>
-              </a:solidFill>
-              <a:latin typeface="Poppins"/>
-              <a:ea typeface="Poppins"/>
-              <a:cs typeface="Poppins"/>
-              <a:sym typeface="Poppins"/>
-            </a:endParaRPr>
-          </a:p>
-        </p:txBody>
-      </p:sp>
-      <p:cxnSp>
-        <p:nvCxnSpPr>
-          <p:cNvPr id="146" name="Google Shape;146;g29b15032e6a_0_52"/>
-          <p:cNvCxnSpPr/>
-          <p:nvPr/>
-        </p:nvCxnSpPr>
-        <p:spPr>
-          <a:xfrm>
-            <a:off x="6023625" y="1470750"/>
-            <a:ext cx="0" cy="4971600"/>
-          </a:xfrm>
-          <a:prstGeom prst="straightConnector1">
-            <a:avLst/>
-          </a:prstGeom>
-          <a:noFill/>
-          <a:ln cap="flat" cmpd="sng" w="9525">
-            <a:solidFill>
-              <a:schemeClr val="dk2"/>
-            </a:solidFill>
-            <a:prstDash val="solid"/>
-            <a:round/>
-            <a:headEnd len="med" w="med" type="none"/>
-            <a:tailEnd len="med" w="med" type="none"/>
-          </a:ln>
-        </p:spPr>
-      </p:cxnSp>
       <p:pic>
         <p:nvPicPr>
-          <p:cNvPr id="147" name="Google Shape;147;g29b15032e6a_0_52"/>
+          <p:cNvPr id="148" name="Google Shape;148;p21"/>
           <p:cNvPicPr preferRelativeResize="0"/>
           <p:nvPr/>
         </p:nvPicPr>
-        <p:blipFill>
+        <p:blipFill rotWithShape="1">
           <a:blip r:embed="rId4">
             <a:alphaModFix/>
           </a:blip>
-          <a:stretch>
-            <a:fillRect/>
-          </a:stretch>
+          <a:srcRect b="0" l="0" r="0" t="0"/>
+          <a:stretch/>
         </p:blipFill>
         <p:spPr>
           <a:xfrm>
-            <a:off x="1193125" y="2035400"/>
-            <a:ext cx="3731299" cy="4414948"/>
-          </a:xfrm>
-          <a:prstGeom prst="rect">
-            <a:avLst/>
-          </a:prstGeom>
-          <a:noFill/>
-          <a:ln>
-            <a:noFill/>
-          </a:ln>
-        </p:spPr>
-      </p:pic>
-      <p:pic>
-        <p:nvPicPr>
-          <p:cNvPr id="148" name="Google Shape;148;g29b15032e6a_0_52"/>
-          <p:cNvPicPr preferRelativeResize="0"/>
-          <p:nvPr/>
-        </p:nvPicPr>
-        <p:blipFill>
-          <a:blip r:embed="rId5">
-            <a:alphaModFix/>
-          </a:blip>
-          <a:stretch>
-            <a:fillRect/>
-          </a:stretch>
-        </p:blipFill>
-        <p:spPr>
-          <a:xfrm>
-            <a:off x="6460700" y="2054338"/>
-            <a:ext cx="3300501" cy="3804426"/>
+            <a:off x="4062100" y="1485750"/>
+            <a:ext cx="4067799" cy="4813101"/>
           </a:xfrm>
           <a:prstGeom prst="rect">
             <a:avLst/>

--- a/ABP/Community-Talks-2023.8/Community-Talks-2023.8.pptx
+++ b/ABP/Community-Talks-2023.8/Community-Talks-2023.8.pptx
@@ -20,22 +20,21 @@
     <p:sldId id="265" r:id="rId14"/>
     <p:sldId id="266" r:id="rId15"/>
     <p:sldId id="267" r:id="rId16"/>
-    <p:sldId id="268" r:id="rId17"/>
   </p:sldIdLst>
   <p:sldSz cy="6858000" cx="12192000"/>
   <p:notesSz cx="6858000" cy="9144000"/>
   <p:embeddedFontLst>
     <p:embeddedFont>
       <p:font typeface="Poppins"/>
-      <p:regular r:id="rId18"/>
-      <p:bold r:id="rId19"/>
-      <p:italic r:id="rId20"/>
-      <p:boldItalic r:id="rId21"/>
+      <p:regular r:id="rId17"/>
+      <p:bold r:id="rId18"/>
+      <p:italic r:id="rId19"/>
+      <p:boldItalic r:id="rId20"/>
     </p:embeddedFont>
     <p:embeddedFont>
       <p:font typeface="Lexend"/>
-      <p:regular r:id="rId22"/>
-      <p:bold r:id="rId23"/>
+      <p:regular r:id="rId21"/>
+      <p:bold r:id="rId22"/>
     </p:embeddedFont>
   </p:embeddedFontLst>
   <p:defaultTextStyle>
@@ -1283,7 +1282,7 @@
                 <a:cs typeface="Poppins"/>
                 <a:sym typeface="Poppins"/>
               </a:rPr>
-              <a:t>ABP Suite allows you to create a master-detail relationship with a few clicks. It generates the necessary code for the master and detail tables, including the foreign key relationship between the two tables. It was one of the most wanted features and we are introducing it with ABP Commercial v8.0.</a:t>
+              <a:t>ABP Suite allows you to create a master-detail relationship with a few clicks. It generates the necessary code for the master and detail tables, including the foreign key relationship between the two tables. </a:t>
             </a:r>
             <a:endParaRPr sz="1500">
               <a:solidFill>
@@ -1395,123 +1394,6 @@
           <a:xfrm>
             <a:off x="381000" y="685800"/>
             <a:ext cx="6096000" cy="3429000"/>
-          </a:xfrm>
-          <a:custGeom>
-            <a:rect b="b" l="l" r="r" t="t"/>
-            <a:pathLst>
-              <a:path extrusionOk="0" h="120000" w="120000">
-                <a:moveTo>
-                  <a:pt x="0" y="0"/>
-                </a:moveTo>
-                <a:lnTo>
-                  <a:pt x="120000" y="0"/>
-                </a:lnTo>
-                <a:lnTo>
-                  <a:pt x="120000" y="120000"/>
-                </a:lnTo>
-                <a:lnTo>
-                  <a:pt x="0" y="120000"/>
-                </a:lnTo>
-                <a:close/>
-              </a:path>
-            </a:pathLst>
-          </a:custGeom>
-          <a:noFill/>
-          <a:ln cap="flat" cmpd="sng" w="9525">
-            <a:solidFill>
-              <a:srgbClr val="000000"/>
-            </a:solidFill>
-            <a:prstDash val="solid"/>
-            <a:round/>
-            <a:headEnd len="sm" w="sm" type="none"/>
-            <a:tailEnd len="sm" w="sm" type="none"/>
-          </a:ln>
-        </p:spPr>
-      </p:sp>
-    </p:spTree>
-  </p:cSld>
-  <p:clrMapOvr>
-    <a:masterClrMapping/>
-  </p:clrMapOvr>
-</p:notes>
-</file>
-
-<file path=ppt/notesSlides/notesSlide13.xml><?xml version="1.0" encoding="utf-8"?>
-<p:notes xmlns:a="http://schemas.openxmlformats.org/drawingml/2006/main" xmlns:r="http://schemas.openxmlformats.org/officeDocument/2006/relationships" xmlns:mc="http://schemas.openxmlformats.org/markup-compatibility/2006" xmlns:mv="urn:schemas-microsoft-com:mac:vml" xmlns:p="http://schemas.openxmlformats.org/presentationml/2006/main" xmlns:c="http://schemas.openxmlformats.org/drawingml/2006/chart" xmlns:dgm="http://schemas.openxmlformats.org/drawingml/2006/diagram" xmlns:o="urn:schemas-microsoft-com:office:office" xmlns:v="urn:schemas-microsoft-com:vml" xmlns:pvml="urn:schemas-microsoft-com:office:powerpoint" xmlns:com="http://schemas.openxmlformats.org/drawingml/2006/compatibility" xmlns:p14="http://schemas.microsoft.com/office/powerpoint/2010/main" xmlns:p15="http://schemas.microsoft.com/office/powerpoint/2012/main" xmlns:ahyp="http://schemas.microsoft.com/office/drawing/2018/hyperlinkcolor" showMasterPhAnim="0" showMasterSp="0">
-  <p:cSld>
-    <p:spTree>
-      <p:nvGrpSpPr>
-        <p:cNvPr id="170" name="Shape 170"/>
-        <p:cNvGrpSpPr/>
-        <p:nvPr/>
-      </p:nvGrpSpPr>
-      <p:grpSpPr>
-        <a:xfrm>
-          <a:off x="0" y="0"/>
-          <a:ext cx="0" cy="0"/>
-          <a:chOff x="0" y="0"/>
-          <a:chExt cx="0" cy="0"/>
-        </a:xfrm>
-      </p:grpSpPr>
-      <p:sp>
-        <p:nvSpPr>
-          <p:cNvPr id="171" name="Google Shape;171;p13:notes"/>
-          <p:cNvSpPr txBox="1"/>
-          <p:nvPr>
-            <p:ph idx="1" type="body"/>
-          </p:nvPr>
-        </p:nvSpPr>
-        <p:spPr>
-          <a:xfrm>
-            <a:off x="685800" y="4343400"/>
-            <a:ext cx="5486400" cy="4114800"/>
-          </a:xfrm>
-          <a:prstGeom prst="rect">
-            <a:avLst/>
-          </a:prstGeom>
-          <a:noFill/>
-          <a:ln>
-            <a:noFill/>
-          </a:ln>
-        </p:spPr>
-        <p:txBody>
-          <a:bodyPr anchorCtr="0" anchor="t" bIns="91425" lIns="91425" spcFirstLastPara="1" rIns="91425" wrap="square" tIns="91425">
-            <a:noAutofit/>
-          </a:bodyPr>
-          <a:lstStyle/>
-          <a:p>
-            <a:pPr indent="0" lvl="0" marL="0" rtl="0" algn="l">
-              <a:lnSpc>
-                <a:spcPct val="100000"/>
-              </a:lnSpc>
-              <a:spcBef>
-                <a:spcPts val="0"/>
-              </a:spcBef>
-              <a:spcAft>
-                <a:spcPts val="0"/>
-              </a:spcAft>
-              <a:buSzPts val="1100"/>
-              <a:buNone/>
-            </a:pPr>
-            <a:r>
-              <a:t/>
-            </a:r>
-            <a:endParaRPr/>
-          </a:p>
-        </p:txBody>
-      </p:sp>
-      <p:sp>
-        <p:nvSpPr>
-          <p:cNvPr id="172" name="Google Shape;172;p13:notes"/>
-          <p:cNvSpPr/>
-          <p:nvPr>
-            <p:ph idx="2" type="sldImg"/>
-          </p:nvPr>
-        </p:nvSpPr>
-        <p:spPr>
-          <a:xfrm>
-            <a:off x="1143225" y="685800"/>
-            <a:ext cx="4572225" cy="3429000"/>
           </a:xfrm>
           <a:custGeom>
             <a:rect b="b" l="l" r="r" t="t"/>
@@ -1624,7 +1506,7 @@
                 <a:cs typeface="Poppins"/>
                 <a:sym typeface="Poppins"/>
               </a:rPr>
-              <a:t>Today, I will some important features that came with ABP Framework 8.0. If you want to learn more, you can check the blog post.</a:t>
+              <a:t>Today, I will highlight some important features that came with ABP Framework 8.0. If you want to learn more, you can check the blog post.</a:t>
             </a:r>
             <a:endParaRPr>
               <a:solidFill>
@@ -2582,7 +2464,7 @@
                 <a:cs typeface="Poppins"/>
                 <a:sym typeface="Poppins"/>
               </a:rPr>
-              <a:t>EF Core read-only repository implementation uses EF Core’s No-Tracking Feature and that means the entities returned from the repository will not be tracked by the EF Core change tracker and this makes significant performance improvements.</a:t>
+              <a:t>It uses EF Core’s No-Tracking Feature behind the scenes, which means the entities returned from the repository will not be tracked by the EF Core’s change tracker and thanks to that you get significant performance gains.</a:t>
             </a:r>
             <a:endParaRPr/>
           </a:p>
@@ -2708,7 +2590,7 @@
                 <a:cs typeface="Poppins"/>
                 <a:sym typeface="Poppins"/>
               </a:rPr>
-              <a:t>Prior to this version, when you register with your social accounts in the first time, your email address was becoming your username and it was shown everywhere in the application. So, you would need to update your username later on. </a:t>
+              <a:t>Prior to this version, when you registered with your social accounts for the first time, your email address was becoming your username and it was shown everywhere in the application. So, you would need to update your username later on and this is not a good user experience.</a:t>
             </a:r>
             <a:endParaRPr sz="1800">
               <a:solidFill>
@@ -2771,7 +2653,70 @@
                 <a:cs typeface="Poppins"/>
                 <a:sym typeface="Poppins"/>
               </a:rPr>
-              <a:t>With this version now, whenever you register as an external user, a username and email address shown you in a form for you to revise and update them if you need, before login into the application. Thanks to that, after the social registration you would not need to update your username and email address. This is also good at the point of GDPR regulations because your email address will not be shown as username and will not be exposed.</a:t>
+              <a:t>Thus, in this version, we have enhanced this flow, and now, when you register as an external user for the first time, a username and email address are shown you in a form for you to revise and update if you want, before logging into the application. Thanks to that, after the social registration you would not need to update your username and email address. This is also good at the point of GDPR regulations because your email address will not be shown as a username and will not exposed. </a:t>
+            </a:r>
+            <a:endParaRPr sz="1800">
+              <a:solidFill>
+                <a:srgbClr val="5B636F"/>
+              </a:solidFill>
+              <a:latin typeface="Poppins"/>
+              <a:ea typeface="Poppins"/>
+              <a:cs typeface="Poppins"/>
+              <a:sym typeface="Poppins"/>
+            </a:endParaRPr>
+          </a:p>
+          <a:p>
+            <a:pPr indent="0" lvl="0" marL="0" rtl="0" algn="l">
+              <a:lnSpc>
+                <a:spcPct val="150000"/>
+              </a:lnSpc>
+              <a:spcBef>
+                <a:spcPts val="0"/>
+              </a:spcBef>
+              <a:spcAft>
+                <a:spcPts val="0"/>
+              </a:spcAft>
+              <a:buSzPts val="1100"/>
+              <a:buNone/>
+            </a:pPr>
+            <a:r>
+              <a:t/>
+            </a:r>
+            <a:endParaRPr sz="1800">
+              <a:solidFill>
+                <a:srgbClr val="5B636F"/>
+              </a:solidFill>
+              <a:latin typeface="Poppins"/>
+              <a:ea typeface="Poppins"/>
+              <a:cs typeface="Poppins"/>
+              <a:sym typeface="Poppins"/>
+            </a:endParaRPr>
+          </a:p>
+          <a:p>
+            <a:pPr indent="0" lvl="0" marL="0" rtl="0" algn="l">
+              <a:lnSpc>
+                <a:spcPct val="150000"/>
+              </a:lnSpc>
+              <a:spcBef>
+                <a:spcPts val="0"/>
+              </a:spcBef>
+              <a:spcAft>
+                <a:spcPts val="0"/>
+              </a:spcAft>
+              <a:buSzPts val="1100"/>
+              <a:buNone/>
+            </a:pPr>
+            <a:r>
+              <a:rPr lang="en-GB" sz="1800">
+                <a:solidFill>
+                  <a:srgbClr val="5B636F"/>
+                </a:solidFill>
+                <a:latin typeface="Poppins"/>
+                <a:ea typeface="Poppins"/>
+                <a:cs typeface="Poppins"/>
+                <a:sym typeface="Poppins"/>
+              </a:rPr>
+              <a:t>With this version now, when you register as an external user, a username and email address shown you in a form for you to revise and update them if you need, before login into the application. Thanks to that, after the social registration you would not need to update your username and email address. This is also good at the point of GDPR regulations because your email address will not be shown as username and will not be exposed.</a:t>
             </a:r>
             <a:endParaRPr sz="1800">
               <a:solidFill>
@@ -17098,7 +17043,31 @@
                 <a:cs typeface="Poppins"/>
                 <a:sym typeface="Poppins"/>
               </a:rPr>
-              <a:t>Suite: Generating </a:t>
+              <a:t>Suite: </a:t>
+            </a:r>
+            <a:r>
+              <a:rPr lang="en-GB" sz="2300">
+                <a:solidFill>
+                  <a:srgbClr val="5B636F"/>
+                </a:solidFill>
+                <a:latin typeface="Poppins"/>
+                <a:ea typeface="Poppins"/>
+                <a:cs typeface="Poppins"/>
+                <a:sym typeface="Poppins"/>
+              </a:rPr>
+              <a:t>Creating</a:t>
+            </a:r>
+            <a:r>
+              <a:rPr b="0" i="0" lang="en-GB" sz="2300" u="none" cap="none" strike="noStrike">
+                <a:solidFill>
+                  <a:srgbClr val="5B636F"/>
+                </a:solidFill>
+                <a:latin typeface="Poppins"/>
+                <a:ea typeface="Poppins"/>
+                <a:cs typeface="Poppins"/>
+                <a:sym typeface="Poppins"/>
+              </a:rPr>
+              <a:t> </a:t>
             </a:r>
             <a:r>
               <a:rPr b="1" i="0" lang="en-GB" sz="2300" u="none" cap="none" strike="noStrike">
@@ -17797,7 +17766,31 @@
                 <a:cs typeface="Lexend"/>
                 <a:sym typeface="Lexend"/>
               </a:rPr>
-              <a:t>Suite: Generating Master/Detail </a:t>
+              <a:t>Suite: </a:t>
+            </a:r>
+            <a:r>
+              <a:rPr b="1" lang="en-GB" sz="3200">
+                <a:solidFill>
+                  <a:srgbClr val="292D33"/>
+                </a:solidFill>
+                <a:latin typeface="Lexend"/>
+                <a:ea typeface="Lexend"/>
+                <a:cs typeface="Lexend"/>
+                <a:sym typeface="Lexend"/>
+              </a:rPr>
+              <a:t>Creating</a:t>
+            </a:r>
+            <a:r>
+              <a:rPr b="1" i="0" lang="en-GB" sz="3200" u="none" cap="none" strike="noStrike">
+                <a:solidFill>
+                  <a:srgbClr val="292D33"/>
+                </a:solidFill>
+                <a:latin typeface="Lexend"/>
+                <a:ea typeface="Lexend"/>
+                <a:cs typeface="Lexend"/>
+                <a:sym typeface="Lexend"/>
+              </a:rPr>
+              <a:t> Master/Detail </a:t>
             </a:r>
             <a:r>
               <a:rPr b="1" lang="en-GB" sz="3200">
@@ -17955,203 +17948,6 @@
               <a:ea typeface="Calibri"/>
               <a:cs typeface="Calibri"/>
               <a:sym typeface="Calibri"/>
-            </a:endParaRPr>
-          </a:p>
-        </p:txBody>
-      </p:sp>
-    </p:spTree>
-  </p:cSld>
-  <p:clrMapOvr>
-    <a:masterClrMapping/>
-  </p:clrMapOvr>
-</p:sld>
-</file>
-
-<file path=ppt/slides/slide13.xml><?xml version="1.0" encoding="utf-8"?>
-<p:sld xmlns:a="http://schemas.openxmlformats.org/drawingml/2006/main" xmlns:r="http://schemas.openxmlformats.org/officeDocument/2006/relationships" xmlns:mc="http://schemas.openxmlformats.org/markup-compatibility/2006" xmlns:mv="urn:schemas-microsoft-com:mac:vml" xmlns:p="http://schemas.openxmlformats.org/presentationml/2006/main" xmlns:c="http://schemas.openxmlformats.org/drawingml/2006/chart" xmlns:dgm="http://schemas.openxmlformats.org/drawingml/2006/diagram" xmlns:o="urn:schemas-microsoft-com:office:office" xmlns:v="urn:schemas-microsoft-com:vml" xmlns:pvml="urn:schemas-microsoft-com:office:powerpoint" xmlns:com="http://schemas.openxmlformats.org/drawingml/2006/compatibility" xmlns:p14="http://schemas.microsoft.com/office/powerpoint/2010/main" xmlns:p15="http://schemas.microsoft.com/office/powerpoint/2012/main" xmlns:ahyp="http://schemas.microsoft.com/office/drawing/2018/hyperlinkcolor">
-  <p:cSld>
-    <p:bg>
-      <p:bgPr>
-        <a:blipFill>
-          <a:blip r:embed="rId3">
-            <a:alphaModFix/>
-          </a:blip>
-          <a:stretch>
-            <a:fillRect/>
-          </a:stretch>
-        </a:blipFill>
-      </p:bgPr>
-    </p:bg>
-    <p:spTree>
-      <p:nvGrpSpPr>
-        <p:cNvPr id="173" name="Shape 173"/>
-        <p:cNvGrpSpPr/>
-        <p:nvPr/>
-      </p:nvGrpSpPr>
-      <p:grpSpPr>
-        <a:xfrm>
-          <a:off x="0" y="0"/>
-          <a:ext cx="0" cy="0"/>
-          <a:chOff x="0" y="0"/>
-          <a:chExt cx="0" cy="0"/>
-        </a:xfrm>
-      </p:grpSpPr>
-      <p:pic>
-        <p:nvPicPr>
-          <p:cNvPr id="174" name="Google Shape;174;p25"/>
-          <p:cNvPicPr preferRelativeResize="0"/>
-          <p:nvPr/>
-        </p:nvPicPr>
-        <p:blipFill rotWithShape="1">
-          <a:blip r:embed="rId4">
-            <a:alphaModFix/>
-          </a:blip>
-          <a:srcRect b="0" l="0" r="0" t="0"/>
-          <a:stretch/>
-        </p:blipFill>
-        <p:spPr>
-          <a:xfrm>
-            <a:off x="2581556" y="1733550"/>
-            <a:ext cx="2309127" cy="3352800"/>
-          </a:xfrm>
-          <a:prstGeom prst="rect">
-            <a:avLst/>
-          </a:prstGeom>
-          <a:noFill/>
-          <a:ln>
-            <a:noFill/>
-          </a:ln>
-        </p:spPr>
-      </p:pic>
-      <p:pic>
-        <p:nvPicPr>
-          <p:cNvPr id="175" name="Google Shape;175;p25"/>
-          <p:cNvPicPr preferRelativeResize="0"/>
-          <p:nvPr/>
-        </p:nvPicPr>
-        <p:blipFill rotWithShape="1">
-          <a:blip r:embed="rId5">
-            <a:alphaModFix/>
-          </a:blip>
-          <a:srcRect b="0" l="0" r="0" t="0"/>
-          <a:stretch/>
-        </p:blipFill>
-        <p:spPr>
-          <a:xfrm>
-            <a:off x="5128478" y="4022808"/>
-            <a:ext cx="1745886" cy="621019"/>
-          </a:xfrm>
-          <a:prstGeom prst="rect">
-            <a:avLst/>
-          </a:prstGeom>
-          <a:noFill/>
-          <a:ln>
-            <a:noFill/>
-          </a:ln>
-        </p:spPr>
-      </p:pic>
-      <p:sp>
-        <p:nvSpPr>
-          <p:cNvPr id="176" name="Google Shape;176;p25"/>
-          <p:cNvSpPr txBox="1"/>
-          <p:nvPr/>
-        </p:nvSpPr>
-        <p:spPr>
-          <a:xfrm>
-            <a:off x="4992441" y="2003724"/>
-            <a:ext cx="4993800" cy="1815900"/>
-          </a:xfrm>
-          <a:prstGeom prst="rect">
-            <a:avLst/>
-          </a:prstGeom>
-          <a:noFill/>
-          <a:ln>
-            <a:noFill/>
-          </a:ln>
-        </p:spPr>
-        <p:txBody>
-          <a:bodyPr anchorCtr="0" anchor="t" bIns="45700" lIns="91425" spcFirstLastPara="1" rIns="91425" wrap="square" tIns="45700">
-            <a:spAutoFit/>
-          </a:bodyPr>
-          <a:lstStyle/>
-          <a:p>
-            <a:pPr indent="0" lvl="0" marL="0" marR="0" rtl="0" algn="l">
-              <a:lnSpc>
-                <a:spcPct val="100000"/>
-              </a:lnSpc>
-              <a:spcBef>
-                <a:spcPts val="0"/>
-              </a:spcBef>
-              <a:spcAft>
-                <a:spcPts val="0"/>
-              </a:spcAft>
-              <a:buClr>
-                <a:srgbClr val="000000"/>
-              </a:buClr>
-              <a:buSzPts val="5600"/>
-              <a:buFont typeface="Arial"/>
-              <a:buNone/>
-            </a:pPr>
-            <a:r>
-              <a:rPr b="1" i="0" lang="en-GB" sz="5600" u="none" cap="none" strike="noStrike">
-                <a:solidFill>
-                  <a:srgbClr val="292D33"/>
-                </a:solidFill>
-                <a:latin typeface="Lexend"/>
-                <a:ea typeface="Lexend"/>
-                <a:cs typeface="Lexend"/>
-                <a:sym typeface="Lexend"/>
-              </a:rPr>
-              <a:t>THANKS FOR</a:t>
-            </a:r>
-            <a:endParaRPr b="0" i="0" sz="1400" u="none" cap="none" strike="noStrike">
-              <a:solidFill>
-                <a:srgbClr val="000000"/>
-              </a:solidFill>
-              <a:latin typeface="Arial"/>
-              <a:ea typeface="Arial"/>
-              <a:cs typeface="Arial"/>
-              <a:sym typeface="Arial"/>
-            </a:endParaRPr>
-          </a:p>
-          <a:p>
-            <a:pPr indent="0" lvl="0" marL="0" marR="0" rtl="0" algn="l">
-              <a:lnSpc>
-                <a:spcPct val="100000"/>
-              </a:lnSpc>
-              <a:spcBef>
-                <a:spcPts val="0"/>
-              </a:spcBef>
-              <a:spcAft>
-                <a:spcPts val="0"/>
-              </a:spcAft>
-              <a:buClr>
-                <a:srgbClr val="000000"/>
-              </a:buClr>
-              <a:buSzPts val="5600"/>
-              <a:buFont typeface="Arial"/>
-              <a:buNone/>
-            </a:pPr>
-            <a:r>
-              <a:rPr b="1" i="0" lang="en-GB" sz="5600" u="none" cap="none" strike="noStrike">
-                <a:solidFill>
-                  <a:srgbClr val="292D33"/>
-                </a:solidFill>
-                <a:latin typeface="Lexend"/>
-                <a:ea typeface="Lexend"/>
-                <a:cs typeface="Lexend"/>
-                <a:sym typeface="Lexend"/>
-              </a:rPr>
-              <a:t>WATCHING</a:t>
-            </a:r>
-            <a:endParaRPr b="1" i="0" sz="5600" u="none" cap="none" strike="noStrike">
-              <a:solidFill>
-                <a:srgbClr val="292D33"/>
-              </a:solidFill>
-              <a:latin typeface="Lexend"/>
-              <a:ea typeface="Lexend"/>
-              <a:cs typeface="Lexend"/>
-              <a:sym typeface="Lexend"/>
             </a:endParaRPr>
           </a:p>
         </p:txBody>
@@ -19672,7 +19468,7 @@
         <p:spPr>
           <a:xfrm>
             <a:off x="714375" y="1681675"/>
-            <a:ext cx="10491900" cy="4247400"/>
+            <a:ext cx="10491900" cy="4109700"/>
           </a:xfrm>
           <a:prstGeom prst="rect">
             <a:avLst/>
@@ -19751,7 +19547,31 @@
                 <a:cs typeface="Poppins"/>
                 <a:sym typeface="Poppins"/>
               </a:rPr>
-              <a:t>without need to re-login in each time.</a:t>
+              <a:t>without the need to re-login</a:t>
+            </a:r>
+            <a:r>
+              <a:rPr lang="en-GB" sz="1800">
+                <a:solidFill>
+                  <a:srgbClr val="5B636F"/>
+                </a:solidFill>
+                <a:latin typeface="Poppins"/>
+                <a:ea typeface="Poppins"/>
+                <a:cs typeface="Poppins"/>
+                <a:sym typeface="Poppins"/>
+              </a:rPr>
+              <a:t> </a:t>
+            </a:r>
+            <a:r>
+              <a:rPr b="0" i="0" lang="en-GB" sz="1800" u="none" cap="none" strike="noStrike">
+                <a:solidFill>
+                  <a:srgbClr val="5B636F"/>
+                </a:solidFill>
+                <a:latin typeface="Poppins"/>
+                <a:ea typeface="Poppins"/>
+                <a:cs typeface="Poppins"/>
+                <a:sym typeface="Poppins"/>
+              </a:rPr>
+              <a:t>each time.</a:t>
             </a:r>
             <a:endParaRPr/>
           </a:p>
@@ -19838,7 +19658,55 @@
                 <a:cs typeface="Poppins"/>
                 <a:sym typeface="Poppins"/>
               </a:rPr>
-              <a:t> feature is used to dynamically generate claims for the user in each request. This was needed because claims-based authentication is using in the ASP.NET Core, and because it stores the claims in the cookie or token, and they are being static, they don’t change until a next re-login. </a:t>
+              <a:t> feature is used to dynamically generate claims for the user in each request. This was needed because claims-based authentication is </a:t>
+            </a:r>
+            <a:r>
+              <a:rPr lang="en-GB" sz="1800">
+                <a:solidFill>
+                  <a:srgbClr val="5B636F"/>
+                </a:solidFill>
+                <a:latin typeface="Poppins"/>
+                <a:ea typeface="Poppins"/>
+                <a:cs typeface="Poppins"/>
+                <a:sym typeface="Poppins"/>
+              </a:rPr>
+              <a:t>used i</a:t>
+            </a:r>
+            <a:r>
+              <a:rPr b="0" i="0" lang="en-GB" sz="1800" u="none" cap="none" strike="noStrike">
+                <a:solidFill>
+                  <a:srgbClr val="5B636F"/>
+                </a:solidFill>
+                <a:latin typeface="Poppins"/>
+                <a:ea typeface="Poppins"/>
+                <a:cs typeface="Poppins"/>
+                <a:sym typeface="Poppins"/>
+              </a:rPr>
+              <a:t>n the ASP.NET Core, and because it stores the claims in the cookie or token, and they are static, they don’t change until </a:t>
+            </a:r>
+            <a:r>
+              <a:rPr lang="en-GB" sz="1800">
+                <a:solidFill>
+                  <a:srgbClr val="5B636F"/>
+                </a:solidFill>
+                <a:latin typeface="Poppins"/>
+                <a:ea typeface="Poppins"/>
+                <a:cs typeface="Poppins"/>
+                <a:sym typeface="Poppins"/>
+              </a:rPr>
+              <a:t>the</a:t>
+            </a:r>
+            <a:r>
+              <a:rPr b="0" i="0" lang="en-GB" sz="1800" u="none" cap="none" strike="noStrike">
+                <a:solidFill>
+                  <a:srgbClr val="5B636F"/>
+                </a:solidFill>
+                <a:latin typeface="Poppins"/>
+                <a:ea typeface="Poppins"/>
+                <a:cs typeface="Poppins"/>
+                <a:sym typeface="Poppins"/>
+              </a:rPr>
+              <a:t> next re-login. </a:t>
             </a:r>
             <a:endParaRPr b="0" i="0" sz="1800" u="none" cap="none" strike="noStrike">
               <a:solidFill>
@@ -20811,31 +20679,7 @@
                 <a:cs typeface="Poppins"/>
                 <a:sym typeface="Poppins"/>
               </a:rPr>
-              <a:t>In this version on, ABP Framework’s MVC / Razor Pages UI</a:t>
-            </a:r>
-            <a:r>
-              <a:rPr lang="en-GB" sz="1600">
-                <a:solidFill>
-                  <a:srgbClr val="5B636F"/>
-                </a:solidFill>
-                <a:latin typeface="Poppins"/>
-                <a:ea typeface="Poppins"/>
-                <a:cs typeface="Poppins"/>
-                <a:sym typeface="Poppins"/>
-              </a:rPr>
-              <a:t>’s</a:t>
-            </a:r>
-            <a:r>
-              <a:rPr b="0" i="0" lang="en-GB" sz="1600" u="none" cap="none" strike="noStrike">
-                <a:solidFill>
-                  <a:srgbClr val="5B636F"/>
-                </a:solidFill>
-                <a:latin typeface="Poppins"/>
-                <a:ea typeface="Poppins"/>
-                <a:cs typeface="Poppins"/>
-                <a:sym typeface="Poppins"/>
-              </a:rPr>
-              <a:t> </a:t>
+              <a:t>In this version, ABP Framework’s </a:t>
             </a:r>
             <a:r>
               <a:rPr b="0" i="0" lang="en-GB" sz="1600" u="sng" cap="none" strike="noStrike">
@@ -20872,7 +20716,43 @@
                 <a:cs typeface="Poppins"/>
                 <a:sym typeface="Poppins"/>
               </a:rPr>
-              <a:t>CDN Support</a:t>
+              <a:t>CDN Support </a:t>
+            </a:r>
+            <a:r>
+              <a:rPr lang="en-GB" sz="1600">
+                <a:solidFill>
+                  <a:srgbClr val="5B636F"/>
+                </a:solidFill>
+                <a:latin typeface="Poppins"/>
+                <a:ea typeface="Poppins"/>
+                <a:cs typeface="Poppins"/>
+                <a:sym typeface="Poppins"/>
+              </a:rPr>
+              <a:t>for MVC / </a:t>
+            </a:r>
+            <a:r>
+              <a:rPr lang="en-GB" sz="1600">
+                <a:solidFill>
+                  <a:srgbClr val="5B636F"/>
+                </a:solidFill>
+                <a:latin typeface="Poppins"/>
+                <a:ea typeface="Poppins"/>
+                <a:cs typeface="Poppins"/>
+                <a:sym typeface="Poppins"/>
+              </a:rPr>
+              <a:t>Razor</a:t>
+            </a:r>
+            <a:r>
+              <a:rPr lang="en-GB" sz="1600">
+                <a:solidFill>
+                  <a:srgbClr val="5B636F"/>
+                </a:solidFill>
+                <a:latin typeface="Poppins"/>
+                <a:ea typeface="Poppins"/>
+                <a:cs typeface="Poppins"/>
+                <a:sym typeface="Poppins"/>
+              </a:rPr>
+              <a:t> Pages</a:t>
             </a:r>
             <a:r>
               <a:rPr b="0" i="0" lang="en-GB" sz="1600" u="none" cap="none" strike="noStrike">
@@ -20979,7 +20859,31 @@
                 <a:cs typeface="Poppins"/>
                 <a:sym typeface="Poppins"/>
               </a:rPr>
-              <a:t> and places them as script tags into the page along with the bundled CSS/JS files.</a:t>
+              <a:t> and places them as script tags </a:t>
+            </a:r>
+            <a:r>
+              <a:rPr lang="en-GB" sz="1600">
+                <a:solidFill>
+                  <a:srgbClr val="5B636F"/>
+                </a:solidFill>
+                <a:latin typeface="Poppins"/>
+                <a:ea typeface="Poppins"/>
+                <a:cs typeface="Poppins"/>
+                <a:sym typeface="Poppins"/>
+              </a:rPr>
+              <a:t>on </a:t>
+            </a:r>
+            <a:r>
+              <a:rPr b="0" i="0" lang="en-GB" sz="1600" u="none" cap="none" strike="noStrike">
+                <a:solidFill>
+                  <a:srgbClr val="5B636F"/>
+                </a:solidFill>
+                <a:latin typeface="Poppins"/>
+                <a:ea typeface="Poppins"/>
+                <a:cs typeface="Poppins"/>
+                <a:sym typeface="Poppins"/>
+              </a:rPr>
+              <a:t>the page along with the bundled CSS/JS files.</a:t>
             </a:r>
             <a:endParaRPr b="0" i="0" sz="1600" u="none" cap="none" strike="noStrike">
               <a:solidFill>
